--- a/FichierExterneProjet/Slide-projet-annuel.pptx
+++ b/FichierExterneProjet/Slide-projet-annuel.pptx
@@ -12,10 +12,10 @@
     <p:sldId id="283" r:id="rId3"/>
     <p:sldId id="284" r:id="rId4"/>
     <p:sldId id="285" r:id="rId5"/>
-    <p:sldId id="287" r:id="rId6"/>
-    <p:sldId id="295" r:id="rId7"/>
-    <p:sldId id="289" r:id="rId8"/>
-    <p:sldId id="291" r:id="rId9"/>
+    <p:sldId id="295" r:id="rId6"/>
+    <p:sldId id="289" r:id="rId7"/>
+    <p:sldId id="291" r:id="rId8"/>
+    <p:sldId id="287" r:id="rId9"/>
     <p:sldId id="297" r:id="rId10"/>
     <p:sldId id="266" r:id="rId11"/>
     <p:sldId id="271" r:id="rId12"/>
@@ -24,18 +24,25 @@
   <p:notesSz cx="6858000" cy="9144000"/>
   <p:embeddedFontLst>
     <p:embeddedFont>
-      <p:font typeface="Merriweather" panose="020B0604020202020204" charset="0"/>
+      <p:font typeface="Merriweather" charset="0"/>
       <p:regular r:id="rId14"/>
       <p:bold r:id="rId15"/>
       <p:italic r:id="rId16"/>
       <p:boldItalic r:id="rId17"/>
     </p:embeddedFont>
     <p:embeddedFont>
-      <p:font typeface="Open Sans" panose="020B0604020202020204" charset="0"/>
+      <p:font typeface="Open Sans" charset="0"/>
       <p:regular r:id="rId18"/>
       <p:bold r:id="rId19"/>
       <p:italic r:id="rId20"/>
       <p:boldItalic r:id="rId21"/>
+    </p:embeddedFont>
+    <p:embeddedFont>
+      <p:font typeface="Calibri" pitchFamily="34" charset="0"/>
+      <p:regular r:id="rId22"/>
+      <p:bold r:id="rId23"/>
+      <p:italic r:id="rId24"/>
+      <p:boldItalic r:id="rId25"/>
     </p:embeddedFont>
   </p:embeddedFontLst>
   <p:defaultTextStyle>
@@ -269,7 +276,7 @@
   </p:defaultTextStyle>
   <p:extLst>
     <p:ext uri="{EFAFB233-063F-42B5-8137-9DF3F51BA10A}">
-      <p15:sldGuideLst xmlns:p15="http://schemas.microsoft.com/office/powerpoint/2012/main">
+      <p15:sldGuideLst xmlns:p15="http://schemas.microsoft.com/office/powerpoint/2012/main" xmlns="">
         <p15:guide id="1" orient="horz" pos="1620">
           <p15:clr>
             <a:srgbClr val="A4A3A4"/>
@@ -291,7 +298,7 @@
   <p:cmAuthor id="1" name="ahmed elabed" initials="ae" lastIdx="11" clrIdx="0">
     <p:extLst>
       <p:ext uri="{19B8F6BF-5375-455C-9EA6-DF929625EA0E}">
-        <p15:presenceInfo xmlns:p15="http://schemas.microsoft.com/office/powerpoint/2012/main" userId="94639cb4cbb3ee54" providerId="Windows Live"/>
+        <p15:presenceInfo xmlns:p15="http://schemas.microsoft.com/office/powerpoint/2012/main" xmlns="" userId="94639cb4cbb3ee54" providerId="Windows Live"/>
       </p:ext>
     </p:extLst>
   </p:cmAuthor>
@@ -505,7 +512,7 @@
     </p:spTree>
     <p:extLst>
       <p:ext uri="{BB962C8B-B14F-4D97-AF65-F5344CB8AC3E}">
-        <p14:creationId xmlns:p14="http://schemas.microsoft.com/office/powerpoint/2010/main" val="2764400851"/>
+        <p14:creationId xmlns:p14="http://schemas.microsoft.com/office/powerpoint/2010/main" xmlns="" val="2764400851"/>
       </p:ext>
     </p:extLst>
   </p:cSld>
@@ -841,7 +848,7 @@
     </p:spTree>
     <p:extLst>
       <p:ext uri="{BB962C8B-B14F-4D97-AF65-F5344CB8AC3E}">
-        <p14:creationId xmlns:p14="http://schemas.microsoft.com/office/powerpoint/2010/main" val="3632876907"/>
+        <p14:creationId xmlns:p14="http://schemas.microsoft.com/office/powerpoint/2010/main" xmlns="" val="3632876907"/>
       </p:ext>
     </p:extLst>
   </p:cSld>
@@ -950,7 +957,7 @@
     </p:spTree>
     <p:extLst>
       <p:ext uri="{BB962C8B-B14F-4D97-AF65-F5344CB8AC3E}">
-        <p14:creationId xmlns:p14="http://schemas.microsoft.com/office/powerpoint/2010/main" val="468904217"/>
+        <p14:creationId xmlns:p14="http://schemas.microsoft.com/office/powerpoint/2010/main" xmlns="" val="468904217"/>
       </p:ext>
     </p:extLst>
   </p:cSld>
@@ -1059,7 +1066,7 @@
     </p:spTree>
     <p:extLst>
       <p:ext uri="{BB962C8B-B14F-4D97-AF65-F5344CB8AC3E}">
-        <p14:creationId xmlns:p14="http://schemas.microsoft.com/office/powerpoint/2010/main" val="129567196"/>
+        <p14:creationId xmlns:p14="http://schemas.microsoft.com/office/powerpoint/2010/main" xmlns="" val="129567196"/>
       </p:ext>
     </p:extLst>
   </p:cSld>
@@ -1168,7 +1175,7 @@
     </p:spTree>
     <p:extLst>
       <p:ext uri="{BB962C8B-B14F-4D97-AF65-F5344CB8AC3E}">
-        <p14:creationId xmlns:p14="http://schemas.microsoft.com/office/powerpoint/2010/main" val="1592030755"/>
+        <p14:creationId xmlns:p14="http://schemas.microsoft.com/office/powerpoint/2010/main" xmlns="" val="1592030755"/>
       </p:ext>
     </p:extLst>
   </p:cSld>
@@ -1386,7 +1393,7 @@
     </p:spTree>
     <p:extLst>
       <p:ext uri="{BB962C8B-B14F-4D97-AF65-F5344CB8AC3E}">
-        <p14:creationId xmlns:p14="http://schemas.microsoft.com/office/powerpoint/2010/main" val="2989617546"/>
+        <p14:creationId xmlns:p14="http://schemas.microsoft.com/office/powerpoint/2010/main" xmlns="" val="2989617546"/>
       </p:ext>
     </p:extLst>
   </p:cSld>
@@ -1495,7 +1502,7 @@
     </p:spTree>
     <p:extLst>
       <p:ext uri="{BB962C8B-B14F-4D97-AF65-F5344CB8AC3E}">
-        <p14:creationId xmlns:p14="http://schemas.microsoft.com/office/powerpoint/2010/main" val="3205899648"/>
+        <p14:creationId xmlns:p14="http://schemas.microsoft.com/office/powerpoint/2010/main" xmlns="" val="2965525799"/>
       </p:ext>
     </p:extLst>
   </p:cSld>
@@ -1604,7 +1611,7 @@
     </p:spTree>
     <p:extLst>
       <p:ext uri="{BB962C8B-B14F-4D97-AF65-F5344CB8AC3E}">
-        <p14:creationId xmlns:p14="http://schemas.microsoft.com/office/powerpoint/2010/main" val="2965525799"/>
+        <p14:creationId xmlns:p14="http://schemas.microsoft.com/office/powerpoint/2010/main" xmlns="" val="1867428017"/>
       </p:ext>
     </p:extLst>
   </p:cSld>
@@ -1713,7 +1720,7 @@
     </p:spTree>
     <p:extLst>
       <p:ext uri="{BB962C8B-B14F-4D97-AF65-F5344CB8AC3E}">
-        <p14:creationId xmlns:p14="http://schemas.microsoft.com/office/powerpoint/2010/main" val="1867428017"/>
+        <p14:creationId xmlns:p14="http://schemas.microsoft.com/office/powerpoint/2010/main" xmlns="" val="3205899648"/>
       </p:ext>
     </p:extLst>
   </p:cSld>
@@ -1822,7 +1829,7 @@
     </p:spTree>
     <p:extLst>
       <p:ext uri="{BB962C8B-B14F-4D97-AF65-F5344CB8AC3E}">
-        <p14:creationId xmlns:p14="http://schemas.microsoft.com/office/powerpoint/2010/main" val="2095785236"/>
+        <p14:creationId xmlns:p14="http://schemas.microsoft.com/office/powerpoint/2010/main" xmlns="" val="2095785236"/>
       </p:ext>
     </p:extLst>
   </p:cSld>
@@ -1931,7 +1938,7 @@
     </p:spTree>
     <p:extLst>
       <p:ext uri="{BB962C8B-B14F-4D97-AF65-F5344CB8AC3E}">
-        <p14:creationId xmlns:p14="http://schemas.microsoft.com/office/powerpoint/2010/main" val="3507591175"/>
+        <p14:creationId xmlns:p14="http://schemas.microsoft.com/office/powerpoint/2010/main" xmlns="" val="3507591175"/>
       </p:ext>
     </p:extLst>
   </p:cSld>
@@ -2705,6 +2712,15 @@
             </a:pPr>
             <a:fld id="{00000000-1234-1234-1234-123412341234}" type="slidenum">
               <a:rPr lang="en"/>
+              <a:pPr marL="0" lvl="0" indent="0" algn="ctr" rtl="0">
+                <a:spcBef>
+                  <a:spcPts val="0"/>
+                </a:spcBef>
+                <a:spcAft>
+                  <a:spcPts val="0"/>
+                </a:spcAft>
+                <a:buNone/>
+              </a:pPr>
               <a:t>‹N°›</a:t>
             </a:fld>
             <a:endParaRPr dirty="0"/>
@@ -2928,6 +2944,15 @@
             </a:pPr>
             <a:fld id="{00000000-1234-1234-1234-123412341234}" type="slidenum">
               <a:rPr lang="en"/>
+              <a:pPr marL="0" lvl="0" indent="0" algn="ctr" rtl="0">
+                <a:spcBef>
+                  <a:spcPts val="0"/>
+                </a:spcBef>
+                <a:spcAft>
+                  <a:spcPts val="0"/>
+                </a:spcAft>
+                <a:buNone/>
+              </a:pPr>
               <a:t>‹N°›</a:t>
             </a:fld>
             <a:endParaRPr dirty="0"/>
@@ -3594,6 +3619,15 @@
             </a:pPr>
             <a:fld id="{00000000-1234-1234-1234-123412341234}" type="slidenum">
               <a:rPr lang="en"/>
+              <a:pPr marL="0" lvl="0" indent="0" algn="r" rtl="0">
+                <a:spcBef>
+                  <a:spcPts val="0"/>
+                </a:spcBef>
+                <a:spcAft>
+                  <a:spcPts val="0"/>
+                </a:spcAft>
+                <a:buNone/>
+              </a:pPr>
               <a:t>‹N°›</a:t>
             </a:fld>
             <a:endParaRPr dirty="0"/>
@@ -5212,7 +5246,7 @@
           <p:cNvPr id="11" name="Picture 4" descr="RÃ©sultat de recherche d'images pour &quot;hitema logo png&quot;">
             <a:extLst>
               <a:ext uri="{FF2B5EF4-FFF2-40B4-BE49-F238E27FC236}">
-                <a16:creationId xmlns:a16="http://schemas.microsoft.com/office/drawing/2014/main" id="{2A99C9D5-8757-4691-8595-643D835CC06E}"/>
+                <a16:creationId xmlns:a16="http://schemas.microsoft.com/office/drawing/2014/main" xmlns="" id="{2A99C9D5-8757-4691-8595-643D835CC06E}"/>
               </a:ext>
             </a:extLst>
           </p:cNvPr>
@@ -5225,7 +5259,7 @@
           <a:blip r:embed="rId4">
             <a:extLst>
               <a:ext uri="{28A0092B-C50C-407E-A947-70E740481C1C}">
-                <a14:useLocalDpi xmlns:a14="http://schemas.microsoft.com/office/drawing/2010/main" val="0"/>
+                <a14:useLocalDpi xmlns:a14="http://schemas.microsoft.com/office/drawing/2010/main" xmlns="" val="0"/>
               </a:ext>
             </a:extLst>
           </a:blip>
@@ -5245,7 +5279,7 @@
           <a:noFill/>
           <a:extLst>
             <a:ext uri="{909E8E84-426E-40DD-AFC4-6F175D3DCCD1}">
-              <a14:hiddenFill xmlns:a14="http://schemas.microsoft.com/office/drawing/2010/main">
+              <a14:hiddenFill xmlns:a14="http://schemas.microsoft.com/office/drawing/2010/main" xmlns="">
                 <a:solidFill>
                   <a:srgbClr val="FFFFFF"/>
                 </a:solidFill>
@@ -5259,7 +5293,7 @@
           <p:cNvPr id="13" name="Rectangle 12">
             <a:extLst>
               <a:ext uri="{FF2B5EF4-FFF2-40B4-BE49-F238E27FC236}">
-                <a16:creationId xmlns:a16="http://schemas.microsoft.com/office/drawing/2014/main" id="{080BCF5A-97E3-47DE-ADF6-32AF07A71101}"/>
+                <a16:creationId xmlns:a16="http://schemas.microsoft.com/office/drawing/2014/main" xmlns="" id="{080BCF5A-97E3-47DE-ADF6-32AF07A71101}"/>
               </a:ext>
             </a:extLst>
           </p:cNvPr>
@@ -5308,7 +5342,7 @@
           <p:cNvPr id="16" name="ZoneTexte 15">
             <a:extLst>
               <a:ext uri="{FF2B5EF4-FFF2-40B4-BE49-F238E27FC236}">
-                <a16:creationId xmlns:a16="http://schemas.microsoft.com/office/drawing/2014/main" id="{7E31DB8B-7E62-4940-8CB2-60DE061C51AE}"/>
+                <a16:creationId xmlns:a16="http://schemas.microsoft.com/office/drawing/2014/main" xmlns="" id="{7E31DB8B-7E62-4940-8CB2-60DE061C51AE}"/>
               </a:ext>
             </a:extLst>
           </p:cNvPr>
@@ -5350,7 +5384,7 @@
           <p:cNvPr id="2" name="Image 1">
             <a:extLst>
               <a:ext uri="{FF2B5EF4-FFF2-40B4-BE49-F238E27FC236}">
-                <a16:creationId xmlns:a16="http://schemas.microsoft.com/office/drawing/2014/main" id="{42D915BB-80B5-4EB1-9467-3EFC8D5FCC3C}"/>
+                <a16:creationId xmlns:a16="http://schemas.microsoft.com/office/drawing/2014/main" xmlns="" id="{42D915BB-80B5-4EB1-9467-3EFC8D5FCC3C}"/>
               </a:ext>
             </a:extLst>
           </p:cNvPr>
@@ -5605,6 +5639,15 @@
             </a:pPr>
             <a:fld id="{00000000-1234-1234-1234-123412341234}" type="slidenum">
               <a:rPr lang="en"/>
+              <a:pPr marL="0" lvl="0" indent="0" algn="ctr" rtl="0">
+                <a:spcBef>
+                  <a:spcPts val="0"/>
+                </a:spcBef>
+                <a:spcAft>
+                  <a:spcPts val="0"/>
+                </a:spcAft>
+                <a:buNone/>
+              </a:pPr>
               <a:t>10</a:t>
             </a:fld>
             <a:endParaRPr dirty="0"/>
@@ -5616,7 +5659,7 @@
           <p:cNvPr id="9" name="Google Shape;158;p21">
             <a:extLst>
               <a:ext uri="{FF2B5EF4-FFF2-40B4-BE49-F238E27FC236}">
-                <a16:creationId xmlns:a16="http://schemas.microsoft.com/office/drawing/2014/main" id="{875D8881-7765-479E-A3C6-13B0307ECDE9}"/>
+                <a16:creationId xmlns:a16="http://schemas.microsoft.com/office/drawing/2014/main" xmlns="" id="{875D8881-7765-479E-A3C6-13B0307ECDE9}"/>
               </a:ext>
             </a:extLst>
           </p:cNvPr>
@@ -5902,7 +5945,7 @@
           <p:cNvPr id="10" name="Google Shape;503;p40">
             <a:extLst>
               <a:ext uri="{FF2B5EF4-FFF2-40B4-BE49-F238E27FC236}">
-                <a16:creationId xmlns:a16="http://schemas.microsoft.com/office/drawing/2014/main" id="{EAD89513-360E-42BD-B813-6AF52A148E0B}"/>
+                <a16:creationId xmlns:a16="http://schemas.microsoft.com/office/drawing/2014/main" xmlns="" id="{EAD89513-360E-42BD-B813-6AF52A148E0B}"/>
               </a:ext>
             </a:extLst>
           </p:cNvPr>
@@ -5922,7 +5965,7 @@
             <p:cNvPr id="11" name="Google Shape;504;p40">
               <a:extLst>
                 <a:ext uri="{FF2B5EF4-FFF2-40B4-BE49-F238E27FC236}">
-                  <a16:creationId xmlns:a16="http://schemas.microsoft.com/office/drawing/2014/main" id="{016EC06E-9F33-4E42-ABFA-CE6C47E82B2D}"/>
+                  <a16:creationId xmlns:a16="http://schemas.microsoft.com/office/drawing/2014/main" xmlns="" id="{016EC06E-9F33-4E42-ABFA-CE6C47E82B2D}"/>
                 </a:ext>
               </a:extLst>
             </p:cNvPr>
@@ -6824,7 +6867,7 @@
             <p:cNvPr id="12" name="Google Shape;505;p40">
               <a:extLst>
                 <a:ext uri="{FF2B5EF4-FFF2-40B4-BE49-F238E27FC236}">
-                  <a16:creationId xmlns:a16="http://schemas.microsoft.com/office/drawing/2014/main" id="{B0AB766A-4243-4AD9-ABB0-3DFA31F8C6AD}"/>
+                  <a16:creationId xmlns:a16="http://schemas.microsoft.com/office/drawing/2014/main" xmlns="" id="{B0AB766A-4243-4AD9-ABB0-3DFA31F8C6AD}"/>
                 </a:ext>
               </a:extLst>
             </p:cNvPr>
@@ -7583,7 +7626,7 @@
           <p:cNvPr id="13" name="Picture 2" descr="RÃ©sultat de recherche d'images pour &quot;php logo png&quot;">
             <a:extLst>
               <a:ext uri="{FF2B5EF4-FFF2-40B4-BE49-F238E27FC236}">
-                <a16:creationId xmlns:a16="http://schemas.microsoft.com/office/drawing/2014/main" id="{47780AE4-0888-415D-8017-8ECBE45D450A}"/>
+                <a16:creationId xmlns:a16="http://schemas.microsoft.com/office/drawing/2014/main" xmlns="" id="{47780AE4-0888-415D-8017-8ECBE45D450A}"/>
               </a:ext>
             </a:extLst>
           </p:cNvPr>
@@ -7596,7 +7639,7 @@
           <a:blip r:embed="rId4" cstate="print">
             <a:extLst>
               <a:ext uri="{28A0092B-C50C-407E-A947-70E740481C1C}">
-                <a14:useLocalDpi xmlns:a14="http://schemas.microsoft.com/office/drawing/2010/main" val="0"/>
+                <a14:useLocalDpi xmlns:a14="http://schemas.microsoft.com/office/drawing/2010/main" xmlns="" val="0"/>
               </a:ext>
             </a:extLst>
           </a:blip>
@@ -7616,7 +7659,7 @@
           <a:noFill/>
           <a:extLst>
             <a:ext uri="{909E8E84-426E-40DD-AFC4-6F175D3DCCD1}">
-              <a14:hiddenFill xmlns:a14="http://schemas.microsoft.com/office/drawing/2010/main">
+              <a14:hiddenFill xmlns:a14="http://schemas.microsoft.com/office/drawing/2010/main" xmlns="">
                 <a:solidFill>
                   <a:srgbClr val="FFFFFF"/>
                 </a:solidFill>
@@ -7630,7 +7673,7 @@
           <p:cNvPr id="14" name="Picture 2" descr="RÃ©sultat de recherche d'images pour &quot;Xampp logo&quot;">
             <a:extLst>
               <a:ext uri="{FF2B5EF4-FFF2-40B4-BE49-F238E27FC236}">
-                <a16:creationId xmlns:a16="http://schemas.microsoft.com/office/drawing/2014/main" id="{08F25CA9-9A66-48CC-99A0-C3D44E2B4D9E}"/>
+                <a16:creationId xmlns:a16="http://schemas.microsoft.com/office/drawing/2014/main" xmlns="" id="{08F25CA9-9A66-48CC-99A0-C3D44E2B4D9E}"/>
               </a:ext>
             </a:extLst>
           </p:cNvPr>
@@ -7643,7 +7686,7 @@
           <a:blip r:embed="rId5">
             <a:extLst>
               <a:ext uri="{28A0092B-C50C-407E-A947-70E740481C1C}">
-                <a14:useLocalDpi xmlns:a14="http://schemas.microsoft.com/office/drawing/2010/main" val="0"/>
+                <a14:useLocalDpi xmlns:a14="http://schemas.microsoft.com/office/drawing/2010/main" xmlns="" val="0"/>
               </a:ext>
             </a:extLst>
           </a:blip>
@@ -7663,7 +7706,7 @@
           <a:noFill/>
           <a:extLst>
             <a:ext uri="{909E8E84-426E-40DD-AFC4-6F175D3DCCD1}">
-              <a14:hiddenFill xmlns:a14="http://schemas.microsoft.com/office/drawing/2010/main">
+              <a14:hiddenFill xmlns:a14="http://schemas.microsoft.com/office/drawing/2010/main" xmlns="">
                 <a:solidFill>
                   <a:srgbClr val="FFFFFF"/>
                 </a:solidFill>
@@ -7677,7 +7720,7 @@
           <p:cNvPr id="15" name="Picture 2" descr="RÃ©sultat de recherche d'images pour &quot;bootstrap logo&quot;">
             <a:extLst>
               <a:ext uri="{FF2B5EF4-FFF2-40B4-BE49-F238E27FC236}">
-                <a16:creationId xmlns:a16="http://schemas.microsoft.com/office/drawing/2014/main" id="{5E3BAE63-20D4-426A-8400-6A1D6B7EFA58}"/>
+                <a16:creationId xmlns:a16="http://schemas.microsoft.com/office/drawing/2014/main" xmlns="" id="{5E3BAE63-20D4-426A-8400-6A1D6B7EFA58}"/>
               </a:ext>
             </a:extLst>
           </p:cNvPr>
@@ -7690,7 +7733,7 @@
           <a:blip r:embed="rId6" cstate="print">
             <a:extLst>
               <a:ext uri="{28A0092B-C50C-407E-A947-70E740481C1C}">
-                <a14:useLocalDpi xmlns:a14="http://schemas.microsoft.com/office/drawing/2010/main" val="0"/>
+                <a14:useLocalDpi xmlns:a14="http://schemas.microsoft.com/office/drawing/2010/main" xmlns="" val="0"/>
               </a:ext>
             </a:extLst>
           </a:blip>
@@ -7710,7 +7753,7 @@
           <a:noFill/>
           <a:extLst>
             <a:ext uri="{909E8E84-426E-40DD-AFC4-6F175D3DCCD1}">
-              <a14:hiddenFill xmlns:a14="http://schemas.microsoft.com/office/drawing/2010/main">
+              <a14:hiddenFill xmlns:a14="http://schemas.microsoft.com/office/drawing/2010/main" xmlns="">
                 <a:solidFill>
                   <a:srgbClr val="FFFFFF"/>
                 </a:solidFill>
@@ -7925,6 +7968,15 @@
             </a:pPr>
             <a:fld id="{00000000-1234-1234-1234-123412341234}" type="slidenum">
               <a:rPr lang="en"/>
+              <a:pPr marL="0" lvl="0" indent="0" algn="ctr" rtl="0">
+                <a:spcBef>
+                  <a:spcPts val="0"/>
+                </a:spcBef>
+                <a:spcAft>
+                  <a:spcPts val="0"/>
+                </a:spcAft>
+                <a:buNone/>
+              </a:pPr>
               <a:t>11</a:t>
             </a:fld>
             <a:endParaRPr dirty="0"/>
@@ -7936,7 +7988,7 @@
           <p:cNvPr id="13" name="Google Shape;205;p25">
             <a:extLst>
               <a:ext uri="{FF2B5EF4-FFF2-40B4-BE49-F238E27FC236}">
-                <a16:creationId xmlns:a16="http://schemas.microsoft.com/office/drawing/2014/main" id="{C9D32720-0CD9-44C6-948B-E78D7D516B2D}"/>
+                <a16:creationId xmlns:a16="http://schemas.microsoft.com/office/drawing/2014/main" xmlns="" id="{C9D32720-0CD9-44C6-948B-E78D7D516B2D}"/>
               </a:ext>
             </a:extLst>
           </p:cNvPr>
@@ -7994,7 +8046,7 @@
           <p:cNvPr id="14" name="Google Shape;206;p25">
             <a:extLst>
               <a:ext uri="{FF2B5EF4-FFF2-40B4-BE49-F238E27FC236}">
-                <a16:creationId xmlns:a16="http://schemas.microsoft.com/office/drawing/2014/main" id="{D7B66868-C7AF-4AC5-BC77-A52D513A5991}"/>
+                <a16:creationId xmlns:a16="http://schemas.microsoft.com/office/drawing/2014/main" xmlns="" id="{D7B66868-C7AF-4AC5-BC77-A52D513A5991}"/>
               </a:ext>
             </a:extLst>
           </p:cNvPr>
@@ -8052,7 +8104,7 @@
           <p:cNvPr id="15" name="Google Shape;207;p25">
             <a:extLst>
               <a:ext uri="{FF2B5EF4-FFF2-40B4-BE49-F238E27FC236}">
-                <a16:creationId xmlns:a16="http://schemas.microsoft.com/office/drawing/2014/main" id="{8E841901-1C3C-46B5-A943-B0B8D5CCBD9E}"/>
+                <a16:creationId xmlns:a16="http://schemas.microsoft.com/office/drawing/2014/main" xmlns="" id="{8E841901-1C3C-46B5-A943-B0B8D5CCBD9E}"/>
               </a:ext>
             </a:extLst>
           </p:cNvPr>
@@ -8110,7 +8162,7 @@
           <p:cNvPr id="16" name="Google Shape;158;p21">
             <a:extLst>
               <a:ext uri="{FF2B5EF4-FFF2-40B4-BE49-F238E27FC236}">
-                <a16:creationId xmlns:a16="http://schemas.microsoft.com/office/drawing/2014/main" id="{F9B8682A-0FDC-42EA-8C88-29409DE60718}"/>
+                <a16:creationId xmlns:a16="http://schemas.microsoft.com/office/drawing/2014/main" xmlns="" id="{F9B8682A-0FDC-42EA-8C88-29409DE60718}"/>
               </a:ext>
             </a:extLst>
           </p:cNvPr>
@@ -8396,7 +8448,7 @@
           <p:cNvPr id="22" name="Picture 2" descr="Résultat de recherche d'images pour &quot;formation&quot;">
             <a:extLst>
               <a:ext uri="{FF2B5EF4-FFF2-40B4-BE49-F238E27FC236}">
-                <a16:creationId xmlns:a16="http://schemas.microsoft.com/office/drawing/2014/main" id="{867B308D-BC74-40D4-AA8B-203332A601E1}"/>
+                <a16:creationId xmlns:a16="http://schemas.microsoft.com/office/drawing/2014/main" xmlns="" id="{867B308D-BC74-40D4-AA8B-203332A601E1}"/>
               </a:ext>
             </a:extLst>
           </p:cNvPr>
@@ -8409,7 +8461,7 @@
           <a:blip r:embed="rId4">
             <a:extLst>
               <a:ext uri="{28A0092B-C50C-407E-A947-70E740481C1C}">
-                <a14:useLocalDpi xmlns:a14="http://schemas.microsoft.com/office/drawing/2010/main" val="0"/>
+                <a14:useLocalDpi xmlns:a14="http://schemas.microsoft.com/office/drawing/2010/main" xmlns="" val="0"/>
               </a:ext>
             </a:extLst>
           </a:blip>
@@ -8434,7 +8486,7 @@
           </a:effectLst>
           <a:extLst>
             <a:ext uri="{909E8E84-426E-40DD-AFC4-6F175D3DCCD1}">
-              <a14:hiddenFill xmlns:a14="http://schemas.microsoft.com/office/drawing/2010/main">
+              <a14:hiddenFill xmlns:a14="http://schemas.microsoft.com/office/drawing/2010/main" xmlns="">
                 <a:solidFill>
                   <a:srgbClr val="FFFFFF"/>
                 </a:solidFill>
@@ -8448,7 +8500,7 @@
           <p:cNvPr id="23" name="Picture 4" descr="Résultat de recherche d'images pour &quot;Script SQL&quot;">
             <a:extLst>
               <a:ext uri="{FF2B5EF4-FFF2-40B4-BE49-F238E27FC236}">
-                <a16:creationId xmlns:a16="http://schemas.microsoft.com/office/drawing/2014/main" id="{1173EBDF-47DC-4480-851B-074A494ACAA4}"/>
+                <a16:creationId xmlns:a16="http://schemas.microsoft.com/office/drawing/2014/main" xmlns="" id="{1173EBDF-47DC-4480-851B-074A494ACAA4}"/>
               </a:ext>
             </a:extLst>
           </p:cNvPr>
@@ -8461,7 +8513,7 @@
           <a:blip r:embed="rId5">
             <a:extLst>
               <a:ext uri="{28A0092B-C50C-407E-A947-70E740481C1C}">
-                <a14:useLocalDpi xmlns:a14="http://schemas.microsoft.com/office/drawing/2010/main" val="0"/>
+                <a14:useLocalDpi xmlns:a14="http://schemas.microsoft.com/office/drawing/2010/main" xmlns="" val="0"/>
               </a:ext>
             </a:extLst>
           </a:blip>
@@ -8486,7 +8538,7 @@
           </a:effectLst>
           <a:extLst>
             <a:ext uri="{909E8E84-426E-40DD-AFC4-6F175D3DCCD1}">
-              <a14:hiddenFill xmlns:a14="http://schemas.microsoft.com/office/drawing/2010/main">
+              <a14:hiddenFill xmlns:a14="http://schemas.microsoft.com/office/drawing/2010/main" xmlns="">
                 <a:solidFill>
                   <a:srgbClr val="FFFFFF"/>
                 </a:solidFill>
@@ -8500,7 +8552,7 @@
           <p:cNvPr id="24" name="Picture 6" descr="Résultat de recherche d'images pour &quot;Application&quot;">
             <a:extLst>
               <a:ext uri="{FF2B5EF4-FFF2-40B4-BE49-F238E27FC236}">
-                <a16:creationId xmlns:a16="http://schemas.microsoft.com/office/drawing/2014/main" id="{E27BE0C6-0644-4334-A941-8C80EDF6982D}"/>
+                <a16:creationId xmlns:a16="http://schemas.microsoft.com/office/drawing/2014/main" xmlns="" id="{E27BE0C6-0644-4334-A941-8C80EDF6982D}"/>
               </a:ext>
             </a:extLst>
           </p:cNvPr>
@@ -8513,7 +8565,7 @@
           <a:blip r:embed="rId6">
             <a:extLst>
               <a:ext uri="{28A0092B-C50C-407E-A947-70E740481C1C}">
-                <a14:useLocalDpi xmlns:a14="http://schemas.microsoft.com/office/drawing/2010/main" val="0"/>
+                <a14:useLocalDpi xmlns:a14="http://schemas.microsoft.com/office/drawing/2010/main" xmlns="" val="0"/>
               </a:ext>
             </a:extLst>
           </a:blip>
@@ -8538,7 +8590,7 @@
           </a:effectLst>
           <a:extLst>
             <a:ext uri="{909E8E84-426E-40DD-AFC4-6F175D3DCCD1}">
-              <a14:hiddenFill xmlns:a14="http://schemas.microsoft.com/office/drawing/2010/main">
+              <a14:hiddenFill xmlns:a14="http://schemas.microsoft.com/office/drawing/2010/main" xmlns="">
                 <a:solidFill>
                   <a:srgbClr val="FFFFFF"/>
                 </a:solidFill>
@@ -8650,6 +8702,15 @@
             </a:pPr>
             <a:fld id="{00000000-1234-1234-1234-123412341234}" type="slidenum">
               <a:rPr lang="en"/>
+              <a:pPr marL="0" lvl="0" indent="0" algn="ctr" rtl="0">
+                <a:spcBef>
+                  <a:spcPts val="0"/>
+                </a:spcBef>
+                <a:spcAft>
+                  <a:spcPts val="0"/>
+                </a:spcAft>
+                <a:buNone/>
+              </a:pPr>
               <a:t>2</a:t>
             </a:fld>
             <a:endParaRPr/>
@@ -8661,7 +8722,7 @@
           <p:cNvPr id="22" name="Rectangle 21">
             <a:extLst>
               <a:ext uri="{FF2B5EF4-FFF2-40B4-BE49-F238E27FC236}">
-                <a16:creationId xmlns:a16="http://schemas.microsoft.com/office/drawing/2014/main" id="{68E7217D-AE7D-463E-9AD0-55981491DDC1}"/>
+                <a16:creationId xmlns:a16="http://schemas.microsoft.com/office/drawing/2014/main" xmlns="" id="{68E7217D-AE7D-463E-9AD0-55981491DDC1}"/>
               </a:ext>
             </a:extLst>
           </p:cNvPr>
@@ -9045,7 +9106,7 @@
           <p:cNvPr id="3" name="Groupe 2">
             <a:extLst>
               <a:ext uri="{FF2B5EF4-FFF2-40B4-BE49-F238E27FC236}">
-                <a16:creationId xmlns:a16="http://schemas.microsoft.com/office/drawing/2014/main" id="{A952EBAB-4172-4F1A-BF8F-CD62571F3A66}"/>
+                <a16:creationId xmlns:a16="http://schemas.microsoft.com/office/drawing/2014/main" xmlns="" id="{A952EBAB-4172-4F1A-BF8F-CD62571F3A66}"/>
               </a:ext>
             </a:extLst>
           </p:cNvPr>
@@ -9072,7 +9133,7 @@
             <a:blip r:embed="rId3">
               <a:extLst>
                 <a:ext uri="{28A0092B-C50C-407E-A947-70E740481C1C}">
-                  <a14:useLocalDpi xmlns:a14="http://schemas.microsoft.com/office/drawing/2010/main" val="0"/>
+                  <a14:useLocalDpi xmlns:a14="http://schemas.microsoft.com/office/drawing/2010/main" xmlns="" val="0"/>
                 </a:ext>
               </a:extLst>
             </a:blip>
@@ -9096,14 +9157,14 @@
             <a:effectLst/>
             <a:extLst>
               <a:ext uri="{909E8E84-426E-40DD-AFC4-6F175D3DCCD1}">
-                <a14:hiddenFill xmlns:a14="http://schemas.microsoft.com/office/drawing/2010/main">
+                <a14:hiddenFill xmlns:a14="http://schemas.microsoft.com/office/drawing/2010/main" xmlns="">
                   <a:solidFill>
                     <a:schemeClr val="accent1"/>
                   </a:solidFill>
                 </a14:hiddenFill>
               </a:ext>
               <a:ext uri="{91240B29-F687-4F45-9708-019B960494DF}">
-                <a14:hiddenLine xmlns:a14="http://schemas.microsoft.com/office/drawing/2010/main" w="9525">
+                <a14:hiddenLine xmlns:a14="http://schemas.microsoft.com/office/drawing/2010/main" xmlns="" w="9525">
                   <a:solidFill>
                     <a:schemeClr val="tx1"/>
                   </a:solidFill>
@@ -9113,7 +9174,7 @@
                 </a14:hiddenLine>
               </a:ext>
               <a:ext uri="{AF507438-7753-43E0-B8FC-AC1667EBCBE1}">
-                <a14:hiddenEffects xmlns:a14="http://schemas.microsoft.com/office/drawing/2010/main">
+                <a14:hiddenEffects xmlns:a14="http://schemas.microsoft.com/office/drawing/2010/main" xmlns="">
                   <a:effectLst>
                     <a:outerShdw dist="35921" dir="2700000" algn="ctr" rotWithShape="0">
                       <a:schemeClr val="bg2"/>
@@ -9408,7 +9469,7 @@
     </p:spTree>
     <p:extLst>
       <p:ext uri="{BB962C8B-B14F-4D97-AF65-F5344CB8AC3E}">
-        <p14:creationId xmlns:p14="http://schemas.microsoft.com/office/powerpoint/2010/main" val="1317500430"/>
+        <p14:creationId xmlns:p14="http://schemas.microsoft.com/office/powerpoint/2010/main" xmlns="" val="1317500430"/>
       </p:ext>
     </p:extLst>
   </p:cSld>
@@ -9594,6 +9655,15 @@
             </a:pPr>
             <a:fld id="{00000000-1234-1234-1234-123412341234}" type="slidenum">
               <a:rPr lang="en"/>
+              <a:pPr marL="0" lvl="0" indent="0" algn="ctr" rtl="0">
+                <a:spcBef>
+                  <a:spcPts val="0"/>
+                </a:spcBef>
+                <a:spcAft>
+                  <a:spcPts val="0"/>
+                </a:spcAft>
+                <a:buNone/>
+              </a:pPr>
               <a:t>3</a:t>
             </a:fld>
             <a:endParaRPr/>
@@ -9605,7 +9675,7 @@
           <p:cNvPr id="15" name="Rectangle 14">
             <a:extLst>
               <a:ext uri="{FF2B5EF4-FFF2-40B4-BE49-F238E27FC236}">
-                <a16:creationId xmlns:a16="http://schemas.microsoft.com/office/drawing/2014/main" id="{54312E1A-3C4E-4E40-9568-3972D5E9101C}"/>
+                <a16:creationId xmlns:a16="http://schemas.microsoft.com/office/drawing/2014/main" xmlns="" id="{54312E1A-3C4E-4E40-9568-3972D5E9101C}"/>
               </a:ext>
             </a:extLst>
           </p:cNvPr>
@@ -9705,7 +9775,23 @@
                 <a:ea typeface="Calibri" panose="020F0502020204030204" pitchFamily="34" charset="0"/>
                 <a:cs typeface="Times New Roman" panose="02020603050405020304" pitchFamily="18" charset="0"/>
               </a:rPr>
-              <a:t>Cette même visibilité pourrait apporter plus de traçabilité concernant l’état des conteneurs, il serait donc plus facile de déterminer l’origine des problèmes pour améliorer la relation client en cas de problème technique.</a:t>
+              <a:t>Cette même visibilité pourrait apporter plus de traçabilité concernant l’état des </a:t>
+            </a:r>
+            <a:r>
+              <a:rPr lang="fr-FR" dirty="0" smtClean="0">
+                <a:latin typeface="Times New Roman" panose="02020603050405020304" pitchFamily="18" charset="0"/>
+                <a:ea typeface="Calibri" panose="020F0502020204030204" pitchFamily="34" charset="0"/>
+                <a:cs typeface="Times New Roman" panose="02020603050405020304" pitchFamily="18" charset="0"/>
+              </a:rPr>
+              <a:t>conteneurs comme un système d’alerte, </a:t>
+            </a:r>
+            <a:r>
+              <a:rPr lang="fr-FR" dirty="0">
+                <a:latin typeface="Times New Roman" panose="02020603050405020304" pitchFamily="18" charset="0"/>
+                <a:ea typeface="Calibri" panose="020F0502020204030204" pitchFamily="34" charset="0"/>
+                <a:cs typeface="Times New Roman" panose="02020603050405020304" pitchFamily="18" charset="0"/>
+              </a:rPr>
+              <a:t>il serait donc plus facile de déterminer l’origine des problèmes pour améliorer la relation client en cas de problème technique.</a:t>
             </a:r>
           </a:p>
           <a:p>
@@ -9758,7 +9844,7 @@
           <p:cNvPr id="20" name="Google Shape;716;p40">
             <a:extLst>
               <a:ext uri="{FF2B5EF4-FFF2-40B4-BE49-F238E27FC236}">
-                <a16:creationId xmlns:a16="http://schemas.microsoft.com/office/drawing/2014/main" id="{2261F2D8-1F66-4004-A080-81EEB6CD3CE2}"/>
+                <a16:creationId xmlns:a16="http://schemas.microsoft.com/office/drawing/2014/main" xmlns="" id="{2261F2D8-1F66-4004-A080-81EEB6CD3CE2}"/>
               </a:ext>
             </a:extLst>
           </p:cNvPr>
@@ -9778,7 +9864,7 @@
             <p:cNvPr id="31" name="Google Shape;717;p40">
               <a:extLst>
                 <a:ext uri="{FF2B5EF4-FFF2-40B4-BE49-F238E27FC236}">
-                  <a16:creationId xmlns:a16="http://schemas.microsoft.com/office/drawing/2014/main" id="{63996EA9-435F-419B-B3A8-2F9F06DA80D0}"/>
+                  <a16:creationId xmlns:a16="http://schemas.microsoft.com/office/drawing/2014/main" xmlns="" id="{63996EA9-435F-419B-B3A8-2F9F06DA80D0}"/>
                 </a:ext>
               </a:extLst>
             </p:cNvPr>
@@ -10091,7 +10177,7 @@
             <p:cNvPr id="32" name="Google Shape;718;p40">
               <a:extLst>
                 <a:ext uri="{FF2B5EF4-FFF2-40B4-BE49-F238E27FC236}">
-                  <a16:creationId xmlns:a16="http://schemas.microsoft.com/office/drawing/2014/main" id="{EB51953D-48B7-4E92-A528-5D2C9CCBDA1D}"/>
+                  <a16:creationId xmlns:a16="http://schemas.microsoft.com/office/drawing/2014/main" xmlns="" id="{EB51953D-48B7-4E92-A528-5D2C9CCBDA1D}"/>
                 </a:ext>
               </a:extLst>
             </p:cNvPr>
@@ -10362,7 +10448,7 @@
             <p:cNvPr id="33" name="Google Shape;719;p40">
               <a:extLst>
                 <a:ext uri="{FF2B5EF4-FFF2-40B4-BE49-F238E27FC236}">
-                  <a16:creationId xmlns:a16="http://schemas.microsoft.com/office/drawing/2014/main" id="{4F777D15-534D-4202-B08E-9A2E7E61DC93}"/>
+                  <a16:creationId xmlns:a16="http://schemas.microsoft.com/office/drawing/2014/main" xmlns="" id="{4F777D15-534D-4202-B08E-9A2E7E61DC93}"/>
                 </a:ext>
               </a:extLst>
             </p:cNvPr>
@@ -10634,7 +10720,7 @@
           <p:cNvPr id="34" name="Google Shape;629;p40">
             <a:extLst>
               <a:ext uri="{FF2B5EF4-FFF2-40B4-BE49-F238E27FC236}">
-                <a16:creationId xmlns:a16="http://schemas.microsoft.com/office/drawing/2014/main" id="{5D90B791-19F8-4732-B9C4-3AB8AA5ADBB9}"/>
+                <a16:creationId xmlns:a16="http://schemas.microsoft.com/office/drawing/2014/main" xmlns="" id="{5D90B791-19F8-4732-B9C4-3AB8AA5ADBB9}"/>
               </a:ext>
             </a:extLst>
           </p:cNvPr>
@@ -10654,7 +10740,7 @@
             <p:cNvPr id="35" name="Google Shape;630;p40">
               <a:extLst>
                 <a:ext uri="{FF2B5EF4-FFF2-40B4-BE49-F238E27FC236}">
-                  <a16:creationId xmlns:a16="http://schemas.microsoft.com/office/drawing/2014/main" id="{B3B3A97E-3B95-4DFE-8C4D-C4FF830999F8}"/>
+                  <a16:creationId xmlns:a16="http://schemas.microsoft.com/office/drawing/2014/main" xmlns="" id="{B3B3A97E-3B95-4DFE-8C4D-C4FF830999F8}"/>
                 </a:ext>
               </a:extLst>
             </p:cNvPr>
@@ -10730,7 +10816,7 @@
             <p:cNvPr id="36" name="Google Shape;631;p40">
               <a:extLst>
                 <a:ext uri="{FF2B5EF4-FFF2-40B4-BE49-F238E27FC236}">
-                  <a16:creationId xmlns:a16="http://schemas.microsoft.com/office/drawing/2014/main" id="{FBA528C4-ECEB-4BD6-866B-F69A62183AAC}"/>
+                  <a16:creationId xmlns:a16="http://schemas.microsoft.com/office/drawing/2014/main" xmlns="" id="{FBA528C4-ECEB-4BD6-866B-F69A62183AAC}"/>
                 </a:ext>
               </a:extLst>
             </p:cNvPr>
@@ -10860,7 +10946,7 @@
             <p:cNvPr id="37" name="Google Shape;632;p40">
               <a:extLst>
                 <a:ext uri="{FF2B5EF4-FFF2-40B4-BE49-F238E27FC236}">
-                  <a16:creationId xmlns:a16="http://schemas.microsoft.com/office/drawing/2014/main" id="{1DE26170-5999-420C-AC76-193292EB5179}"/>
+                  <a16:creationId xmlns:a16="http://schemas.microsoft.com/office/drawing/2014/main" xmlns="" id="{1DE26170-5999-420C-AC76-193292EB5179}"/>
                 </a:ext>
               </a:extLst>
             </p:cNvPr>
@@ -10993,7 +11079,7 @@
             <p:cNvPr id="38" name="Google Shape;633;p40">
               <a:extLst>
                 <a:ext uri="{FF2B5EF4-FFF2-40B4-BE49-F238E27FC236}">
-                  <a16:creationId xmlns:a16="http://schemas.microsoft.com/office/drawing/2014/main" id="{28335E63-D6C3-44E0-B35C-7DB9D8AAAEC2}"/>
+                  <a16:creationId xmlns:a16="http://schemas.microsoft.com/office/drawing/2014/main" xmlns="" id="{28335E63-D6C3-44E0-B35C-7DB9D8AAAEC2}"/>
                 </a:ext>
               </a:extLst>
             </p:cNvPr>
@@ -11059,7 +11145,7 @@
             <p:cNvPr id="39" name="Google Shape;634;p40">
               <a:extLst>
                 <a:ext uri="{FF2B5EF4-FFF2-40B4-BE49-F238E27FC236}">
-                  <a16:creationId xmlns:a16="http://schemas.microsoft.com/office/drawing/2014/main" id="{A57EFC6B-3CC9-469B-802E-ACC64D41F654}"/>
+                  <a16:creationId xmlns:a16="http://schemas.microsoft.com/office/drawing/2014/main" xmlns="" id="{A57EFC6B-3CC9-469B-802E-ACC64D41F654}"/>
                 </a:ext>
               </a:extLst>
             </p:cNvPr>
@@ -11125,7 +11211,7 @@
             <p:cNvPr id="40" name="Google Shape;635;p40">
               <a:extLst>
                 <a:ext uri="{FF2B5EF4-FFF2-40B4-BE49-F238E27FC236}">
-                  <a16:creationId xmlns:a16="http://schemas.microsoft.com/office/drawing/2014/main" id="{DECEA86B-C3DD-4958-8D7A-67CE05B24347}"/>
+                  <a16:creationId xmlns:a16="http://schemas.microsoft.com/office/drawing/2014/main" xmlns="" id="{DECEA86B-C3DD-4958-8D7A-67CE05B24347}"/>
                 </a:ext>
               </a:extLst>
             </p:cNvPr>
@@ -11194,7 +11280,7 @@
             <p:cNvPr id="41" name="Google Shape;636;p40">
               <a:extLst>
                 <a:ext uri="{FF2B5EF4-FFF2-40B4-BE49-F238E27FC236}">
-                  <a16:creationId xmlns:a16="http://schemas.microsoft.com/office/drawing/2014/main" id="{15CD412B-F736-4E05-8155-2180FB21C236}"/>
+                  <a16:creationId xmlns:a16="http://schemas.microsoft.com/office/drawing/2014/main" xmlns="" id="{15CD412B-F736-4E05-8155-2180FB21C236}"/>
                 </a:ext>
               </a:extLst>
             </p:cNvPr>
@@ -11260,7 +11346,7 @@
             <p:cNvPr id="42" name="Google Shape;637;p40">
               <a:extLst>
                 <a:ext uri="{FF2B5EF4-FFF2-40B4-BE49-F238E27FC236}">
-                  <a16:creationId xmlns:a16="http://schemas.microsoft.com/office/drawing/2014/main" id="{FAC1E110-9588-401F-B605-68AEAF454BB2}"/>
+                  <a16:creationId xmlns:a16="http://schemas.microsoft.com/office/drawing/2014/main" xmlns="" id="{FAC1E110-9588-401F-B605-68AEAF454BB2}"/>
                 </a:ext>
               </a:extLst>
             </p:cNvPr>
@@ -11329,7 +11415,7 @@
             <p:cNvPr id="43" name="Google Shape;638;p40">
               <a:extLst>
                 <a:ext uri="{FF2B5EF4-FFF2-40B4-BE49-F238E27FC236}">
-                  <a16:creationId xmlns:a16="http://schemas.microsoft.com/office/drawing/2014/main" id="{75DB1792-99ED-4DCC-B46D-D38C47FA02EF}"/>
+                  <a16:creationId xmlns:a16="http://schemas.microsoft.com/office/drawing/2014/main" xmlns="" id="{75DB1792-99ED-4DCC-B46D-D38C47FA02EF}"/>
                 </a:ext>
               </a:extLst>
             </p:cNvPr>
@@ -11398,7 +11484,7 @@
             <p:cNvPr id="44" name="Google Shape;639;p40">
               <a:extLst>
                 <a:ext uri="{FF2B5EF4-FFF2-40B4-BE49-F238E27FC236}">
-                  <a16:creationId xmlns:a16="http://schemas.microsoft.com/office/drawing/2014/main" id="{33D2A381-0374-42EF-B342-D2ED67254E90}"/>
+                  <a16:creationId xmlns:a16="http://schemas.microsoft.com/office/drawing/2014/main" xmlns="" id="{33D2A381-0374-42EF-B342-D2ED67254E90}"/>
                 </a:ext>
               </a:extLst>
             </p:cNvPr>
@@ -11467,7 +11553,7 @@
             <p:cNvPr id="45" name="Google Shape;640;p40">
               <a:extLst>
                 <a:ext uri="{FF2B5EF4-FFF2-40B4-BE49-F238E27FC236}">
-                  <a16:creationId xmlns:a16="http://schemas.microsoft.com/office/drawing/2014/main" id="{766C649D-5DDD-4BE0-8008-5421334FD67D}"/>
+                  <a16:creationId xmlns:a16="http://schemas.microsoft.com/office/drawing/2014/main" xmlns="" id="{766C649D-5DDD-4BE0-8008-5421334FD67D}"/>
                 </a:ext>
               </a:extLst>
             </p:cNvPr>
@@ -11539,7 +11625,7 @@
             <p:cNvPr id="46" name="Google Shape;641;p40">
               <a:extLst>
                 <a:ext uri="{FF2B5EF4-FFF2-40B4-BE49-F238E27FC236}">
-                  <a16:creationId xmlns:a16="http://schemas.microsoft.com/office/drawing/2014/main" id="{3F77E58F-B57B-487A-B895-FD31159E629A}"/>
+                  <a16:creationId xmlns:a16="http://schemas.microsoft.com/office/drawing/2014/main" xmlns="" id="{3F77E58F-B57B-487A-B895-FD31159E629A}"/>
                 </a:ext>
               </a:extLst>
             </p:cNvPr>
@@ -11611,7 +11697,7 @@
             <p:cNvPr id="47" name="Google Shape;642;p40">
               <a:extLst>
                 <a:ext uri="{FF2B5EF4-FFF2-40B4-BE49-F238E27FC236}">
-                  <a16:creationId xmlns:a16="http://schemas.microsoft.com/office/drawing/2014/main" id="{ED3745D7-21D1-4C39-B70E-90BC7207205F}"/>
+                  <a16:creationId xmlns:a16="http://schemas.microsoft.com/office/drawing/2014/main" xmlns="" id="{ED3745D7-21D1-4C39-B70E-90BC7207205F}"/>
                 </a:ext>
               </a:extLst>
             </p:cNvPr>
@@ -11683,7 +11769,7 @@
             <p:cNvPr id="48" name="Google Shape;643;p40">
               <a:extLst>
                 <a:ext uri="{FF2B5EF4-FFF2-40B4-BE49-F238E27FC236}">
-                  <a16:creationId xmlns:a16="http://schemas.microsoft.com/office/drawing/2014/main" id="{25058FE3-5D91-4CC8-B5A0-C3491A778DD7}"/>
+                  <a16:creationId xmlns:a16="http://schemas.microsoft.com/office/drawing/2014/main" xmlns="" id="{25058FE3-5D91-4CC8-B5A0-C3491A778DD7}"/>
                 </a:ext>
               </a:extLst>
             </p:cNvPr>
@@ -11755,7 +11841,7 @@
             <p:cNvPr id="49" name="Google Shape;644;p40">
               <a:extLst>
                 <a:ext uri="{FF2B5EF4-FFF2-40B4-BE49-F238E27FC236}">
-                  <a16:creationId xmlns:a16="http://schemas.microsoft.com/office/drawing/2014/main" id="{450879A0-088B-49A6-AB7B-EE5922B38254}"/>
+                  <a16:creationId xmlns:a16="http://schemas.microsoft.com/office/drawing/2014/main" xmlns="" id="{450879A0-088B-49A6-AB7B-EE5922B38254}"/>
                 </a:ext>
               </a:extLst>
             </p:cNvPr>
@@ -11827,7 +11913,7 @@
             <p:cNvPr id="50" name="Google Shape;645;p40">
               <a:extLst>
                 <a:ext uri="{FF2B5EF4-FFF2-40B4-BE49-F238E27FC236}">
-                  <a16:creationId xmlns:a16="http://schemas.microsoft.com/office/drawing/2014/main" id="{F576D13C-00A5-462A-9E71-A56F0EC96C98}"/>
+                  <a16:creationId xmlns:a16="http://schemas.microsoft.com/office/drawing/2014/main" xmlns="" id="{F576D13C-00A5-462A-9E71-A56F0EC96C98}"/>
                 </a:ext>
               </a:extLst>
             </p:cNvPr>
@@ -11893,7 +11979,7 @@
             <p:cNvPr id="51" name="Google Shape;646;p40">
               <a:extLst>
                 <a:ext uri="{FF2B5EF4-FFF2-40B4-BE49-F238E27FC236}">
-                  <a16:creationId xmlns:a16="http://schemas.microsoft.com/office/drawing/2014/main" id="{746CFD05-87BD-47D6-83E2-51770BAF81DC}"/>
+                  <a16:creationId xmlns:a16="http://schemas.microsoft.com/office/drawing/2014/main" xmlns="" id="{746CFD05-87BD-47D6-83E2-51770BAF81DC}"/>
                 </a:ext>
               </a:extLst>
             </p:cNvPr>
@@ -11959,7 +12045,7 @@
             <p:cNvPr id="52" name="Google Shape;647;p40">
               <a:extLst>
                 <a:ext uri="{FF2B5EF4-FFF2-40B4-BE49-F238E27FC236}">
-                  <a16:creationId xmlns:a16="http://schemas.microsoft.com/office/drawing/2014/main" id="{91EE8A2C-C685-46C7-920A-406DE1340C67}"/>
+                  <a16:creationId xmlns:a16="http://schemas.microsoft.com/office/drawing/2014/main" xmlns="" id="{91EE8A2C-C685-46C7-920A-406DE1340C67}"/>
                 </a:ext>
               </a:extLst>
             </p:cNvPr>
@@ -12031,7 +12117,7 @@
             <p:cNvPr id="53" name="Google Shape;648;p40">
               <a:extLst>
                 <a:ext uri="{FF2B5EF4-FFF2-40B4-BE49-F238E27FC236}">
-                  <a16:creationId xmlns:a16="http://schemas.microsoft.com/office/drawing/2014/main" id="{8AAFD788-3989-4BB3-B0CB-258DFF2A3D65}"/>
+                  <a16:creationId xmlns:a16="http://schemas.microsoft.com/office/drawing/2014/main" xmlns="" id="{8AAFD788-3989-4BB3-B0CB-258DFF2A3D65}"/>
                 </a:ext>
               </a:extLst>
             </p:cNvPr>
@@ -12100,7 +12186,7 @@
             <p:cNvPr id="54" name="Google Shape;649;p40">
               <a:extLst>
                 <a:ext uri="{FF2B5EF4-FFF2-40B4-BE49-F238E27FC236}">
-                  <a16:creationId xmlns:a16="http://schemas.microsoft.com/office/drawing/2014/main" id="{E8C8FACF-2F5D-464E-A434-F6E0CBFE091E}"/>
+                  <a16:creationId xmlns:a16="http://schemas.microsoft.com/office/drawing/2014/main" xmlns="" id="{E8C8FACF-2F5D-464E-A434-F6E0CBFE091E}"/>
                 </a:ext>
               </a:extLst>
             </p:cNvPr>
@@ -12169,7 +12255,7 @@
             <p:cNvPr id="55" name="Google Shape;650;p40">
               <a:extLst>
                 <a:ext uri="{FF2B5EF4-FFF2-40B4-BE49-F238E27FC236}">
-                  <a16:creationId xmlns:a16="http://schemas.microsoft.com/office/drawing/2014/main" id="{7BA42384-4E2A-43A8-80A1-15770C3572C7}"/>
+                  <a16:creationId xmlns:a16="http://schemas.microsoft.com/office/drawing/2014/main" xmlns="" id="{7BA42384-4E2A-43A8-80A1-15770C3572C7}"/>
                 </a:ext>
               </a:extLst>
             </p:cNvPr>
@@ -12241,7 +12327,7 @@
             <p:cNvPr id="56" name="Google Shape;651;p40">
               <a:extLst>
                 <a:ext uri="{FF2B5EF4-FFF2-40B4-BE49-F238E27FC236}">
-                  <a16:creationId xmlns:a16="http://schemas.microsoft.com/office/drawing/2014/main" id="{4A0E6EE4-0B32-4884-8850-6024D0F7DEB9}"/>
+                  <a16:creationId xmlns:a16="http://schemas.microsoft.com/office/drawing/2014/main" xmlns="" id="{4A0E6EE4-0B32-4884-8850-6024D0F7DEB9}"/>
                 </a:ext>
               </a:extLst>
             </p:cNvPr>
@@ -12313,7 +12399,7 @@
             <p:cNvPr id="57" name="Google Shape;652;p40">
               <a:extLst>
                 <a:ext uri="{FF2B5EF4-FFF2-40B4-BE49-F238E27FC236}">
-                  <a16:creationId xmlns:a16="http://schemas.microsoft.com/office/drawing/2014/main" id="{FD541B61-3A24-4E0A-B62A-9724948941A8}"/>
+                  <a16:creationId xmlns:a16="http://schemas.microsoft.com/office/drawing/2014/main" xmlns="" id="{FD541B61-3A24-4E0A-B62A-9724948941A8}"/>
                 </a:ext>
               </a:extLst>
             </p:cNvPr>
@@ -12385,7 +12471,7 @@
             <p:cNvPr id="58" name="Google Shape;653;p40">
               <a:extLst>
                 <a:ext uri="{FF2B5EF4-FFF2-40B4-BE49-F238E27FC236}">
-                  <a16:creationId xmlns:a16="http://schemas.microsoft.com/office/drawing/2014/main" id="{6C18B36B-5D20-4AFB-93C3-E421A7F7E9C8}"/>
+                  <a16:creationId xmlns:a16="http://schemas.microsoft.com/office/drawing/2014/main" xmlns="" id="{6C18B36B-5D20-4AFB-93C3-E421A7F7E9C8}"/>
                 </a:ext>
               </a:extLst>
             </p:cNvPr>
@@ -12457,7 +12543,7 @@
             <p:cNvPr id="59" name="Google Shape;654;p40">
               <a:extLst>
                 <a:ext uri="{FF2B5EF4-FFF2-40B4-BE49-F238E27FC236}">
-                  <a16:creationId xmlns:a16="http://schemas.microsoft.com/office/drawing/2014/main" id="{BEBD0C4A-E3C1-48F5-BF73-8F14341345BA}"/>
+                  <a16:creationId xmlns:a16="http://schemas.microsoft.com/office/drawing/2014/main" xmlns="" id="{BEBD0C4A-E3C1-48F5-BF73-8F14341345BA}"/>
                 </a:ext>
               </a:extLst>
             </p:cNvPr>
@@ -12526,7 +12612,7 @@
             <p:cNvPr id="60" name="Google Shape;655;p40">
               <a:extLst>
                 <a:ext uri="{FF2B5EF4-FFF2-40B4-BE49-F238E27FC236}">
-                  <a16:creationId xmlns:a16="http://schemas.microsoft.com/office/drawing/2014/main" id="{589AF0E2-F620-4522-9274-D0237FC19025}"/>
+                  <a16:creationId xmlns:a16="http://schemas.microsoft.com/office/drawing/2014/main" xmlns="" id="{589AF0E2-F620-4522-9274-D0237FC19025}"/>
                 </a:ext>
               </a:extLst>
             </p:cNvPr>
@@ -12598,7 +12684,7 @@
             <p:cNvPr id="61" name="Google Shape;656;p40">
               <a:extLst>
                 <a:ext uri="{FF2B5EF4-FFF2-40B4-BE49-F238E27FC236}">
-                  <a16:creationId xmlns:a16="http://schemas.microsoft.com/office/drawing/2014/main" id="{36249D6F-867C-4631-A79F-2D6CBACD6F39}"/>
+                  <a16:creationId xmlns:a16="http://schemas.microsoft.com/office/drawing/2014/main" xmlns="" id="{36249D6F-867C-4631-A79F-2D6CBACD6F39}"/>
                 </a:ext>
               </a:extLst>
             </p:cNvPr>
@@ -12668,7 +12754,7 @@
           <p:cNvPr id="62" name="Google Shape;681;p40">
             <a:extLst>
               <a:ext uri="{FF2B5EF4-FFF2-40B4-BE49-F238E27FC236}">
-                <a16:creationId xmlns:a16="http://schemas.microsoft.com/office/drawing/2014/main" id="{B48C88A4-38BE-4CC5-9C13-21139160B97C}"/>
+                <a16:creationId xmlns:a16="http://schemas.microsoft.com/office/drawing/2014/main" xmlns="" id="{B48C88A4-38BE-4CC5-9C13-21139160B97C}"/>
               </a:ext>
             </a:extLst>
           </p:cNvPr>
@@ -12688,7 +12774,7 @@
             <p:cNvPr id="63" name="Google Shape;682;p40">
               <a:extLst>
                 <a:ext uri="{FF2B5EF4-FFF2-40B4-BE49-F238E27FC236}">
-                  <a16:creationId xmlns:a16="http://schemas.microsoft.com/office/drawing/2014/main" id="{E370C949-E906-4295-AA54-A848209300DF}"/>
+                  <a16:creationId xmlns:a16="http://schemas.microsoft.com/office/drawing/2014/main" xmlns="" id="{E370C949-E906-4295-AA54-A848209300DF}"/>
                 </a:ext>
               </a:extLst>
             </p:cNvPr>
@@ -12760,7 +12846,7 @@
             <p:cNvPr id="64" name="Google Shape;683;p40">
               <a:extLst>
                 <a:ext uri="{FF2B5EF4-FFF2-40B4-BE49-F238E27FC236}">
-                  <a16:creationId xmlns:a16="http://schemas.microsoft.com/office/drawing/2014/main" id="{EB41FFE9-CA3D-464D-A9F9-6F8A63A861BC}"/>
+                  <a16:creationId xmlns:a16="http://schemas.microsoft.com/office/drawing/2014/main" xmlns="" id="{EB41FFE9-CA3D-464D-A9F9-6F8A63A861BC}"/>
                 </a:ext>
               </a:extLst>
             </p:cNvPr>
@@ -12934,7 +13020,7 @@
             <p:cNvPr id="65" name="Google Shape;684;p40">
               <a:extLst>
                 <a:ext uri="{FF2B5EF4-FFF2-40B4-BE49-F238E27FC236}">
-                  <a16:creationId xmlns:a16="http://schemas.microsoft.com/office/drawing/2014/main" id="{BE552467-0D1B-4A63-850C-EDB379EB088C}"/>
+                  <a16:creationId xmlns:a16="http://schemas.microsoft.com/office/drawing/2014/main" xmlns="" id="{BE552467-0D1B-4A63-850C-EDB379EB088C}"/>
                 </a:ext>
               </a:extLst>
             </p:cNvPr>
@@ -13108,7 +13194,7 @@
             <p:cNvPr id="66" name="Google Shape;685;p40">
               <a:extLst>
                 <a:ext uri="{FF2B5EF4-FFF2-40B4-BE49-F238E27FC236}">
-                  <a16:creationId xmlns:a16="http://schemas.microsoft.com/office/drawing/2014/main" id="{649066B6-7A25-40A8-A8A1-B474CE3F9F14}"/>
+                  <a16:creationId xmlns:a16="http://schemas.microsoft.com/office/drawing/2014/main" xmlns="" id="{649066B6-7A25-40A8-A8A1-B474CE3F9F14}"/>
                 </a:ext>
               </a:extLst>
             </p:cNvPr>
@@ -13234,7 +13320,7 @@
             <p:cNvPr id="67" name="Google Shape;686;p40">
               <a:extLst>
                 <a:ext uri="{FF2B5EF4-FFF2-40B4-BE49-F238E27FC236}">
-                  <a16:creationId xmlns:a16="http://schemas.microsoft.com/office/drawing/2014/main" id="{3318D2AF-AE45-4BA5-AC67-18A4DF1AE8B8}"/>
+                  <a16:creationId xmlns:a16="http://schemas.microsoft.com/office/drawing/2014/main" xmlns="" id="{3318D2AF-AE45-4BA5-AC67-18A4DF1AE8B8}"/>
                 </a:ext>
               </a:extLst>
             </p:cNvPr>
@@ -13387,7 +13473,7 @@
             <p:cNvPr id="68" name="Google Shape;687;p40">
               <a:extLst>
                 <a:ext uri="{FF2B5EF4-FFF2-40B4-BE49-F238E27FC236}">
-                  <a16:creationId xmlns:a16="http://schemas.microsoft.com/office/drawing/2014/main" id="{B0974136-F507-4FB1-9E3F-9E02C5CF11FD}"/>
+                  <a16:creationId xmlns:a16="http://schemas.microsoft.com/office/drawing/2014/main" xmlns="" id="{B0974136-F507-4FB1-9E3F-9E02C5CF11FD}"/>
                 </a:ext>
               </a:extLst>
             </p:cNvPr>
@@ -13540,7 +13626,7 @@
             <p:cNvPr id="69" name="Google Shape;688;p40">
               <a:extLst>
                 <a:ext uri="{FF2B5EF4-FFF2-40B4-BE49-F238E27FC236}">
-                  <a16:creationId xmlns:a16="http://schemas.microsoft.com/office/drawing/2014/main" id="{B2881703-50E6-4C2B-8B43-4B4892C624E2}"/>
+                  <a16:creationId xmlns:a16="http://schemas.microsoft.com/office/drawing/2014/main" xmlns="" id="{B2881703-50E6-4C2B-8B43-4B4892C624E2}"/>
                 </a:ext>
               </a:extLst>
             </p:cNvPr>
@@ -13670,7 +13756,7 @@
             <p:cNvPr id="70" name="Google Shape;689;p40">
               <a:extLst>
                 <a:ext uri="{FF2B5EF4-FFF2-40B4-BE49-F238E27FC236}">
-                  <a16:creationId xmlns:a16="http://schemas.microsoft.com/office/drawing/2014/main" id="{E77A72E8-8386-4299-9363-DFDEEADFBED3}"/>
+                  <a16:creationId xmlns:a16="http://schemas.microsoft.com/office/drawing/2014/main" xmlns="" id="{E77A72E8-8386-4299-9363-DFDEEADFBED3}"/>
                 </a:ext>
               </a:extLst>
             </p:cNvPr>
@@ -13746,7 +13832,7 @@
             <p:cNvPr id="71" name="Google Shape;690;p40">
               <a:extLst>
                 <a:ext uri="{FF2B5EF4-FFF2-40B4-BE49-F238E27FC236}">
-                  <a16:creationId xmlns:a16="http://schemas.microsoft.com/office/drawing/2014/main" id="{D93A220B-33DC-42D6-87FC-3D5B02504C60}"/>
+                  <a16:creationId xmlns:a16="http://schemas.microsoft.com/office/drawing/2014/main" xmlns="" id="{D93A220B-33DC-42D6-87FC-3D5B02504C60}"/>
                 </a:ext>
               </a:extLst>
             </p:cNvPr>
@@ -13812,7 +13898,7 @@
             <p:cNvPr id="72" name="Google Shape;691;p40">
               <a:extLst>
                 <a:ext uri="{FF2B5EF4-FFF2-40B4-BE49-F238E27FC236}">
-                  <a16:creationId xmlns:a16="http://schemas.microsoft.com/office/drawing/2014/main" id="{F6B57847-2C9B-4EE8-A546-5159E81AB23B}"/>
+                  <a16:creationId xmlns:a16="http://schemas.microsoft.com/office/drawing/2014/main" xmlns="" id="{F6B57847-2C9B-4EE8-A546-5159E81AB23B}"/>
                 </a:ext>
               </a:extLst>
             </p:cNvPr>
@@ -13878,7 +13964,7 @@
             <p:cNvPr id="73" name="Google Shape;692;p40">
               <a:extLst>
                 <a:ext uri="{FF2B5EF4-FFF2-40B4-BE49-F238E27FC236}">
-                  <a16:creationId xmlns:a16="http://schemas.microsoft.com/office/drawing/2014/main" id="{A1FC4E9E-4427-4119-86ED-0BADBDC92CCB}"/>
+                  <a16:creationId xmlns:a16="http://schemas.microsoft.com/office/drawing/2014/main" xmlns="" id="{A1FC4E9E-4427-4119-86ED-0BADBDC92CCB}"/>
                 </a:ext>
               </a:extLst>
             </p:cNvPr>
@@ -13944,7 +14030,7 @@
             <p:cNvPr id="74" name="Google Shape;693;p40">
               <a:extLst>
                 <a:ext uri="{FF2B5EF4-FFF2-40B4-BE49-F238E27FC236}">
-                  <a16:creationId xmlns:a16="http://schemas.microsoft.com/office/drawing/2014/main" id="{8BC13451-0312-4666-8BD0-8115BD866B8A}"/>
+                  <a16:creationId xmlns:a16="http://schemas.microsoft.com/office/drawing/2014/main" xmlns="" id="{8BC13451-0312-4666-8BD0-8115BD866B8A}"/>
                 </a:ext>
               </a:extLst>
             </p:cNvPr>
@@ -14010,7 +14096,7 @@
             <p:cNvPr id="75" name="Google Shape;694;p40">
               <a:extLst>
                 <a:ext uri="{FF2B5EF4-FFF2-40B4-BE49-F238E27FC236}">
-                  <a16:creationId xmlns:a16="http://schemas.microsoft.com/office/drawing/2014/main" id="{E79F043A-04A2-4941-9B98-F9CADC0AAAC7}"/>
+                  <a16:creationId xmlns:a16="http://schemas.microsoft.com/office/drawing/2014/main" xmlns="" id="{E79F043A-04A2-4941-9B98-F9CADC0AAAC7}"/>
                 </a:ext>
               </a:extLst>
             </p:cNvPr>
@@ -14076,7 +14162,7 @@
             <p:cNvPr id="76" name="Google Shape;695;p40">
               <a:extLst>
                 <a:ext uri="{FF2B5EF4-FFF2-40B4-BE49-F238E27FC236}">
-                  <a16:creationId xmlns:a16="http://schemas.microsoft.com/office/drawing/2014/main" id="{7912569A-4DC7-4D3B-B07B-344CE3B3DD15}"/>
+                  <a16:creationId xmlns:a16="http://schemas.microsoft.com/office/drawing/2014/main" xmlns="" id="{7912569A-4DC7-4D3B-B07B-344CE3B3DD15}"/>
                 </a:ext>
               </a:extLst>
             </p:cNvPr>
@@ -14150,7 +14236,7 @@
           <a:blip r:embed="rId3">
             <a:extLst>
               <a:ext uri="{28A0092B-C50C-407E-A947-70E740481C1C}">
-                <a14:useLocalDpi xmlns:a14="http://schemas.microsoft.com/office/drawing/2010/main" val="0"/>
+                <a14:useLocalDpi xmlns:a14="http://schemas.microsoft.com/office/drawing/2010/main" xmlns="" val="0"/>
               </a:ext>
             </a:extLst>
           </a:blip>
@@ -14174,14 +14260,14 @@
           <a:effectLst/>
           <a:extLst>
             <a:ext uri="{909E8E84-426E-40DD-AFC4-6F175D3DCCD1}">
-              <a14:hiddenFill xmlns:a14="http://schemas.microsoft.com/office/drawing/2010/main">
+              <a14:hiddenFill xmlns:a14="http://schemas.microsoft.com/office/drawing/2010/main" xmlns="">
                 <a:solidFill>
                   <a:schemeClr val="accent1"/>
                 </a:solidFill>
               </a14:hiddenFill>
             </a:ext>
             <a:ext uri="{91240B29-F687-4F45-9708-019B960494DF}">
-              <a14:hiddenLine xmlns:a14="http://schemas.microsoft.com/office/drawing/2010/main" w="9525">
+              <a14:hiddenLine xmlns:a14="http://schemas.microsoft.com/office/drawing/2010/main" xmlns="" w="9525">
                 <a:solidFill>
                   <a:schemeClr val="tx1"/>
                 </a:solidFill>
@@ -14191,7 +14277,7 @@
               </a14:hiddenLine>
             </a:ext>
             <a:ext uri="{AF507438-7753-43E0-B8FC-AC1667EBCBE1}">
-              <a14:hiddenEffects xmlns:a14="http://schemas.microsoft.com/office/drawing/2010/main">
+              <a14:hiddenEffects xmlns:a14="http://schemas.microsoft.com/office/drawing/2010/main" xmlns="">
                 <a:effectLst>
                   <a:outerShdw dist="35921" dir="2700000" algn="ctr" rotWithShape="0">
                     <a:schemeClr val="bg2"/>
@@ -14205,7 +14291,7 @@
     </p:spTree>
     <p:extLst>
       <p:ext uri="{BB962C8B-B14F-4D97-AF65-F5344CB8AC3E}">
-        <p14:creationId xmlns:p14="http://schemas.microsoft.com/office/powerpoint/2010/main" val="2655767437"/>
+        <p14:creationId xmlns:p14="http://schemas.microsoft.com/office/powerpoint/2010/main" xmlns="" val="2655767437"/>
       </p:ext>
     </p:extLst>
   </p:cSld>
@@ -14391,6 +14477,15 @@
             </a:pPr>
             <a:fld id="{00000000-1234-1234-1234-123412341234}" type="slidenum">
               <a:rPr lang="en"/>
+              <a:pPr marL="0" lvl="0" indent="0" algn="ctr" rtl="0">
+                <a:spcBef>
+                  <a:spcPts val="0"/>
+                </a:spcBef>
+                <a:spcAft>
+                  <a:spcPts val="0"/>
+                </a:spcAft>
+                <a:buNone/>
+              </a:pPr>
               <a:t>4</a:t>
             </a:fld>
             <a:endParaRPr/>
@@ -14402,7 +14497,7 @@
           <p:cNvPr id="78" name="Rectangle 77">
             <a:extLst>
               <a:ext uri="{FF2B5EF4-FFF2-40B4-BE49-F238E27FC236}">
-                <a16:creationId xmlns:a16="http://schemas.microsoft.com/office/drawing/2014/main" id="{EC63D1D2-2168-44EA-A18A-59F47180FFB7}"/>
+                <a16:creationId xmlns:a16="http://schemas.microsoft.com/office/drawing/2014/main" xmlns="" id="{EC63D1D2-2168-44EA-A18A-59F47180FFB7}"/>
               </a:ext>
             </a:extLst>
           </p:cNvPr>
@@ -14441,7 +14536,7 @@
           <p:cNvPr id="80" name="Rectangle 79">
             <a:extLst>
               <a:ext uri="{FF2B5EF4-FFF2-40B4-BE49-F238E27FC236}">
-                <a16:creationId xmlns:a16="http://schemas.microsoft.com/office/drawing/2014/main" id="{7B99CE9E-78EC-4109-8344-FD4C90CBCE2A}"/>
+                <a16:creationId xmlns:a16="http://schemas.microsoft.com/office/drawing/2014/main" xmlns="" id="{7B99CE9E-78EC-4109-8344-FD4C90CBCE2A}"/>
               </a:ext>
             </a:extLst>
           </p:cNvPr>
@@ -14450,7 +14545,7 @@
         </p:nvSpPr>
         <p:spPr>
           <a:xfrm>
-            <a:off x="1233927" y="2684089"/>
+            <a:off x="1233927" y="3084610"/>
             <a:ext cx="3500307" cy="584775"/>
           </a:xfrm>
           <a:prstGeom prst="rect">
@@ -14511,7 +14606,7 @@
           <p:cNvPr id="81" name="Rectangle 80">
             <a:extLst>
               <a:ext uri="{FF2B5EF4-FFF2-40B4-BE49-F238E27FC236}">
-                <a16:creationId xmlns:a16="http://schemas.microsoft.com/office/drawing/2014/main" id="{ED5BAC16-D984-4D37-9FC1-3C86A43603FE}"/>
+                <a16:creationId xmlns:a16="http://schemas.microsoft.com/office/drawing/2014/main" xmlns="" id="{ED5BAC16-D984-4D37-9FC1-3C86A43603FE}"/>
               </a:ext>
             </a:extLst>
           </p:cNvPr>
@@ -14565,7 +14660,7 @@
           <p:cNvPr id="6" name="Groupe 5">
             <a:extLst>
               <a:ext uri="{FF2B5EF4-FFF2-40B4-BE49-F238E27FC236}">
-                <a16:creationId xmlns:a16="http://schemas.microsoft.com/office/drawing/2014/main" id="{8624E7E7-B0BA-476F-BD0C-31622E4C9521}"/>
+                <a16:creationId xmlns:a16="http://schemas.microsoft.com/office/drawing/2014/main" xmlns="" id="{8624E7E7-B0BA-476F-BD0C-31622E4C9521}"/>
               </a:ext>
             </a:extLst>
           </p:cNvPr>
@@ -14585,7 +14680,7 @@
             <p:cNvPr id="5" name="Image 4">
               <a:extLst>
                 <a:ext uri="{FF2B5EF4-FFF2-40B4-BE49-F238E27FC236}">
-                  <a16:creationId xmlns:a16="http://schemas.microsoft.com/office/drawing/2014/main" id="{4F531125-B2FC-4C42-B76D-84C7A5A5A581}"/>
+                  <a16:creationId xmlns:a16="http://schemas.microsoft.com/office/drawing/2014/main" xmlns="" id="{4F531125-B2FC-4C42-B76D-84C7A5A5A581}"/>
                 </a:ext>
               </a:extLst>
             </p:cNvPr>
@@ -14615,7 +14710,7 @@
             <p:cNvPr id="16" name="Ellipse 15">
               <a:extLst>
                 <a:ext uri="{FF2B5EF4-FFF2-40B4-BE49-F238E27FC236}">
-                  <a16:creationId xmlns:a16="http://schemas.microsoft.com/office/drawing/2014/main" id="{D061292E-77ED-4838-A086-DB997396792C}"/>
+                  <a16:creationId xmlns:a16="http://schemas.microsoft.com/office/drawing/2014/main" xmlns="" id="{D061292E-77ED-4838-A086-DB997396792C}"/>
                 </a:ext>
               </a:extLst>
             </p:cNvPr>
@@ -14688,7 +14783,7 @@
             <p:cNvPr id="17" name="Ellipse 16">
               <a:extLst>
                 <a:ext uri="{FF2B5EF4-FFF2-40B4-BE49-F238E27FC236}">
-                  <a16:creationId xmlns:a16="http://schemas.microsoft.com/office/drawing/2014/main" id="{D2A79FD4-8441-4C6B-ADD7-22652EE6B22D}"/>
+                  <a16:creationId xmlns:a16="http://schemas.microsoft.com/office/drawing/2014/main" xmlns="" id="{D2A79FD4-8441-4C6B-ADD7-22652EE6B22D}"/>
                 </a:ext>
               </a:extLst>
             </p:cNvPr>
@@ -14773,7 +14868,7 @@
             <p:cNvPr id="18" name="Ellipse 17">
               <a:extLst>
                 <a:ext uri="{FF2B5EF4-FFF2-40B4-BE49-F238E27FC236}">
-                  <a16:creationId xmlns:a16="http://schemas.microsoft.com/office/drawing/2014/main" id="{324436B9-C6E2-42F4-9671-4ADEB091C3DB}"/>
+                  <a16:creationId xmlns:a16="http://schemas.microsoft.com/office/drawing/2014/main" xmlns="" id="{324436B9-C6E2-42F4-9671-4ADEB091C3DB}"/>
                 </a:ext>
               </a:extLst>
             </p:cNvPr>
@@ -14847,7 +14942,7 @@
           <p:cNvPr id="20" name="Ellipse 19">
             <a:extLst>
               <a:ext uri="{FF2B5EF4-FFF2-40B4-BE49-F238E27FC236}">
-                <a16:creationId xmlns:a16="http://schemas.microsoft.com/office/drawing/2014/main" id="{EDAD4029-157F-456D-9E37-C97850F70A0C}"/>
+                <a16:creationId xmlns:a16="http://schemas.microsoft.com/office/drawing/2014/main" xmlns="" id="{EDAD4029-157F-456D-9E37-C97850F70A0C}"/>
               </a:ext>
             </a:extLst>
           </p:cNvPr>
@@ -14920,7 +15015,7 @@
           <p:cNvPr id="21" name="Ellipse 20">
             <a:extLst>
               <a:ext uri="{FF2B5EF4-FFF2-40B4-BE49-F238E27FC236}">
-                <a16:creationId xmlns:a16="http://schemas.microsoft.com/office/drawing/2014/main" id="{4782D521-EE39-472B-A114-55903B07A7F2}"/>
+                <a16:creationId xmlns:a16="http://schemas.microsoft.com/office/drawing/2014/main" xmlns="" id="{4782D521-EE39-472B-A114-55903B07A7F2}"/>
               </a:ext>
             </a:extLst>
           </p:cNvPr>
@@ -15005,7 +15100,7 @@
           <p:cNvPr id="22" name="Ellipse 21">
             <a:extLst>
               <a:ext uri="{FF2B5EF4-FFF2-40B4-BE49-F238E27FC236}">
-                <a16:creationId xmlns:a16="http://schemas.microsoft.com/office/drawing/2014/main" id="{684F04CB-C4A0-43BA-8504-8C28B84AF49C}"/>
+                <a16:creationId xmlns:a16="http://schemas.microsoft.com/office/drawing/2014/main" xmlns="" id="{684F04CB-C4A0-43BA-8504-8C28B84AF49C}"/>
               </a:ext>
             </a:extLst>
           </p:cNvPr>
@@ -15014,7 +15109,7 @@
         </p:nvSpPr>
         <p:spPr>
           <a:xfrm>
-            <a:off x="933681" y="2853626"/>
+            <a:off x="933681" y="3254147"/>
             <a:ext cx="245700" cy="245700"/>
           </a:xfrm>
           <a:prstGeom prst="ellipse">
@@ -15073,10 +15168,140 @@
           </a:p>
         </p:txBody>
       </p:sp>
+      <p:sp>
+        <p:nvSpPr>
+          <p:cNvPr id="15" name="Rectangle 14">
+            <a:extLst>
+              <a:ext uri="{FF2B5EF4-FFF2-40B4-BE49-F238E27FC236}">
+                <a16:creationId xmlns:a16="http://schemas.microsoft.com/office/drawing/2014/main" xmlns="" id="{ED5BAC16-D984-4D37-9FC1-3C86A43603FE}"/>
+              </a:ext>
+            </a:extLst>
+          </p:cNvPr>
+          <p:cNvSpPr/>
+          <p:nvPr/>
+        </p:nvSpPr>
+        <p:spPr>
+          <a:xfrm>
+            <a:off x="1227630" y="2588972"/>
+            <a:ext cx="3451006" cy="338554"/>
+          </a:xfrm>
+          <a:prstGeom prst="rect">
+            <a:avLst/>
+          </a:prstGeom>
+        </p:spPr>
+        <p:txBody>
+          <a:bodyPr wrap="square">
+            <a:spAutoFit/>
+          </a:bodyPr>
+          <a:lstStyle/>
+          <a:p>
+            <a:r>
+              <a:rPr lang="fr-FR" sz="1600" dirty="0" smtClean="0">
+                <a:latin typeface="Times New Roman" panose="02020603050405020304" pitchFamily="18" charset="0"/>
+                <a:ea typeface="Source Sans Pro" panose="020B0503030403020204" pitchFamily="34" charset="0"/>
+                <a:cs typeface="Times New Roman" panose="02020603050405020304" pitchFamily="18" charset="0"/>
+              </a:rPr>
+              <a:t>Un système d’alerte</a:t>
+            </a:r>
+            <a:endParaRPr lang="en-US" sz="1600" dirty="0">
+              <a:latin typeface="Times New Roman" panose="02020603050405020304" pitchFamily="18" charset="0"/>
+              <a:ea typeface="Source Sans Pro" panose="020B0503030403020204" pitchFamily="34" charset="0"/>
+              <a:cs typeface="Times New Roman" panose="02020603050405020304" pitchFamily="18" charset="0"/>
+            </a:endParaRPr>
+          </a:p>
+        </p:txBody>
+      </p:sp>
+      <p:sp>
+        <p:nvSpPr>
+          <p:cNvPr id="19" name="Ellipse 18">
+            <a:extLst>
+              <a:ext uri="{FF2B5EF4-FFF2-40B4-BE49-F238E27FC236}">
+                <a16:creationId xmlns:a16="http://schemas.microsoft.com/office/drawing/2014/main" xmlns="" id="{EDAD4029-157F-456D-9E37-C97850F70A0C}"/>
+              </a:ext>
+            </a:extLst>
+          </p:cNvPr>
+          <p:cNvSpPr/>
+          <p:nvPr/>
+        </p:nvSpPr>
+        <p:spPr>
+          <a:xfrm>
+            <a:off x="934941" y="2601692"/>
+            <a:ext cx="245700" cy="245700"/>
+          </a:xfrm>
+          <a:prstGeom prst="ellipse">
+            <a:avLst/>
+          </a:prstGeom>
+          <a:gradFill>
+            <a:gsLst>
+              <a:gs pos="0">
+                <a:srgbClr val="FFB52F"/>
+              </a:gs>
+              <a:gs pos="33000">
+                <a:srgbClr val="FFCC81"/>
+              </a:gs>
+              <a:gs pos="100000">
+                <a:srgbClr val="FFE7C1"/>
+              </a:gs>
+            </a:gsLst>
+          </a:gradFill>
+        </p:spPr>
+        <p:style>
+          <a:lnRef idx="1">
+            <a:schemeClr val="accent2"/>
+          </a:lnRef>
+          <a:fillRef idx="2">
+            <a:schemeClr val="accent2"/>
+          </a:fillRef>
+          <a:effectRef idx="1">
+            <a:schemeClr val="accent2"/>
+          </a:effectRef>
+          <a:fontRef idx="minor">
+            <a:schemeClr val="dk1"/>
+          </a:fontRef>
+        </p:style>
+        <p:txBody>
+          <a:bodyPr rtlCol="0" anchor="ctr"/>
+          <a:lstStyle/>
+          <a:p>
+            <a:pPr algn="ctr"/>
+            <a:r>
+              <a:rPr lang="fr-FR" b="1" dirty="0">
+                <a:solidFill>
+                  <a:schemeClr val="bg1"/>
+                </a:solidFill>
+                <a:effectLst>
+                  <a:outerShdw blurRad="38100" dist="38100" dir="2700000" algn="tl">
+                    <a:srgbClr val="000000">
+                      <a:alpha val="43137"/>
+                    </a:srgbClr>
+                  </a:outerShdw>
+                </a:effectLst>
+                <a:latin typeface="Times New Roman" panose="02020603050405020304" pitchFamily="18" charset="0"/>
+                <a:ea typeface="Calibri" panose="020F0502020204030204" pitchFamily="34" charset="0"/>
+              </a:rPr>
+              <a:t>3</a:t>
+            </a:r>
+            <a:endParaRPr lang="fr-FR" b="1" dirty="0">
+              <a:solidFill>
+                <a:schemeClr val="bg1"/>
+              </a:solidFill>
+              <a:effectLst>
+                <a:outerShdw blurRad="38100" dist="38100" dir="2700000" algn="tl">
+                  <a:srgbClr val="000000">
+                    <a:alpha val="43137"/>
+                  </a:srgbClr>
+                </a:outerShdw>
+              </a:effectLst>
+              <a:latin typeface="Times New Roman" panose="02020603050405020304" pitchFamily="18" charset="0"/>
+              <a:ea typeface="Calibri" panose="020F0502020204030204" pitchFamily="34" charset="0"/>
+            </a:endParaRPr>
+          </a:p>
+        </p:txBody>
+      </p:sp>
     </p:spTree>
     <p:extLst>
       <p:ext uri="{BB962C8B-B14F-4D97-AF65-F5344CB8AC3E}">
-        <p14:creationId xmlns:p14="http://schemas.microsoft.com/office/powerpoint/2010/main" val="1979564244"/>
+        <p14:creationId xmlns:p14="http://schemas.microsoft.com/office/powerpoint/2010/main" xmlns="" val="1979564244"/>
       </p:ext>
     </p:extLst>
   </p:cSld>
@@ -15187,6 +15412,33 @@
                                   </p:childTnLst>
                                 </p:cTn>
                               </p:par>
+                              <p:par>
+                                <p:cTn id="11" presetID="1" presetClass="entr" presetSubtype="0" fill="hold" grpId="0" nodeType="withEffect">
+                                  <p:stCondLst>
+                                    <p:cond delay="0"/>
+                                  </p:stCondLst>
+                                  <p:childTnLst>
+                                    <p:set>
+                                      <p:cBhvr>
+                                        <p:cTn id="12" dur="1" fill="hold">
+                                          <p:stCondLst>
+                                            <p:cond delay="0"/>
+                                          </p:stCondLst>
+                                        </p:cTn>
+                                        <p:tgtEl>
+                                          <p:spTgt spid="15"/>
+                                        </p:tgtEl>
+                                        <p:attrNameLst>
+                                          <p:attrName>style.visibility</p:attrName>
+                                        </p:attrNameLst>
+                                      </p:cBhvr>
+                                      <p:to>
+                                        <p:strVal val="visible"/>
+                                      </p:to>
+                                    </p:set>
+                                  </p:childTnLst>
+                                </p:cTn>
+                              </p:par>
                             </p:childTnLst>
                           </p:cTn>
                         </p:par>
@@ -15218,12 +15470,1969 @@
       <p:bldP spid="78" grpId="0"/>
       <p:bldP spid="80" grpId="0"/>
       <p:bldP spid="81" grpId="0"/>
+      <p:bldP spid="15" grpId="0"/>
     </p:bldLst>
   </p:timing>
 </p:sld>
 </file>
 
 <file path=ppt/slides/slide5.xml><?xml version="1.0" encoding="utf-8"?>
+<p:sld xmlns:a="http://schemas.openxmlformats.org/drawingml/2006/main" xmlns:r="http://schemas.openxmlformats.org/officeDocument/2006/relationships" xmlns:p="http://schemas.openxmlformats.org/presentationml/2006/main">
+  <p:cSld>
+    <p:spTree>
+      <p:nvGrpSpPr>
+        <p:cNvPr id="1" name=""/>
+        <p:cNvGrpSpPr/>
+        <p:nvPr/>
+      </p:nvGrpSpPr>
+      <p:grpSpPr>
+        <a:xfrm>
+          <a:off x="0" y="0"/>
+          <a:ext cx="0" cy="0"/>
+          <a:chOff x="0" y="0"/>
+          <a:chExt cx="0" cy="0"/>
+        </a:xfrm>
+      </p:grpSpPr>
+      <p:sp>
+        <p:nvSpPr>
+          <p:cNvPr id="2" name="Espace réservé du numéro de diapositive 1">
+            <a:extLst>
+              <a:ext uri="{FF2B5EF4-FFF2-40B4-BE49-F238E27FC236}">
+                <a16:creationId xmlns:a16="http://schemas.microsoft.com/office/drawing/2014/main" xmlns="" id="{CF2C2519-441D-49F3-8174-BE81A38F2060}"/>
+              </a:ext>
+            </a:extLst>
+          </p:cNvPr>
+          <p:cNvSpPr>
+            <a:spLocks noGrp="1"/>
+          </p:cNvSpPr>
+          <p:nvPr>
+            <p:ph type="sldNum" idx="12"/>
+          </p:nvPr>
+        </p:nvSpPr>
+        <p:spPr/>
+        <p:txBody>
+          <a:bodyPr/>
+          <a:lstStyle/>
+          <a:p>
+            <a:pPr marL="0" lvl="0" indent="0" algn="ctr" rtl="0">
+              <a:spcBef>
+                <a:spcPts val="0"/>
+              </a:spcBef>
+              <a:spcAft>
+                <a:spcPts val="0"/>
+              </a:spcAft>
+              <a:buNone/>
+            </a:pPr>
+            <a:fld id="{00000000-1234-1234-1234-123412341234}" type="slidenum">
+              <a:rPr lang="fr-FR" smtClean="0"/>
+              <a:pPr marL="0" lvl="0" indent="0" algn="ctr" rtl="0">
+                <a:spcBef>
+                  <a:spcPts val="0"/>
+                </a:spcBef>
+                <a:spcAft>
+                  <a:spcPts val="0"/>
+                </a:spcAft>
+                <a:buNone/>
+              </a:pPr>
+              <a:t>5</a:t>
+            </a:fld>
+            <a:endParaRPr lang="fr-FR" dirty="0"/>
+          </a:p>
+        </p:txBody>
+      </p:sp>
+      <p:sp>
+        <p:nvSpPr>
+          <p:cNvPr id="3" name="Google Shape;158;p21">
+            <a:extLst>
+              <a:ext uri="{FF2B5EF4-FFF2-40B4-BE49-F238E27FC236}">
+                <a16:creationId xmlns:a16="http://schemas.microsoft.com/office/drawing/2014/main" xmlns="" id="{02FCAA07-F3D0-4E40-AA5E-D1744916271E}"/>
+              </a:ext>
+            </a:extLst>
+          </p:cNvPr>
+          <p:cNvSpPr txBox="1">
+            <a:spLocks/>
+          </p:cNvSpPr>
+          <p:nvPr/>
+        </p:nvSpPr>
+        <p:spPr>
+          <a:xfrm>
+            <a:off x="265572" y="220401"/>
+            <a:ext cx="4991570" cy="571756"/>
+          </a:xfrm>
+          <a:prstGeom prst="rect">
+            <a:avLst/>
+          </a:prstGeom>
+          <a:noFill/>
+          <a:ln>
+            <a:noFill/>
+          </a:ln>
+        </p:spPr>
+        <p:txBody>
+          <a:bodyPr spcFirstLastPara="1" wrap="square" lIns="91425" tIns="91425" rIns="91425" bIns="91425" anchor="b" anchorCtr="0">
+            <a:noAutofit/>
+          </a:bodyPr>
+          <a:lstStyle>
+            <a:defPPr marR="0" lvl="0" algn="l" rtl="0">
+              <a:lnSpc>
+                <a:spcPct val="100000"/>
+              </a:lnSpc>
+              <a:spcBef>
+                <a:spcPts val="0"/>
+              </a:spcBef>
+              <a:spcAft>
+                <a:spcPts val="0"/>
+              </a:spcAft>
+            </a:defPPr>
+            <a:lvl1pPr marR="0" lvl="0" algn="l" rtl="0">
+              <a:lnSpc>
+                <a:spcPct val="100000"/>
+              </a:lnSpc>
+              <a:spcBef>
+                <a:spcPts val="0"/>
+              </a:spcBef>
+              <a:spcAft>
+                <a:spcPts val="0"/>
+              </a:spcAft>
+              <a:buClr>
+                <a:srgbClr val="294667"/>
+              </a:buClr>
+              <a:buSzPts val="1400"/>
+              <a:buFont typeface="Merriweather"/>
+              <a:buNone/>
+              <a:defRPr sz="1400" b="1" i="0" u="none" strike="noStrike" cap="none">
+                <a:solidFill>
+                  <a:srgbClr val="294667"/>
+                </a:solidFill>
+                <a:latin typeface="Merriweather"/>
+                <a:ea typeface="Merriweather"/>
+                <a:cs typeface="Merriweather"/>
+                <a:sym typeface="Merriweather"/>
+              </a:defRPr>
+            </a:lvl1pPr>
+            <a:lvl2pPr marR="0" lvl="1" algn="l" rtl="0">
+              <a:lnSpc>
+                <a:spcPct val="100000"/>
+              </a:lnSpc>
+              <a:spcBef>
+                <a:spcPts val="0"/>
+              </a:spcBef>
+              <a:spcAft>
+                <a:spcPts val="0"/>
+              </a:spcAft>
+              <a:buClr>
+                <a:srgbClr val="294667"/>
+              </a:buClr>
+              <a:buSzPts val="1400"/>
+              <a:buFont typeface="Merriweather"/>
+              <a:buNone/>
+              <a:defRPr sz="1400" b="1" i="0" u="none" strike="noStrike" cap="none">
+                <a:solidFill>
+                  <a:srgbClr val="294667"/>
+                </a:solidFill>
+                <a:latin typeface="Merriweather"/>
+                <a:ea typeface="Merriweather"/>
+                <a:cs typeface="Merriweather"/>
+                <a:sym typeface="Merriweather"/>
+              </a:defRPr>
+            </a:lvl2pPr>
+            <a:lvl3pPr marR="0" lvl="2" algn="l" rtl="0">
+              <a:lnSpc>
+                <a:spcPct val="100000"/>
+              </a:lnSpc>
+              <a:spcBef>
+                <a:spcPts val="0"/>
+              </a:spcBef>
+              <a:spcAft>
+                <a:spcPts val="0"/>
+              </a:spcAft>
+              <a:buClr>
+                <a:srgbClr val="294667"/>
+              </a:buClr>
+              <a:buSzPts val="1400"/>
+              <a:buFont typeface="Merriweather"/>
+              <a:buNone/>
+              <a:defRPr sz="1400" b="1" i="0" u="none" strike="noStrike" cap="none">
+                <a:solidFill>
+                  <a:srgbClr val="294667"/>
+                </a:solidFill>
+                <a:latin typeface="Merriweather"/>
+                <a:ea typeface="Merriweather"/>
+                <a:cs typeface="Merriweather"/>
+                <a:sym typeface="Merriweather"/>
+              </a:defRPr>
+            </a:lvl3pPr>
+            <a:lvl4pPr marR="0" lvl="3" algn="l" rtl="0">
+              <a:lnSpc>
+                <a:spcPct val="100000"/>
+              </a:lnSpc>
+              <a:spcBef>
+                <a:spcPts val="0"/>
+              </a:spcBef>
+              <a:spcAft>
+                <a:spcPts val="0"/>
+              </a:spcAft>
+              <a:buClr>
+                <a:srgbClr val="294667"/>
+              </a:buClr>
+              <a:buSzPts val="1400"/>
+              <a:buFont typeface="Merriweather"/>
+              <a:buNone/>
+              <a:defRPr sz="1400" b="1" i="0" u="none" strike="noStrike" cap="none">
+                <a:solidFill>
+                  <a:srgbClr val="294667"/>
+                </a:solidFill>
+                <a:latin typeface="Merriweather"/>
+                <a:ea typeface="Merriweather"/>
+                <a:cs typeface="Merriweather"/>
+                <a:sym typeface="Merriweather"/>
+              </a:defRPr>
+            </a:lvl4pPr>
+            <a:lvl5pPr marR="0" lvl="4" algn="l" rtl="0">
+              <a:lnSpc>
+                <a:spcPct val="100000"/>
+              </a:lnSpc>
+              <a:spcBef>
+                <a:spcPts val="0"/>
+              </a:spcBef>
+              <a:spcAft>
+                <a:spcPts val="0"/>
+              </a:spcAft>
+              <a:buClr>
+                <a:srgbClr val="294667"/>
+              </a:buClr>
+              <a:buSzPts val="1400"/>
+              <a:buFont typeface="Merriweather"/>
+              <a:buNone/>
+              <a:defRPr sz="1400" b="1" i="0" u="none" strike="noStrike" cap="none">
+                <a:solidFill>
+                  <a:srgbClr val="294667"/>
+                </a:solidFill>
+                <a:latin typeface="Merriweather"/>
+                <a:ea typeface="Merriweather"/>
+                <a:cs typeface="Merriweather"/>
+                <a:sym typeface="Merriweather"/>
+              </a:defRPr>
+            </a:lvl5pPr>
+            <a:lvl6pPr marR="0" lvl="5" algn="l" rtl="0">
+              <a:lnSpc>
+                <a:spcPct val="100000"/>
+              </a:lnSpc>
+              <a:spcBef>
+                <a:spcPts val="0"/>
+              </a:spcBef>
+              <a:spcAft>
+                <a:spcPts val="0"/>
+              </a:spcAft>
+              <a:buClr>
+                <a:srgbClr val="294667"/>
+              </a:buClr>
+              <a:buSzPts val="1400"/>
+              <a:buFont typeface="Merriweather"/>
+              <a:buNone/>
+              <a:defRPr sz="1400" b="1" i="0" u="none" strike="noStrike" cap="none">
+                <a:solidFill>
+                  <a:srgbClr val="294667"/>
+                </a:solidFill>
+                <a:latin typeface="Merriweather"/>
+                <a:ea typeface="Merriweather"/>
+                <a:cs typeface="Merriweather"/>
+                <a:sym typeface="Merriweather"/>
+              </a:defRPr>
+            </a:lvl6pPr>
+            <a:lvl7pPr marR="0" lvl="6" algn="l" rtl="0">
+              <a:lnSpc>
+                <a:spcPct val="100000"/>
+              </a:lnSpc>
+              <a:spcBef>
+                <a:spcPts val="0"/>
+              </a:spcBef>
+              <a:spcAft>
+                <a:spcPts val="0"/>
+              </a:spcAft>
+              <a:buClr>
+                <a:srgbClr val="294667"/>
+              </a:buClr>
+              <a:buSzPts val="1400"/>
+              <a:buFont typeface="Merriweather"/>
+              <a:buNone/>
+              <a:defRPr sz="1400" b="1" i="0" u="none" strike="noStrike" cap="none">
+                <a:solidFill>
+                  <a:srgbClr val="294667"/>
+                </a:solidFill>
+                <a:latin typeface="Merriweather"/>
+                <a:ea typeface="Merriweather"/>
+                <a:cs typeface="Merriweather"/>
+                <a:sym typeface="Merriweather"/>
+              </a:defRPr>
+            </a:lvl7pPr>
+            <a:lvl8pPr marR="0" lvl="7" algn="l" rtl="0">
+              <a:lnSpc>
+                <a:spcPct val="100000"/>
+              </a:lnSpc>
+              <a:spcBef>
+                <a:spcPts val="0"/>
+              </a:spcBef>
+              <a:spcAft>
+                <a:spcPts val="0"/>
+              </a:spcAft>
+              <a:buClr>
+                <a:srgbClr val="294667"/>
+              </a:buClr>
+              <a:buSzPts val="1400"/>
+              <a:buFont typeface="Merriweather"/>
+              <a:buNone/>
+              <a:defRPr sz="1400" b="1" i="0" u="none" strike="noStrike" cap="none">
+                <a:solidFill>
+                  <a:srgbClr val="294667"/>
+                </a:solidFill>
+                <a:latin typeface="Merriweather"/>
+                <a:ea typeface="Merriweather"/>
+                <a:cs typeface="Merriweather"/>
+                <a:sym typeface="Merriweather"/>
+              </a:defRPr>
+            </a:lvl8pPr>
+            <a:lvl9pPr marR="0" lvl="8" algn="l" rtl="0">
+              <a:lnSpc>
+                <a:spcPct val="100000"/>
+              </a:lnSpc>
+              <a:spcBef>
+                <a:spcPts val="0"/>
+              </a:spcBef>
+              <a:spcAft>
+                <a:spcPts val="0"/>
+              </a:spcAft>
+              <a:buClr>
+                <a:srgbClr val="294667"/>
+              </a:buClr>
+              <a:buSzPts val="1400"/>
+              <a:buFont typeface="Merriweather"/>
+              <a:buNone/>
+              <a:defRPr sz="1400" b="1" i="0" u="none" strike="noStrike" cap="none">
+                <a:solidFill>
+                  <a:srgbClr val="294667"/>
+                </a:solidFill>
+                <a:latin typeface="Merriweather"/>
+                <a:ea typeface="Merriweather"/>
+                <a:cs typeface="Merriweather"/>
+                <a:sym typeface="Merriweather"/>
+              </a:defRPr>
+            </a:lvl9pPr>
+          </a:lstStyle>
+          <a:p>
+            <a:r>
+              <a:rPr lang="fr-FR" sz="2600" dirty="0"/>
+              <a:t>Qu’allons nous apporter?</a:t>
+            </a:r>
+          </a:p>
+        </p:txBody>
+      </p:sp>
+      <p:sp>
+        <p:nvSpPr>
+          <p:cNvPr id="5" name="Rectangle 4">
+            <a:extLst>
+              <a:ext uri="{FF2B5EF4-FFF2-40B4-BE49-F238E27FC236}">
+                <a16:creationId xmlns:a16="http://schemas.microsoft.com/office/drawing/2014/main" xmlns="" id="{88FD43B4-8E16-4934-9857-85E39CB8A0FF}"/>
+              </a:ext>
+            </a:extLst>
+          </p:cNvPr>
+          <p:cNvSpPr/>
+          <p:nvPr/>
+        </p:nvSpPr>
+        <p:spPr>
+          <a:xfrm>
+            <a:off x="863277" y="1842559"/>
+            <a:ext cx="4772242" cy="1815882"/>
+          </a:xfrm>
+          <a:prstGeom prst="rect">
+            <a:avLst/>
+          </a:prstGeom>
+        </p:spPr>
+        <p:txBody>
+          <a:bodyPr wrap="square">
+            <a:spAutoFit/>
+          </a:bodyPr>
+          <a:lstStyle/>
+          <a:p>
+            <a:r>
+              <a:rPr lang="fr-FR" dirty="0">
+                <a:latin typeface="Times New Roman" panose="02020603050405020304" pitchFamily="18" charset="0"/>
+                <a:ea typeface="Calibri" panose="020F0502020204030204" pitchFamily="34" charset="0"/>
+              </a:rPr>
+              <a:t>Minimiser les déplacements des agents.</a:t>
+            </a:r>
+          </a:p>
+          <a:p>
+            <a:endParaRPr lang="fr-FR" dirty="0">
+              <a:latin typeface="Times New Roman" panose="02020603050405020304" pitchFamily="18" charset="0"/>
+              <a:ea typeface="Calibri" panose="020F0502020204030204" pitchFamily="34" charset="0"/>
+            </a:endParaRPr>
+          </a:p>
+          <a:p>
+            <a:r>
+              <a:rPr lang="fr-FR" dirty="0">
+                <a:latin typeface="Times New Roman" panose="02020603050405020304" pitchFamily="18" charset="0"/>
+                <a:ea typeface="Calibri" panose="020F0502020204030204" pitchFamily="34" charset="0"/>
+              </a:rPr>
+              <a:t>Accélérer le processus des équipes d’intervention</a:t>
+            </a:r>
+            <a:r>
+              <a:rPr lang="fr-FR" dirty="0" smtClean="0">
+                <a:latin typeface="Times New Roman" panose="02020603050405020304" pitchFamily="18" charset="0"/>
+                <a:ea typeface="Calibri" panose="020F0502020204030204" pitchFamily="34" charset="0"/>
+              </a:rPr>
+              <a:t>.</a:t>
+            </a:r>
+          </a:p>
+          <a:p>
+            <a:endParaRPr lang="fr-FR" dirty="0" smtClean="0">
+              <a:latin typeface="Times New Roman" panose="02020603050405020304" pitchFamily="18" charset="0"/>
+              <a:ea typeface="Calibri" panose="020F0502020204030204" pitchFamily="34" charset="0"/>
+            </a:endParaRPr>
+          </a:p>
+          <a:p>
+            <a:r>
+              <a:rPr lang="fr-FR" dirty="0" smtClean="0">
+                <a:latin typeface="Times New Roman" panose="02020603050405020304" pitchFamily="18" charset="0"/>
+                <a:ea typeface="Calibri" panose="020F0502020204030204" pitchFamily="34" charset="0"/>
+              </a:rPr>
+              <a:t>Facilité la récupération des informations de débordements.</a:t>
+            </a:r>
+            <a:endParaRPr lang="fr-FR" dirty="0">
+              <a:latin typeface="Times New Roman" panose="02020603050405020304" pitchFamily="18" charset="0"/>
+              <a:ea typeface="Calibri" panose="020F0502020204030204" pitchFamily="34" charset="0"/>
+            </a:endParaRPr>
+          </a:p>
+          <a:p>
+            <a:endParaRPr lang="fr-FR" dirty="0">
+              <a:latin typeface="Times New Roman" panose="02020603050405020304" pitchFamily="18" charset="0"/>
+              <a:ea typeface="Calibri" panose="020F0502020204030204" pitchFamily="34" charset="0"/>
+            </a:endParaRPr>
+          </a:p>
+          <a:p>
+            <a:r>
+              <a:rPr lang="fr-FR" dirty="0">
+                <a:latin typeface="Times New Roman" panose="02020603050405020304" pitchFamily="18" charset="0"/>
+                <a:ea typeface="Calibri" panose="020F0502020204030204" pitchFamily="34" charset="0"/>
+              </a:rPr>
+              <a:t>Les couts sont donc réduit en déplacement et en temps humain.</a:t>
+            </a:r>
+            <a:endParaRPr lang="fr-FR" dirty="0">
+              <a:latin typeface="Times New Roman" panose="02020603050405020304" pitchFamily="18" charset="0"/>
+              <a:cs typeface="Times New Roman" panose="02020603050405020304" pitchFamily="18" charset="0"/>
+            </a:endParaRPr>
+          </a:p>
+          <a:p>
+            <a:endParaRPr lang="fr-FR" dirty="0">
+              <a:latin typeface="Times New Roman" panose="02020603050405020304" pitchFamily="18" charset="0"/>
+              <a:ea typeface="Calibri" panose="020F0502020204030204" pitchFamily="34" charset="0"/>
+              <a:cs typeface="Times New Roman" panose="02020603050405020304" pitchFamily="18" charset="0"/>
+            </a:endParaRPr>
+          </a:p>
+        </p:txBody>
+      </p:sp>
+      <p:sp>
+        <p:nvSpPr>
+          <p:cNvPr id="7" name="Ellipse 6">
+            <a:extLst>
+              <a:ext uri="{FF2B5EF4-FFF2-40B4-BE49-F238E27FC236}">
+                <a16:creationId xmlns:a16="http://schemas.microsoft.com/office/drawing/2014/main" xmlns="" id="{70C2D049-8F41-4802-A54C-FEAA09603ECD}"/>
+              </a:ext>
+            </a:extLst>
+          </p:cNvPr>
+          <p:cNvSpPr/>
+          <p:nvPr/>
+        </p:nvSpPr>
+        <p:spPr>
+          <a:xfrm>
+            <a:off x="649650" y="1876736"/>
+            <a:ext cx="245700" cy="245700"/>
+          </a:xfrm>
+          <a:prstGeom prst="ellipse">
+            <a:avLst/>
+          </a:prstGeom>
+          <a:gradFill>
+            <a:gsLst>
+              <a:gs pos="0">
+                <a:srgbClr val="FFB52F"/>
+              </a:gs>
+              <a:gs pos="33000">
+                <a:srgbClr val="FFCC81"/>
+              </a:gs>
+              <a:gs pos="100000">
+                <a:srgbClr val="FFE7C1"/>
+              </a:gs>
+            </a:gsLst>
+          </a:gradFill>
+        </p:spPr>
+        <p:style>
+          <a:lnRef idx="1">
+            <a:schemeClr val="accent2"/>
+          </a:lnRef>
+          <a:fillRef idx="2">
+            <a:schemeClr val="accent2"/>
+          </a:fillRef>
+          <a:effectRef idx="1">
+            <a:schemeClr val="accent2"/>
+          </a:effectRef>
+          <a:fontRef idx="minor">
+            <a:schemeClr val="dk1"/>
+          </a:fontRef>
+        </p:style>
+        <p:txBody>
+          <a:bodyPr rtlCol="0" anchor="ctr"/>
+          <a:lstStyle/>
+          <a:p>
+            <a:pPr algn="ctr"/>
+            <a:r>
+              <a:rPr lang="fr-FR" b="1" dirty="0">
+                <a:solidFill>
+                  <a:schemeClr val="bg1"/>
+                </a:solidFill>
+                <a:effectLst>
+                  <a:outerShdw blurRad="38100" dist="38100" dir="2700000" algn="tl">
+                    <a:srgbClr val="000000">
+                      <a:alpha val="43137"/>
+                    </a:srgbClr>
+                  </a:outerShdw>
+                </a:effectLst>
+                <a:latin typeface="Times New Roman" panose="02020603050405020304" pitchFamily="18" charset="0"/>
+                <a:ea typeface="Calibri" panose="020F0502020204030204" pitchFamily="34" charset="0"/>
+              </a:rPr>
+              <a:t>1</a:t>
+            </a:r>
+            <a:endParaRPr lang="fr-FR" b="1" dirty="0">
+              <a:solidFill>
+                <a:schemeClr val="bg1"/>
+              </a:solidFill>
+              <a:effectLst>
+                <a:outerShdw blurRad="38100" dist="38100" dir="2700000" algn="tl">
+                  <a:srgbClr val="000000">
+                    <a:alpha val="43137"/>
+                  </a:srgbClr>
+                </a:outerShdw>
+              </a:effectLst>
+            </a:endParaRPr>
+          </a:p>
+        </p:txBody>
+      </p:sp>
+      <p:sp>
+        <p:nvSpPr>
+          <p:cNvPr id="8" name="Ellipse 7">
+            <a:extLst>
+              <a:ext uri="{FF2B5EF4-FFF2-40B4-BE49-F238E27FC236}">
+                <a16:creationId xmlns:a16="http://schemas.microsoft.com/office/drawing/2014/main" xmlns="" id="{4DFCD240-69A0-4547-BF56-3C985FDC1478}"/>
+              </a:ext>
+            </a:extLst>
+          </p:cNvPr>
+          <p:cNvSpPr/>
+          <p:nvPr/>
+        </p:nvSpPr>
+        <p:spPr>
+          <a:xfrm>
+            <a:off x="649650" y="2303511"/>
+            <a:ext cx="245700" cy="245700"/>
+          </a:xfrm>
+          <a:prstGeom prst="ellipse">
+            <a:avLst/>
+          </a:prstGeom>
+          <a:gradFill>
+            <a:gsLst>
+              <a:gs pos="0">
+                <a:srgbClr val="FFB52F"/>
+              </a:gs>
+              <a:gs pos="33000">
+                <a:srgbClr val="FFCC81"/>
+              </a:gs>
+              <a:gs pos="100000">
+                <a:srgbClr val="FFE7C1"/>
+              </a:gs>
+            </a:gsLst>
+          </a:gradFill>
+        </p:spPr>
+        <p:style>
+          <a:lnRef idx="1">
+            <a:schemeClr val="accent2"/>
+          </a:lnRef>
+          <a:fillRef idx="2">
+            <a:schemeClr val="accent2"/>
+          </a:fillRef>
+          <a:effectRef idx="1">
+            <a:schemeClr val="accent2"/>
+          </a:effectRef>
+          <a:fontRef idx="minor">
+            <a:schemeClr val="dk1"/>
+          </a:fontRef>
+        </p:style>
+        <p:txBody>
+          <a:bodyPr rtlCol="0" anchor="ctr"/>
+          <a:lstStyle/>
+          <a:p>
+            <a:pPr algn="ctr"/>
+            <a:r>
+              <a:rPr lang="fr-FR" b="1" dirty="0">
+                <a:solidFill>
+                  <a:schemeClr val="bg1"/>
+                </a:solidFill>
+                <a:effectLst>
+                  <a:outerShdw blurRad="38100" dist="38100" dir="2700000" algn="tl">
+                    <a:srgbClr val="000000">
+                      <a:alpha val="43137"/>
+                    </a:srgbClr>
+                  </a:outerShdw>
+                </a:effectLst>
+                <a:latin typeface="Times New Roman" panose="02020603050405020304" pitchFamily="18" charset="0"/>
+                <a:ea typeface="Calibri" panose="020F0502020204030204" pitchFamily="34" charset="0"/>
+              </a:rPr>
+              <a:t>2</a:t>
+            </a:r>
+          </a:p>
+        </p:txBody>
+      </p:sp>
+      <p:sp>
+        <p:nvSpPr>
+          <p:cNvPr id="9" name="Ellipse 8">
+            <a:extLst>
+              <a:ext uri="{FF2B5EF4-FFF2-40B4-BE49-F238E27FC236}">
+                <a16:creationId xmlns:a16="http://schemas.microsoft.com/office/drawing/2014/main" xmlns="" id="{C42C5CA9-7DC7-41B0-BBA6-177898D9C438}"/>
+              </a:ext>
+            </a:extLst>
+          </p:cNvPr>
+          <p:cNvSpPr/>
+          <p:nvPr/>
+        </p:nvSpPr>
+        <p:spPr>
+          <a:xfrm>
+            <a:off x="649650" y="2736497"/>
+            <a:ext cx="245700" cy="245700"/>
+          </a:xfrm>
+          <a:prstGeom prst="ellipse">
+            <a:avLst/>
+          </a:prstGeom>
+          <a:gradFill>
+            <a:gsLst>
+              <a:gs pos="0">
+                <a:srgbClr val="FFB52F"/>
+              </a:gs>
+              <a:gs pos="33000">
+                <a:srgbClr val="FFCC81"/>
+              </a:gs>
+              <a:gs pos="100000">
+                <a:srgbClr val="FFE7C1"/>
+              </a:gs>
+            </a:gsLst>
+          </a:gradFill>
+        </p:spPr>
+        <p:style>
+          <a:lnRef idx="1">
+            <a:schemeClr val="accent2"/>
+          </a:lnRef>
+          <a:fillRef idx="2">
+            <a:schemeClr val="accent2"/>
+          </a:fillRef>
+          <a:effectRef idx="1">
+            <a:schemeClr val="accent2"/>
+          </a:effectRef>
+          <a:fontRef idx="minor">
+            <a:schemeClr val="dk1"/>
+          </a:fontRef>
+        </p:style>
+        <p:txBody>
+          <a:bodyPr rtlCol="0" anchor="ctr"/>
+          <a:lstStyle/>
+          <a:p>
+            <a:pPr algn="ctr"/>
+            <a:r>
+              <a:rPr lang="fr-FR" b="1" dirty="0" smtClean="0">
+                <a:solidFill>
+                  <a:schemeClr val="bg1"/>
+                </a:solidFill>
+                <a:effectLst>
+                  <a:outerShdw blurRad="38100" dist="38100" dir="2700000" algn="tl">
+                    <a:srgbClr val="000000">
+                      <a:alpha val="43137"/>
+                    </a:srgbClr>
+                  </a:outerShdw>
+                </a:effectLst>
+                <a:latin typeface="Times New Roman" panose="02020603050405020304" pitchFamily="18" charset="0"/>
+                <a:ea typeface="Calibri" panose="020F0502020204030204" pitchFamily="34" charset="0"/>
+              </a:rPr>
+              <a:t>3</a:t>
+            </a:r>
+            <a:endParaRPr lang="fr-FR" b="1" dirty="0">
+              <a:solidFill>
+                <a:schemeClr val="bg1"/>
+              </a:solidFill>
+              <a:effectLst>
+                <a:outerShdw blurRad="38100" dist="38100" dir="2700000" algn="tl">
+                  <a:srgbClr val="000000">
+                    <a:alpha val="43137"/>
+                  </a:srgbClr>
+                </a:outerShdw>
+              </a:effectLst>
+              <a:latin typeface="Times New Roman" panose="02020603050405020304" pitchFamily="18" charset="0"/>
+              <a:ea typeface="Calibri" panose="020F0502020204030204" pitchFamily="34" charset="0"/>
+            </a:endParaRPr>
+          </a:p>
+        </p:txBody>
+      </p:sp>
+      <p:pic>
+        <p:nvPicPr>
+          <p:cNvPr id="6" name="Image 5">
+            <a:extLst>
+              <a:ext uri="{FF2B5EF4-FFF2-40B4-BE49-F238E27FC236}">
+                <a16:creationId xmlns:a16="http://schemas.microsoft.com/office/drawing/2014/main" xmlns="" id="{1931CD2B-6983-46AA-B5D7-1ECD60A8BC3E}"/>
+              </a:ext>
+            </a:extLst>
+          </p:cNvPr>
+          <p:cNvPicPr>
+            <a:picLocks noChangeAspect="1"/>
+          </p:cNvPicPr>
+          <p:nvPr/>
+        </p:nvPicPr>
+        <p:blipFill>
+          <a:blip r:embed="rId2"/>
+          <a:stretch>
+            <a:fillRect/>
+          </a:stretch>
+        </p:blipFill>
+        <p:spPr>
+          <a:xfrm>
+            <a:off x="5701307" y="-3442"/>
+            <a:ext cx="3451006" cy="5143500"/>
+          </a:xfrm>
+          <a:prstGeom prst="rect">
+            <a:avLst/>
+          </a:prstGeom>
+        </p:spPr>
+      </p:pic>
+      <p:sp>
+        <p:nvSpPr>
+          <p:cNvPr id="10" name="Ellipse 9">
+            <a:extLst>
+              <a:ext uri="{FF2B5EF4-FFF2-40B4-BE49-F238E27FC236}">
+                <a16:creationId xmlns:a16="http://schemas.microsoft.com/office/drawing/2014/main" xmlns="" id="{C42C5CA9-7DC7-41B0-BBA6-177898D9C438}"/>
+              </a:ext>
+            </a:extLst>
+          </p:cNvPr>
+          <p:cNvSpPr/>
+          <p:nvPr/>
+        </p:nvSpPr>
+        <p:spPr>
+          <a:xfrm>
+            <a:off x="650910" y="3153392"/>
+            <a:ext cx="245700" cy="245700"/>
+          </a:xfrm>
+          <a:prstGeom prst="ellipse">
+            <a:avLst/>
+          </a:prstGeom>
+          <a:gradFill>
+            <a:gsLst>
+              <a:gs pos="0">
+                <a:srgbClr val="FFB52F"/>
+              </a:gs>
+              <a:gs pos="33000">
+                <a:srgbClr val="FFCC81"/>
+              </a:gs>
+              <a:gs pos="100000">
+                <a:srgbClr val="FFE7C1"/>
+              </a:gs>
+            </a:gsLst>
+          </a:gradFill>
+        </p:spPr>
+        <p:style>
+          <a:lnRef idx="1">
+            <a:schemeClr val="accent2"/>
+          </a:lnRef>
+          <a:fillRef idx="2">
+            <a:schemeClr val="accent2"/>
+          </a:fillRef>
+          <a:effectRef idx="1">
+            <a:schemeClr val="accent2"/>
+          </a:effectRef>
+          <a:fontRef idx="minor">
+            <a:schemeClr val="dk1"/>
+          </a:fontRef>
+        </p:style>
+        <p:txBody>
+          <a:bodyPr rtlCol="0" anchor="ctr"/>
+          <a:lstStyle/>
+          <a:p>
+            <a:pPr algn="ctr"/>
+            <a:r>
+              <a:rPr lang="fr-FR" b="1" dirty="0">
+                <a:solidFill>
+                  <a:schemeClr val="bg1"/>
+                </a:solidFill>
+                <a:effectLst>
+                  <a:outerShdw blurRad="38100" dist="38100" dir="2700000" algn="tl">
+                    <a:srgbClr val="000000">
+                      <a:alpha val="43137"/>
+                    </a:srgbClr>
+                  </a:outerShdw>
+                </a:effectLst>
+                <a:latin typeface="Times New Roman" panose="02020603050405020304" pitchFamily="18" charset="0"/>
+                <a:ea typeface="Calibri" panose="020F0502020204030204" pitchFamily="34" charset="0"/>
+              </a:rPr>
+              <a:t>#</a:t>
+            </a:r>
+          </a:p>
+        </p:txBody>
+      </p:sp>
+    </p:spTree>
+    <p:extLst>
+      <p:ext uri="{BB962C8B-B14F-4D97-AF65-F5344CB8AC3E}">
+        <p14:creationId xmlns:p14="http://schemas.microsoft.com/office/powerpoint/2010/main" xmlns="" val="4080111774"/>
+      </p:ext>
+    </p:extLst>
+  </p:cSld>
+  <p:clrMapOvr>
+    <a:masterClrMapping/>
+  </p:clrMapOvr>
+  <p:timing>
+    <p:tnLst>
+      <p:par>
+        <p:cTn id="1" dur="indefinite" restart="never" nodeType="tmRoot">
+          <p:childTnLst>
+            <p:seq concurrent="1" nextAc="seek">
+              <p:cTn id="2" dur="indefinite" nodeType="mainSeq">
+                <p:childTnLst>
+                  <p:par>
+                    <p:cTn id="3" fill="hold">
+                      <p:stCondLst>
+                        <p:cond delay="indefinite"/>
+                        <p:cond evt="onBegin" delay="0">
+                          <p:tn val="2"/>
+                        </p:cond>
+                      </p:stCondLst>
+                      <p:childTnLst>
+                        <p:par>
+                          <p:cTn id="4" fill="hold">
+                            <p:stCondLst>
+                              <p:cond delay="0"/>
+                            </p:stCondLst>
+                            <p:childTnLst>
+                              <p:par>
+                                <p:cTn id="5" presetID="1" presetClass="entr" presetSubtype="0" fill="hold" grpId="0" nodeType="withEffect">
+                                  <p:stCondLst>
+                                    <p:cond delay="0"/>
+                                  </p:stCondLst>
+                                  <p:childTnLst>
+                                    <p:set>
+                                      <p:cBhvr>
+                                        <p:cTn id="6" dur="1" fill="hold">
+                                          <p:stCondLst>
+                                            <p:cond delay="0"/>
+                                          </p:stCondLst>
+                                        </p:cTn>
+                                        <p:tgtEl>
+                                          <p:spTgt spid="5"/>
+                                        </p:tgtEl>
+                                        <p:attrNameLst>
+                                          <p:attrName>style.visibility</p:attrName>
+                                        </p:attrNameLst>
+                                      </p:cBhvr>
+                                      <p:to>
+                                        <p:strVal val="visible"/>
+                                      </p:to>
+                                    </p:set>
+                                  </p:childTnLst>
+                                </p:cTn>
+                              </p:par>
+                            </p:childTnLst>
+                          </p:cTn>
+                        </p:par>
+                      </p:childTnLst>
+                    </p:cTn>
+                  </p:par>
+                </p:childTnLst>
+              </p:cTn>
+              <p:prevCondLst>
+                <p:cond evt="onPrev" delay="0">
+                  <p:tgtEl>
+                    <p:sldTgt/>
+                  </p:tgtEl>
+                </p:cond>
+              </p:prevCondLst>
+              <p:nextCondLst>
+                <p:cond evt="onNext" delay="0">
+                  <p:tgtEl>
+                    <p:sldTgt/>
+                  </p:tgtEl>
+                </p:cond>
+              </p:nextCondLst>
+            </p:seq>
+          </p:childTnLst>
+        </p:cTn>
+      </p:par>
+    </p:tnLst>
+    <p:bldLst>
+      <p:bldP spid="5" grpId="0"/>
+    </p:bldLst>
+  </p:timing>
+</p:sld>
+</file>
+
+<file path=ppt/slides/slide6.xml><?xml version="1.0" encoding="utf-8"?>
+<p:sld xmlns:a="http://schemas.openxmlformats.org/drawingml/2006/main" xmlns:r="http://schemas.openxmlformats.org/officeDocument/2006/relationships" xmlns:p="http://schemas.openxmlformats.org/presentationml/2006/main">
+  <p:cSld>
+    <p:spTree>
+      <p:nvGrpSpPr>
+        <p:cNvPr id="1" name="Shape 157"/>
+        <p:cNvGrpSpPr/>
+        <p:nvPr/>
+      </p:nvGrpSpPr>
+      <p:grpSpPr>
+        <a:xfrm>
+          <a:off x="0" y="0"/>
+          <a:ext cx="0" cy="0"/>
+          <a:chOff x="0" y="0"/>
+          <a:chExt cx="0" cy="0"/>
+        </a:xfrm>
+      </p:grpSpPr>
+      <p:sp>
+        <p:nvSpPr>
+          <p:cNvPr id="172" name="Google Shape;172;p21"/>
+          <p:cNvSpPr txBox="1">
+            <a:spLocks noGrp="1"/>
+          </p:cNvSpPr>
+          <p:nvPr>
+            <p:ph type="sldNum" idx="12"/>
+          </p:nvPr>
+        </p:nvSpPr>
+        <p:spPr>
+          <a:xfrm>
+            <a:off x="4290198" y="4761909"/>
+            <a:ext cx="536700" cy="536700"/>
+          </a:xfrm>
+          <a:prstGeom prst="rect">
+            <a:avLst/>
+          </a:prstGeom>
+        </p:spPr>
+        <p:txBody>
+          <a:bodyPr spcFirstLastPara="1" wrap="square" lIns="91425" tIns="91425" rIns="91425" bIns="91425" anchor="ctr" anchorCtr="0">
+            <a:noAutofit/>
+          </a:bodyPr>
+          <a:lstStyle/>
+          <a:p>
+            <a:pPr marL="0" lvl="0" indent="0" algn="ctr" rtl="0">
+              <a:spcBef>
+                <a:spcPts val="0"/>
+              </a:spcBef>
+              <a:spcAft>
+                <a:spcPts val="0"/>
+              </a:spcAft>
+              <a:buNone/>
+            </a:pPr>
+            <a:fld id="{00000000-1234-1234-1234-123412341234}" type="slidenum">
+              <a:rPr lang="en"/>
+              <a:pPr marL="0" lvl="0" indent="0" algn="ctr" rtl="0">
+                <a:spcBef>
+                  <a:spcPts val="0"/>
+                </a:spcBef>
+                <a:spcAft>
+                  <a:spcPts val="0"/>
+                </a:spcAft>
+                <a:buNone/>
+              </a:pPr>
+              <a:t>6</a:t>
+            </a:fld>
+            <a:endParaRPr dirty="0"/>
+          </a:p>
+        </p:txBody>
+      </p:sp>
+      <p:sp>
+        <p:nvSpPr>
+          <p:cNvPr id="3" name="Google Shape;158;p21">
+            <a:extLst>
+              <a:ext uri="{FF2B5EF4-FFF2-40B4-BE49-F238E27FC236}">
+                <a16:creationId xmlns:a16="http://schemas.microsoft.com/office/drawing/2014/main" xmlns="" id="{A4F95413-8F91-4EC2-BAA9-2E745CD08F74}"/>
+              </a:ext>
+            </a:extLst>
+          </p:cNvPr>
+          <p:cNvSpPr txBox="1">
+            <a:spLocks/>
+          </p:cNvSpPr>
+          <p:nvPr/>
+        </p:nvSpPr>
+        <p:spPr>
+          <a:xfrm>
+            <a:off x="265572" y="148961"/>
+            <a:ext cx="6022106" cy="571756"/>
+          </a:xfrm>
+          <a:prstGeom prst="rect">
+            <a:avLst/>
+          </a:prstGeom>
+          <a:noFill/>
+          <a:ln>
+            <a:noFill/>
+          </a:ln>
+        </p:spPr>
+        <p:txBody>
+          <a:bodyPr spcFirstLastPara="1" wrap="square" lIns="91425" tIns="91425" rIns="91425" bIns="91425" anchor="b" anchorCtr="0">
+            <a:noAutofit/>
+          </a:bodyPr>
+          <a:lstStyle>
+            <a:defPPr marR="0" lvl="0" algn="l" rtl="0">
+              <a:lnSpc>
+                <a:spcPct val="100000"/>
+              </a:lnSpc>
+              <a:spcBef>
+                <a:spcPts val="0"/>
+              </a:spcBef>
+              <a:spcAft>
+                <a:spcPts val="0"/>
+              </a:spcAft>
+            </a:defPPr>
+            <a:lvl1pPr marR="0" lvl="0" algn="l" rtl="0">
+              <a:lnSpc>
+                <a:spcPct val="100000"/>
+              </a:lnSpc>
+              <a:spcBef>
+                <a:spcPts val="0"/>
+              </a:spcBef>
+              <a:spcAft>
+                <a:spcPts val="0"/>
+              </a:spcAft>
+              <a:buClr>
+                <a:srgbClr val="294667"/>
+              </a:buClr>
+              <a:buSzPts val="1400"/>
+              <a:buFont typeface="Merriweather"/>
+              <a:buNone/>
+              <a:defRPr sz="1400" b="1" i="0" u="none" strike="noStrike" cap="none">
+                <a:solidFill>
+                  <a:srgbClr val="294667"/>
+                </a:solidFill>
+                <a:latin typeface="Merriweather"/>
+                <a:ea typeface="Merriweather"/>
+                <a:cs typeface="Merriweather"/>
+                <a:sym typeface="Merriweather"/>
+              </a:defRPr>
+            </a:lvl1pPr>
+            <a:lvl2pPr marR="0" lvl="1" algn="l" rtl="0">
+              <a:lnSpc>
+                <a:spcPct val="100000"/>
+              </a:lnSpc>
+              <a:spcBef>
+                <a:spcPts val="0"/>
+              </a:spcBef>
+              <a:spcAft>
+                <a:spcPts val="0"/>
+              </a:spcAft>
+              <a:buClr>
+                <a:srgbClr val="294667"/>
+              </a:buClr>
+              <a:buSzPts val="1400"/>
+              <a:buFont typeface="Merriweather"/>
+              <a:buNone/>
+              <a:defRPr sz="1400" b="1" i="0" u="none" strike="noStrike" cap="none">
+                <a:solidFill>
+                  <a:srgbClr val="294667"/>
+                </a:solidFill>
+                <a:latin typeface="Merriweather"/>
+                <a:ea typeface="Merriweather"/>
+                <a:cs typeface="Merriweather"/>
+                <a:sym typeface="Merriweather"/>
+              </a:defRPr>
+            </a:lvl2pPr>
+            <a:lvl3pPr marR="0" lvl="2" algn="l" rtl="0">
+              <a:lnSpc>
+                <a:spcPct val="100000"/>
+              </a:lnSpc>
+              <a:spcBef>
+                <a:spcPts val="0"/>
+              </a:spcBef>
+              <a:spcAft>
+                <a:spcPts val="0"/>
+              </a:spcAft>
+              <a:buClr>
+                <a:srgbClr val="294667"/>
+              </a:buClr>
+              <a:buSzPts val="1400"/>
+              <a:buFont typeface="Merriweather"/>
+              <a:buNone/>
+              <a:defRPr sz="1400" b="1" i="0" u="none" strike="noStrike" cap="none">
+                <a:solidFill>
+                  <a:srgbClr val="294667"/>
+                </a:solidFill>
+                <a:latin typeface="Merriweather"/>
+                <a:ea typeface="Merriweather"/>
+                <a:cs typeface="Merriweather"/>
+                <a:sym typeface="Merriweather"/>
+              </a:defRPr>
+            </a:lvl3pPr>
+            <a:lvl4pPr marR="0" lvl="3" algn="l" rtl="0">
+              <a:lnSpc>
+                <a:spcPct val="100000"/>
+              </a:lnSpc>
+              <a:spcBef>
+                <a:spcPts val="0"/>
+              </a:spcBef>
+              <a:spcAft>
+                <a:spcPts val="0"/>
+              </a:spcAft>
+              <a:buClr>
+                <a:srgbClr val="294667"/>
+              </a:buClr>
+              <a:buSzPts val="1400"/>
+              <a:buFont typeface="Merriweather"/>
+              <a:buNone/>
+              <a:defRPr sz="1400" b="1" i="0" u="none" strike="noStrike" cap="none">
+                <a:solidFill>
+                  <a:srgbClr val="294667"/>
+                </a:solidFill>
+                <a:latin typeface="Merriweather"/>
+                <a:ea typeface="Merriweather"/>
+                <a:cs typeface="Merriweather"/>
+                <a:sym typeface="Merriweather"/>
+              </a:defRPr>
+            </a:lvl4pPr>
+            <a:lvl5pPr marR="0" lvl="4" algn="l" rtl="0">
+              <a:lnSpc>
+                <a:spcPct val="100000"/>
+              </a:lnSpc>
+              <a:spcBef>
+                <a:spcPts val="0"/>
+              </a:spcBef>
+              <a:spcAft>
+                <a:spcPts val="0"/>
+              </a:spcAft>
+              <a:buClr>
+                <a:srgbClr val="294667"/>
+              </a:buClr>
+              <a:buSzPts val="1400"/>
+              <a:buFont typeface="Merriweather"/>
+              <a:buNone/>
+              <a:defRPr sz="1400" b="1" i="0" u="none" strike="noStrike" cap="none">
+                <a:solidFill>
+                  <a:srgbClr val="294667"/>
+                </a:solidFill>
+                <a:latin typeface="Merriweather"/>
+                <a:ea typeface="Merriweather"/>
+                <a:cs typeface="Merriweather"/>
+                <a:sym typeface="Merriweather"/>
+              </a:defRPr>
+            </a:lvl5pPr>
+            <a:lvl6pPr marR="0" lvl="5" algn="l" rtl="0">
+              <a:lnSpc>
+                <a:spcPct val="100000"/>
+              </a:lnSpc>
+              <a:spcBef>
+                <a:spcPts val="0"/>
+              </a:spcBef>
+              <a:spcAft>
+                <a:spcPts val="0"/>
+              </a:spcAft>
+              <a:buClr>
+                <a:srgbClr val="294667"/>
+              </a:buClr>
+              <a:buSzPts val="1400"/>
+              <a:buFont typeface="Merriweather"/>
+              <a:buNone/>
+              <a:defRPr sz="1400" b="1" i="0" u="none" strike="noStrike" cap="none">
+                <a:solidFill>
+                  <a:srgbClr val="294667"/>
+                </a:solidFill>
+                <a:latin typeface="Merriweather"/>
+                <a:ea typeface="Merriweather"/>
+                <a:cs typeface="Merriweather"/>
+                <a:sym typeface="Merriweather"/>
+              </a:defRPr>
+            </a:lvl6pPr>
+            <a:lvl7pPr marR="0" lvl="6" algn="l" rtl="0">
+              <a:lnSpc>
+                <a:spcPct val="100000"/>
+              </a:lnSpc>
+              <a:spcBef>
+                <a:spcPts val="0"/>
+              </a:spcBef>
+              <a:spcAft>
+                <a:spcPts val="0"/>
+              </a:spcAft>
+              <a:buClr>
+                <a:srgbClr val="294667"/>
+              </a:buClr>
+              <a:buSzPts val="1400"/>
+              <a:buFont typeface="Merriweather"/>
+              <a:buNone/>
+              <a:defRPr sz="1400" b="1" i="0" u="none" strike="noStrike" cap="none">
+                <a:solidFill>
+                  <a:srgbClr val="294667"/>
+                </a:solidFill>
+                <a:latin typeface="Merriweather"/>
+                <a:ea typeface="Merriweather"/>
+                <a:cs typeface="Merriweather"/>
+                <a:sym typeface="Merriweather"/>
+              </a:defRPr>
+            </a:lvl7pPr>
+            <a:lvl8pPr marR="0" lvl="7" algn="l" rtl="0">
+              <a:lnSpc>
+                <a:spcPct val="100000"/>
+              </a:lnSpc>
+              <a:spcBef>
+                <a:spcPts val="0"/>
+              </a:spcBef>
+              <a:spcAft>
+                <a:spcPts val="0"/>
+              </a:spcAft>
+              <a:buClr>
+                <a:srgbClr val="294667"/>
+              </a:buClr>
+              <a:buSzPts val="1400"/>
+              <a:buFont typeface="Merriweather"/>
+              <a:buNone/>
+              <a:defRPr sz="1400" b="1" i="0" u="none" strike="noStrike" cap="none">
+                <a:solidFill>
+                  <a:srgbClr val="294667"/>
+                </a:solidFill>
+                <a:latin typeface="Merriweather"/>
+                <a:ea typeface="Merriweather"/>
+                <a:cs typeface="Merriweather"/>
+                <a:sym typeface="Merriweather"/>
+              </a:defRPr>
+            </a:lvl8pPr>
+            <a:lvl9pPr marR="0" lvl="8" algn="l" rtl="0">
+              <a:lnSpc>
+                <a:spcPct val="100000"/>
+              </a:lnSpc>
+              <a:spcBef>
+                <a:spcPts val="0"/>
+              </a:spcBef>
+              <a:spcAft>
+                <a:spcPts val="0"/>
+              </a:spcAft>
+              <a:buClr>
+                <a:srgbClr val="294667"/>
+              </a:buClr>
+              <a:buSzPts val="1400"/>
+              <a:buFont typeface="Merriweather"/>
+              <a:buNone/>
+              <a:defRPr sz="1400" b="1" i="0" u="none" strike="noStrike" cap="none">
+                <a:solidFill>
+                  <a:srgbClr val="294667"/>
+                </a:solidFill>
+                <a:latin typeface="Merriweather"/>
+                <a:ea typeface="Merriweather"/>
+                <a:cs typeface="Merriweather"/>
+                <a:sym typeface="Merriweather"/>
+              </a:defRPr>
+            </a:lvl9pPr>
+          </a:lstStyle>
+          <a:p>
+            <a:r>
+              <a:rPr lang="fr-FR" sz="2600" dirty="0"/>
+              <a:t>Déroulement des tâches et budget:</a:t>
+            </a:r>
+          </a:p>
+        </p:txBody>
+      </p:sp>
+      <p:pic>
+        <p:nvPicPr>
+          <p:cNvPr id="4" name="Image 3">
+            <a:extLst>
+              <a:ext uri="{FF2B5EF4-FFF2-40B4-BE49-F238E27FC236}">
+                <a16:creationId xmlns:a16="http://schemas.microsoft.com/office/drawing/2014/main" xmlns="" id="{1D026A76-7811-43D0-95C1-19B70345D050}"/>
+              </a:ext>
+            </a:extLst>
+          </p:cNvPr>
+          <p:cNvPicPr>
+            <a:picLocks noChangeAspect="1"/>
+          </p:cNvPicPr>
+          <p:nvPr/>
+        </p:nvPicPr>
+        <p:blipFill>
+          <a:blip r:embed="rId3"/>
+          <a:stretch>
+            <a:fillRect/>
+          </a:stretch>
+        </p:blipFill>
+        <p:spPr>
+          <a:xfrm>
+            <a:off x="336756" y="642702"/>
+            <a:ext cx="4038003" cy="4320502"/>
+          </a:xfrm>
+          <a:prstGeom prst="rect">
+            <a:avLst/>
+          </a:prstGeom>
+        </p:spPr>
+      </p:pic>
+      <p:pic>
+        <p:nvPicPr>
+          <p:cNvPr id="6" name="Image 5">
+            <a:extLst>
+              <a:ext uri="{FF2B5EF4-FFF2-40B4-BE49-F238E27FC236}">
+                <a16:creationId xmlns:a16="http://schemas.microsoft.com/office/drawing/2014/main" xmlns="" id="{84A286FC-F7FD-449E-B639-DF1D11C74586}"/>
+              </a:ext>
+            </a:extLst>
+          </p:cNvPr>
+          <p:cNvPicPr>
+            <a:picLocks noChangeAspect="1"/>
+          </p:cNvPicPr>
+          <p:nvPr/>
+        </p:nvPicPr>
+        <p:blipFill>
+          <a:blip r:embed="rId4"/>
+          <a:stretch>
+            <a:fillRect/>
+          </a:stretch>
+        </p:blipFill>
+        <p:spPr>
+          <a:xfrm>
+            <a:off x="4339120" y="642702"/>
+            <a:ext cx="558829" cy="4320502"/>
+          </a:xfrm>
+          <a:prstGeom prst="rect">
+            <a:avLst/>
+          </a:prstGeom>
+        </p:spPr>
+      </p:pic>
+      <p:sp>
+        <p:nvSpPr>
+          <p:cNvPr id="8" name="ZoneTexte 7">
+            <a:extLst>
+              <a:ext uri="{FF2B5EF4-FFF2-40B4-BE49-F238E27FC236}">
+                <a16:creationId xmlns:a16="http://schemas.microsoft.com/office/drawing/2014/main" xmlns="" id="{CD92AC50-61C8-4C6A-B8BD-BF6697295373}"/>
+              </a:ext>
+            </a:extLst>
+          </p:cNvPr>
+          <p:cNvSpPr txBox="1"/>
+          <p:nvPr/>
+        </p:nvSpPr>
+        <p:spPr>
+          <a:xfrm>
+            <a:off x="6287678" y="2279362"/>
+            <a:ext cx="1578768" cy="584775"/>
+          </a:xfrm>
+          <a:prstGeom prst="rect">
+            <a:avLst/>
+          </a:prstGeom>
+          <a:noFill/>
+        </p:spPr>
+        <p:txBody>
+          <a:bodyPr wrap="square" rtlCol="0">
+            <a:spAutoFit/>
+          </a:bodyPr>
+          <a:lstStyle/>
+          <a:p>
+            <a:pPr algn="ctr"/>
+            <a:r>
+              <a:rPr lang="fr-FR" sz="3200" b="1" dirty="0">
+                <a:solidFill>
+                  <a:srgbClr val="002060"/>
+                </a:solidFill>
+              </a:rPr>
+              <a:t>7456€</a:t>
+            </a:r>
+          </a:p>
+        </p:txBody>
+      </p:sp>
+      <p:pic>
+        <p:nvPicPr>
+          <p:cNvPr id="2" name="Image 1">
+            <a:extLst>
+              <a:ext uri="{FF2B5EF4-FFF2-40B4-BE49-F238E27FC236}">
+                <a16:creationId xmlns:a16="http://schemas.microsoft.com/office/drawing/2014/main" xmlns="" id="{55B40986-F5B5-4CE5-BFE6-AD97AB2BE55A}"/>
+              </a:ext>
+            </a:extLst>
+          </p:cNvPr>
+          <p:cNvPicPr>
+            <a:picLocks noChangeAspect="1"/>
+          </p:cNvPicPr>
+          <p:nvPr/>
+        </p:nvPicPr>
+        <p:blipFill>
+          <a:blip r:embed="rId5"/>
+          <a:stretch>
+            <a:fillRect/>
+          </a:stretch>
+        </p:blipFill>
+        <p:spPr>
+          <a:xfrm>
+            <a:off x="5007387" y="1274477"/>
+            <a:ext cx="3799857" cy="2042301"/>
+          </a:xfrm>
+          <a:prstGeom prst="rect">
+            <a:avLst/>
+          </a:prstGeom>
+        </p:spPr>
+      </p:pic>
+    </p:spTree>
+    <p:extLst>
+      <p:ext uri="{BB962C8B-B14F-4D97-AF65-F5344CB8AC3E}">
+        <p14:creationId xmlns:p14="http://schemas.microsoft.com/office/powerpoint/2010/main" xmlns="" val="4286604257"/>
+      </p:ext>
+    </p:extLst>
+  </p:cSld>
+  <p:clrMapOvr>
+    <a:masterClrMapping/>
+  </p:clrMapOvr>
+  <p:timing>
+    <p:tnLst>
+      <p:par>
+        <p:cTn id="1" dur="indefinite" restart="never" nodeType="tmRoot">
+          <p:childTnLst>
+            <p:seq concurrent="1" nextAc="seek">
+              <p:cTn id="2" dur="indefinite" nodeType="mainSeq">
+                <p:childTnLst>
+                  <p:par>
+                    <p:cTn id="3" fill="hold">
+                      <p:stCondLst>
+                        <p:cond delay="indefinite"/>
+                      </p:stCondLst>
+                      <p:childTnLst>
+                        <p:par>
+                          <p:cTn id="4" fill="hold">
+                            <p:stCondLst>
+                              <p:cond delay="0"/>
+                            </p:stCondLst>
+                            <p:childTnLst>
+                              <p:par>
+                                <p:cTn id="5" presetID="21" presetClass="entr" presetSubtype="1" fill="hold" nodeType="clickEffect">
+                                  <p:stCondLst>
+                                    <p:cond delay="0"/>
+                                  </p:stCondLst>
+                                  <p:childTnLst>
+                                    <p:set>
+                                      <p:cBhvr>
+                                        <p:cTn id="6" dur="1" fill="hold">
+                                          <p:stCondLst>
+                                            <p:cond delay="0"/>
+                                          </p:stCondLst>
+                                        </p:cTn>
+                                        <p:tgtEl>
+                                          <p:spTgt spid="4"/>
+                                        </p:tgtEl>
+                                        <p:attrNameLst>
+                                          <p:attrName>style.visibility</p:attrName>
+                                        </p:attrNameLst>
+                                      </p:cBhvr>
+                                      <p:to>
+                                        <p:strVal val="visible"/>
+                                      </p:to>
+                                    </p:set>
+                                    <p:animEffect transition="in" filter="wheel(1)">
+                                      <p:cBhvr>
+                                        <p:cTn id="7" dur="500"/>
+                                        <p:tgtEl>
+                                          <p:spTgt spid="4"/>
+                                        </p:tgtEl>
+                                      </p:cBhvr>
+                                    </p:animEffect>
+                                  </p:childTnLst>
+                                </p:cTn>
+                              </p:par>
+                            </p:childTnLst>
+                          </p:cTn>
+                        </p:par>
+                      </p:childTnLst>
+                    </p:cTn>
+                  </p:par>
+                  <p:par>
+                    <p:cTn id="8" fill="hold">
+                      <p:stCondLst>
+                        <p:cond delay="indefinite"/>
+                      </p:stCondLst>
+                      <p:childTnLst>
+                        <p:par>
+                          <p:cTn id="9" fill="hold">
+                            <p:stCondLst>
+                              <p:cond delay="0"/>
+                            </p:stCondLst>
+                            <p:childTnLst>
+                              <p:par>
+                                <p:cTn id="10" presetID="10" presetClass="entr" presetSubtype="0" fill="hold" nodeType="clickEffect">
+                                  <p:stCondLst>
+                                    <p:cond delay="0"/>
+                                  </p:stCondLst>
+                                  <p:childTnLst>
+                                    <p:set>
+                                      <p:cBhvr>
+                                        <p:cTn id="11" dur="1" fill="hold">
+                                          <p:stCondLst>
+                                            <p:cond delay="0"/>
+                                          </p:stCondLst>
+                                        </p:cTn>
+                                        <p:tgtEl>
+                                          <p:spTgt spid="6"/>
+                                        </p:tgtEl>
+                                        <p:attrNameLst>
+                                          <p:attrName>style.visibility</p:attrName>
+                                        </p:attrNameLst>
+                                      </p:cBhvr>
+                                      <p:to>
+                                        <p:strVal val="visible"/>
+                                      </p:to>
+                                    </p:set>
+                                    <p:animEffect transition="in" filter="fade">
+                                      <p:cBhvr>
+                                        <p:cTn id="12" dur="500"/>
+                                        <p:tgtEl>
+                                          <p:spTgt spid="6"/>
+                                        </p:tgtEl>
+                                      </p:cBhvr>
+                                    </p:animEffect>
+                                  </p:childTnLst>
+                                </p:cTn>
+                              </p:par>
+                              <p:par>
+                                <p:cTn id="13" presetID="1" presetClass="entr" presetSubtype="0" fill="hold" grpId="0" nodeType="withEffect">
+                                  <p:stCondLst>
+                                    <p:cond delay="0"/>
+                                  </p:stCondLst>
+                                  <p:childTnLst>
+                                    <p:set>
+                                      <p:cBhvr>
+                                        <p:cTn id="14" dur="1" fill="hold">
+                                          <p:stCondLst>
+                                            <p:cond delay="0"/>
+                                          </p:stCondLst>
+                                        </p:cTn>
+                                        <p:tgtEl>
+                                          <p:spTgt spid="8"/>
+                                        </p:tgtEl>
+                                        <p:attrNameLst>
+                                          <p:attrName>style.visibility</p:attrName>
+                                        </p:attrNameLst>
+                                      </p:cBhvr>
+                                      <p:to>
+                                        <p:strVal val="visible"/>
+                                      </p:to>
+                                    </p:set>
+                                  </p:childTnLst>
+                                </p:cTn>
+                              </p:par>
+                            </p:childTnLst>
+                          </p:cTn>
+                        </p:par>
+                      </p:childTnLst>
+                    </p:cTn>
+                  </p:par>
+                </p:childTnLst>
+              </p:cTn>
+              <p:prevCondLst>
+                <p:cond evt="onPrev" delay="0">
+                  <p:tgtEl>
+                    <p:sldTgt/>
+                  </p:tgtEl>
+                </p:cond>
+              </p:prevCondLst>
+              <p:nextCondLst>
+                <p:cond evt="onNext" delay="0">
+                  <p:tgtEl>
+                    <p:sldTgt/>
+                  </p:tgtEl>
+                </p:cond>
+              </p:nextCondLst>
+            </p:seq>
+          </p:childTnLst>
+        </p:cTn>
+      </p:par>
+    </p:tnLst>
+    <p:bldLst>
+      <p:bldP spid="8" grpId="0"/>
+    </p:bldLst>
+  </p:timing>
+</p:sld>
+</file>
+
+<file path=ppt/slides/slide7.xml><?xml version="1.0" encoding="utf-8"?>
+<p:sld xmlns:a="http://schemas.openxmlformats.org/drawingml/2006/main" xmlns:r="http://schemas.openxmlformats.org/officeDocument/2006/relationships" xmlns:p="http://schemas.openxmlformats.org/presentationml/2006/main">
+  <p:cSld>
+    <p:spTree>
+      <p:nvGrpSpPr>
+        <p:cNvPr id="1" name="Shape 157"/>
+        <p:cNvGrpSpPr/>
+        <p:nvPr/>
+      </p:nvGrpSpPr>
+      <p:grpSpPr>
+        <a:xfrm>
+          <a:off x="0" y="0"/>
+          <a:ext cx="0" cy="0"/>
+          <a:chOff x="0" y="0"/>
+          <a:chExt cx="0" cy="0"/>
+        </a:xfrm>
+      </p:grpSpPr>
+      <p:sp>
+        <p:nvSpPr>
+          <p:cNvPr id="172" name="Google Shape;172;p21"/>
+          <p:cNvSpPr txBox="1">
+            <a:spLocks noGrp="1"/>
+          </p:cNvSpPr>
+          <p:nvPr>
+            <p:ph type="sldNum" idx="12"/>
+          </p:nvPr>
+        </p:nvSpPr>
+        <p:spPr>
+          <a:xfrm>
+            <a:off x="4303650" y="4606800"/>
+            <a:ext cx="536700" cy="536700"/>
+          </a:xfrm>
+          <a:prstGeom prst="rect">
+            <a:avLst/>
+          </a:prstGeom>
+        </p:spPr>
+        <p:txBody>
+          <a:bodyPr spcFirstLastPara="1" wrap="square" lIns="91425" tIns="91425" rIns="91425" bIns="91425" anchor="ctr" anchorCtr="0">
+            <a:noAutofit/>
+          </a:bodyPr>
+          <a:lstStyle/>
+          <a:p>
+            <a:pPr marL="0" lvl="0" indent="0" algn="ctr" rtl="0">
+              <a:spcBef>
+                <a:spcPts val="0"/>
+              </a:spcBef>
+              <a:spcAft>
+                <a:spcPts val="0"/>
+              </a:spcAft>
+              <a:buNone/>
+            </a:pPr>
+            <a:fld id="{00000000-1234-1234-1234-123412341234}" type="slidenum">
+              <a:rPr lang="en"/>
+              <a:pPr marL="0" lvl="0" indent="0" algn="ctr" rtl="0">
+                <a:spcBef>
+                  <a:spcPts val="0"/>
+                </a:spcBef>
+                <a:spcAft>
+                  <a:spcPts val="0"/>
+                </a:spcAft>
+                <a:buNone/>
+              </a:pPr>
+              <a:t>7</a:t>
+            </a:fld>
+            <a:endParaRPr dirty="0"/>
+          </a:p>
+        </p:txBody>
+      </p:sp>
+      <p:sp>
+        <p:nvSpPr>
+          <p:cNvPr id="3" name="Google Shape;158;p21">
+            <a:extLst>
+              <a:ext uri="{FF2B5EF4-FFF2-40B4-BE49-F238E27FC236}">
+                <a16:creationId xmlns:a16="http://schemas.microsoft.com/office/drawing/2014/main" xmlns="" id="{A4F95413-8F91-4EC2-BAA9-2E745CD08F74}"/>
+              </a:ext>
+            </a:extLst>
+          </p:cNvPr>
+          <p:cNvSpPr txBox="1">
+            <a:spLocks/>
+          </p:cNvSpPr>
+          <p:nvPr/>
+        </p:nvSpPr>
+        <p:spPr>
+          <a:xfrm>
+            <a:off x="265572" y="148961"/>
+            <a:ext cx="6022106" cy="571756"/>
+          </a:xfrm>
+          <a:prstGeom prst="rect">
+            <a:avLst/>
+          </a:prstGeom>
+          <a:noFill/>
+          <a:ln>
+            <a:noFill/>
+          </a:ln>
+        </p:spPr>
+        <p:txBody>
+          <a:bodyPr spcFirstLastPara="1" wrap="square" lIns="91425" tIns="91425" rIns="91425" bIns="91425" anchor="b" anchorCtr="0">
+            <a:noAutofit/>
+          </a:bodyPr>
+          <a:lstStyle>
+            <a:defPPr marR="0" lvl="0" algn="l" rtl="0">
+              <a:lnSpc>
+                <a:spcPct val="100000"/>
+              </a:lnSpc>
+              <a:spcBef>
+                <a:spcPts val="0"/>
+              </a:spcBef>
+              <a:spcAft>
+                <a:spcPts val="0"/>
+              </a:spcAft>
+            </a:defPPr>
+            <a:lvl1pPr marR="0" lvl="0" algn="l" rtl="0">
+              <a:lnSpc>
+                <a:spcPct val="100000"/>
+              </a:lnSpc>
+              <a:spcBef>
+                <a:spcPts val="0"/>
+              </a:spcBef>
+              <a:spcAft>
+                <a:spcPts val="0"/>
+              </a:spcAft>
+              <a:buClr>
+                <a:srgbClr val="294667"/>
+              </a:buClr>
+              <a:buSzPts val="1400"/>
+              <a:buFont typeface="Merriweather"/>
+              <a:buNone/>
+              <a:defRPr sz="1400" b="1" i="0" u="none" strike="noStrike" cap="none">
+                <a:solidFill>
+                  <a:srgbClr val="294667"/>
+                </a:solidFill>
+                <a:latin typeface="Merriweather"/>
+                <a:ea typeface="Merriweather"/>
+                <a:cs typeface="Merriweather"/>
+                <a:sym typeface="Merriweather"/>
+              </a:defRPr>
+            </a:lvl1pPr>
+            <a:lvl2pPr marR="0" lvl="1" algn="l" rtl="0">
+              <a:lnSpc>
+                <a:spcPct val="100000"/>
+              </a:lnSpc>
+              <a:spcBef>
+                <a:spcPts val="0"/>
+              </a:spcBef>
+              <a:spcAft>
+                <a:spcPts val="0"/>
+              </a:spcAft>
+              <a:buClr>
+                <a:srgbClr val="294667"/>
+              </a:buClr>
+              <a:buSzPts val="1400"/>
+              <a:buFont typeface="Merriweather"/>
+              <a:buNone/>
+              <a:defRPr sz="1400" b="1" i="0" u="none" strike="noStrike" cap="none">
+                <a:solidFill>
+                  <a:srgbClr val="294667"/>
+                </a:solidFill>
+                <a:latin typeface="Merriweather"/>
+                <a:ea typeface="Merriweather"/>
+                <a:cs typeface="Merriweather"/>
+                <a:sym typeface="Merriweather"/>
+              </a:defRPr>
+            </a:lvl2pPr>
+            <a:lvl3pPr marR="0" lvl="2" algn="l" rtl="0">
+              <a:lnSpc>
+                <a:spcPct val="100000"/>
+              </a:lnSpc>
+              <a:spcBef>
+                <a:spcPts val="0"/>
+              </a:spcBef>
+              <a:spcAft>
+                <a:spcPts val="0"/>
+              </a:spcAft>
+              <a:buClr>
+                <a:srgbClr val="294667"/>
+              </a:buClr>
+              <a:buSzPts val="1400"/>
+              <a:buFont typeface="Merriweather"/>
+              <a:buNone/>
+              <a:defRPr sz="1400" b="1" i="0" u="none" strike="noStrike" cap="none">
+                <a:solidFill>
+                  <a:srgbClr val="294667"/>
+                </a:solidFill>
+                <a:latin typeface="Merriweather"/>
+                <a:ea typeface="Merriweather"/>
+                <a:cs typeface="Merriweather"/>
+                <a:sym typeface="Merriweather"/>
+              </a:defRPr>
+            </a:lvl3pPr>
+            <a:lvl4pPr marR="0" lvl="3" algn="l" rtl="0">
+              <a:lnSpc>
+                <a:spcPct val="100000"/>
+              </a:lnSpc>
+              <a:spcBef>
+                <a:spcPts val="0"/>
+              </a:spcBef>
+              <a:spcAft>
+                <a:spcPts val="0"/>
+              </a:spcAft>
+              <a:buClr>
+                <a:srgbClr val="294667"/>
+              </a:buClr>
+              <a:buSzPts val="1400"/>
+              <a:buFont typeface="Merriweather"/>
+              <a:buNone/>
+              <a:defRPr sz="1400" b="1" i="0" u="none" strike="noStrike" cap="none">
+                <a:solidFill>
+                  <a:srgbClr val="294667"/>
+                </a:solidFill>
+                <a:latin typeface="Merriweather"/>
+                <a:ea typeface="Merriweather"/>
+                <a:cs typeface="Merriweather"/>
+                <a:sym typeface="Merriweather"/>
+              </a:defRPr>
+            </a:lvl4pPr>
+            <a:lvl5pPr marR="0" lvl="4" algn="l" rtl="0">
+              <a:lnSpc>
+                <a:spcPct val="100000"/>
+              </a:lnSpc>
+              <a:spcBef>
+                <a:spcPts val="0"/>
+              </a:spcBef>
+              <a:spcAft>
+                <a:spcPts val="0"/>
+              </a:spcAft>
+              <a:buClr>
+                <a:srgbClr val="294667"/>
+              </a:buClr>
+              <a:buSzPts val="1400"/>
+              <a:buFont typeface="Merriweather"/>
+              <a:buNone/>
+              <a:defRPr sz="1400" b="1" i="0" u="none" strike="noStrike" cap="none">
+                <a:solidFill>
+                  <a:srgbClr val="294667"/>
+                </a:solidFill>
+                <a:latin typeface="Merriweather"/>
+                <a:ea typeface="Merriweather"/>
+                <a:cs typeface="Merriweather"/>
+                <a:sym typeface="Merriweather"/>
+              </a:defRPr>
+            </a:lvl5pPr>
+            <a:lvl6pPr marR="0" lvl="5" algn="l" rtl="0">
+              <a:lnSpc>
+                <a:spcPct val="100000"/>
+              </a:lnSpc>
+              <a:spcBef>
+                <a:spcPts val="0"/>
+              </a:spcBef>
+              <a:spcAft>
+                <a:spcPts val="0"/>
+              </a:spcAft>
+              <a:buClr>
+                <a:srgbClr val="294667"/>
+              </a:buClr>
+              <a:buSzPts val="1400"/>
+              <a:buFont typeface="Merriweather"/>
+              <a:buNone/>
+              <a:defRPr sz="1400" b="1" i="0" u="none" strike="noStrike" cap="none">
+                <a:solidFill>
+                  <a:srgbClr val="294667"/>
+                </a:solidFill>
+                <a:latin typeface="Merriweather"/>
+                <a:ea typeface="Merriweather"/>
+                <a:cs typeface="Merriweather"/>
+                <a:sym typeface="Merriweather"/>
+              </a:defRPr>
+            </a:lvl6pPr>
+            <a:lvl7pPr marR="0" lvl="6" algn="l" rtl="0">
+              <a:lnSpc>
+                <a:spcPct val="100000"/>
+              </a:lnSpc>
+              <a:spcBef>
+                <a:spcPts val="0"/>
+              </a:spcBef>
+              <a:spcAft>
+                <a:spcPts val="0"/>
+              </a:spcAft>
+              <a:buClr>
+                <a:srgbClr val="294667"/>
+              </a:buClr>
+              <a:buSzPts val="1400"/>
+              <a:buFont typeface="Merriweather"/>
+              <a:buNone/>
+              <a:defRPr sz="1400" b="1" i="0" u="none" strike="noStrike" cap="none">
+                <a:solidFill>
+                  <a:srgbClr val="294667"/>
+                </a:solidFill>
+                <a:latin typeface="Merriweather"/>
+                <a:ea typeface="Merriweather"/>
+                <a:cs typeface="Merriweather"/>
+                <a:sym typeface="Merriweather"/>
+              </a:defRPr>
+            </a:lvl7pPr>
+            <a:lvl8pPr marR="0" lvl="7" algn="l" rtl="0">
+              <a:lnSpc>
+                <a:spcPct val="100000"/>
+              </a:lnSpc>
+              <a:spcBef>
+                <a:spcPts val="0"/>
+              </a:spcBef>
+              <a:spcAft>
+                <a:spcPts val="0"/>
+              </a:spcAft>
+              <a:buClr>
+                <a:srgbClr val="294667"/>
+              </a:buClr>
+              <a:buSzPts val="1400"/>
+              <a:buFont typeface="Merriweather"/>
+              <a:buNone/>
+              <a:defRPr sz="1400" b="1" i="0" u="none" strike="noStrike" cap="none">
+                <a:solidFill>
+                  <a:srgbClr val="294667"/>
+                </a:solidFill>
+                <a:latin typeface="Merriweather"/>
+                <a:ea typeface="Merriweather"/>
+                <a:cs typeface="Merriweather"/>
+                <a:sym typeface="Merriweather"/>
+              </a:defRPr>
+            </a:lvl8pPr>
+            <a:lvl9pPr marR="0" lvl="8" algn="l" rtl="0">
+              <a:lnSpc>
+                <a:spcPct val="100000"/>
+              </a:lnSpc>
+              <a:spcBef>
+                <a:spcPts val="0"/>
+              </a:spcBef>
+              <a:spcAft>
+                <a:spcPts val="0"/>
+              </a:spcAft>
+              <a:buClr>
+                <a:srgbClr val="294667"/>
+              </a:buClr>
+              <a:buSzPts val="1400"/>
+              <a:buFont typeface="Merriweather"/>
+              <a:buNone/>
+              <a:defRPr sz="1400" b="1" i="0" u="none" strike="noStrike" cap="none">
+                <a:solidFill>
+                  <a:srgbClr val="294667"/>
+                </a:solidFill>
+                <a:latin typeface="Merriweather"/>
+                <a:ea typeface="Merriweather"/>
+                <a:cs typeface="Merriweather"/>
+                <a:sym typeface="Merriweather"/>
+              </a:defRPr>
+            </a:lvl9pPr>
+          </a:lstStyle>
+          <a:p>
+            <a:r>
+              <a:rPr lang="fr-FR" sz="2600" dirty="0"/>
+              <a:t>Avancement des tâches :</a:t>
+            </a:r>
+          </a:p>
+        </p:txBody>
+      </p:sp>
+      <p:pic>
+        <p:nvPicPr>
+          <p:cNvPr id="5" name="Image 4">
+            <a:extLst>
+              <a:ext uri="{FF2B5EF4-FFF2-40B4-BE49-F238E27FC236}">
+                <a16:creationId xmlns:a16="http://schemas.microsoft.com/office/drawing/2014/main" xmlns="" id="{E0CA0A49-03C8-4E8C-967F-889972A1B5BA}"/>
+              </a:ext>
+            </a:extLst>
+          </p:cNvPr>
+          <p:cNvPicPr>
+            <a:picLocks noChangeAspect="1"/>
+          </p:cNvPicPr>
+          <p:nvPr/>
+        </p:nvPicPr>
+        <p:blipFill>
+          <a:blip r:embed="rId3"/>
+          <a:stretch>
+            <a:fillRect/>
+          </a:stretch>
+        </p:blipFill>
+        <p:spPr>
+          <a:xfrm>
+            <a:off x="945963" y="609413"/>
+            <a:ext cx="7252073" cy="4103903"/>
+          </a:xfrm>
+          <a:prstGeom prst="rect">
+            <a:avLst/>
+          </a:prstGeom>
+        </p:spPr>
+      </p:pic>
+    </p:spTree>
+    <p:extLst>
+      <p:ext uri="{BB962C8B-B14F-4D97-AF65-F5344CB8AC3E}">
+        <p14:creationId xmlns:p14="http://schemas.microsoft.com/office/powerpoint/2010/main" xmlns="" val="290048755"/>
+      </p:ext>
+    </p:extLst>
+  </p:cSld>
+  <p:clrMapOvr>
+    <a:masterClrMapping/>
+  </p:clrMapOvr>
+</p:sld>
+</file>
+
+<file path=ppt/slides/slide8.xml><?xml version="1.0" encoding="utf-8"?>
 <p:sld xmlns:a="http://schemas.openxmlformats.org/drawingml/2006/main" xmlns:r="http://schemas.openxmlformats.org/officeDocument/2006/relationships" xmlns:p="http://schemas.openxmlformats.org/presentationml/2006/main">
   <p:cSld>
     <p:spTree>
@@ -15276,7 +17485,16 @@
             </a:pPr>
             <a:fld id="{00000000-1234-1234-1234-123412341234}" type="slidenum">
               <a:rPr lang="en"/>
-              <a:t>5</a:t>
+              <a:pPr marL="0" lvl="0" indent="0" algn="ctr" rtl="0">
+                <a:spcBef>
+                  <a:spcPts val="0"/>
+                </a:spcBef>
+                <a:spcAft>
+                  <a:spcPts val="0"/>
+                </a:spcAft>
+                <a:buNone/>
+              </a:pPr>
+              <a:t>8</a:t>
             </a:fld>
             <a:endParaRPr dirty="0"/>
           </a:p>
@@ -15287,7 +17505,7 @@
           <p:cNvPr id="4" name="Rectangle 3">
             <a:extLst>
               <a:ext uri="{FF2B5EF4-FFF2-40B4-BE49-F238E27FC236}">
-                <a16:creationId xmlns:a16="http://schemas.microsoft.com/office/drawing/2014/main" id="{332F745A-0631-4396-A39E-630373AC56ED}"/>
+                <a16:creationId xmlns:a16="http://schemas.microsoft.com/office/drawing/2014/main" xmlns="" id="{332F745A-0631-4396-A39E-630373AC56ED}"/>
               </a:ext>
             </a:extLst>
           </p:cNvPr>
@@ -15358,7 +17576,7 @@
           <p:cNvPr id="5" name="Image 4" descr="Une image contenant équipement électronique&#10;&#10;Description générée automatiquement">
             <a:extLst>
               <a:ext uri="{FF2B5EF4-FFF2-40B4-BE49-F238E27FC236}">
-                <a16:creationId xmlns:a16="http://schemas.microsoft.com/office/drawing/2014/main" id="{6BE95790-D683-4196-AC02-05F1B8E767C5}"/>
+                <a16:creationId xmlns:a16="http://schemas.microsoft.com/office/drawing/2014/main" xmlns="" id="{6BE95790-D683-4196-AC02-05F1B8E767C5}"/>
               </a:ext>
             </a:extLst>
           </p:cNvPr>
@@ -15371,7 +17589,7 @@
           <a:blip r:embed="rId3">
             <a:extLst>
               <a:ext uri="{28A0092B-C50C-407E-A947-70E740481C1C}">
-                <a14:useLocalDpi xmlns:a14="http://schemas.microsoft.com/office/drawing/2010/main" val="0"/>
+                <a14:useLocalDpi xmlns:a14="http://schemas.microsoft.com/office/drawing/2010/main" xmlns="" val="0"/>
               </a:ext>
             </a:extLst>
           </a:blip>
@@ -15407,7 +17625,7 @@
           <p:cNvPr id="6" name="Rectangle 5">
             <a:extLst>
               <a:ext uri="{FF2B5EF4-FFF2-40B4-BE49-F238E27FC236}">
-                <a16:creationId xmlns:a16="http://schemas.microsoft.com/office/drawing/2014/main" id="{EA2499A0-30B7-4D9E-B770-855D9200DFCE}"/>
+                <a16:creationId xmlns:a16="http://schemas.microsoft.com/office/drawing/2014/main" xmlns="" id="{EA2499A0-30B7-4D9E-B770-855D9200DFCE}"/>
               </a:ext>
             </a:extLst>
           </p:cNvPr>
@@ -15444,7 +17662,7 @@
     </p:spTree>
     <p:extLst>
       <p:ext uri="{BB962C8B-B14F-4D97-AF65-F5344CB8AC3E}">
-        <p14:creationId xmlns:p14="http://schemas.microsoft.com/office/powerpoint/2010/main" val="1119358766"/>
+        <p14:creationId xmlns:p14="http://schemas.microsoft.com/office/powerpoint/2010/main" xmlns="" val="1119358766"/>
       </p:ext>
     </p:extLst>
   </p:cSld>
@@ -15631,1822 +17849,6 @@
 </p:sld>
 </file>
 
-<file path=ppt/slides/slide6.xml><?xml version="1.0" encoding="utf-8"?>
-<p:sld xmlns:a="http://schemas.openxmlformats.org/drawingml/2006/main" xmlns:r="http://schemas.openxmlformats.org/officeDocument/2006/relationships" xmlns:p="http://schemas.openxmlformats.org/presentationml/2006/main">
-  <p:cSld>
-    <p:spTree>
-      <p:nvGrpSpPr>
-        <p:cNvPr id="1" name=""/>
-        <p:cNvGrpSpPr/>
-        <p:nvPr/>
-      </p:nvGrpSpPr>
-      <p:grpSpPr>
-        <a:xfrm>
-          <a:off x="0" y="0"/>
-          <a:ext cx="0" cy="0"/>
-          <a:chOff x="0" y="0"/>
-          <a:chExt cx="0" cy="0"/>
-        </a:xfrm>
-      </p:grpSpPr>
-      <p:sp>
-        <p:nvSpPr>
-          <p:cNvPr id="2" name="Espace réservé du numéro de diapositive 1">
-            <a:extLst>
-              <a:ext uri="{FF2B5EF4-FFF2-40B4-BE49-F238E27FC236}">
-                <a16:creationId xmlns:a16="http://schemas.microsoft.com/office/drawing/2014/main" id="{CF2C2519-441D-49F3-8174-BE81A38F2060}"/>
-              </a:ext>
-            </a:extLst>
-          </p:cNvPr>
-          <p:cNvSpPr>
-            <a:spLocks noGrp="1"/>
-          </p:cNvSpPr>
-          <p:nvPr>
-            <p:ph type="sldNum" idx="12"/>
-          </p:nvPr>
-        </p:nvSpPr>
-        <p:spPr/>
-        <p:txBody>
-          <a:bodyPr/>
-          <a:lstStyle/>
-          <a:p>
-            <a:pPr marL="0" lvl="0" indent="0" algn="ctr" rtl="0">
-              <a:spcBef>
-                <a:spcPts val="0"/>
-              </a:spcBef>
-              <a:spcAft>
-                <a:spcPts val="0"/>
-              </a:spcAft>
-              <a:buNone/>
-            </a:pPr>
-            <a:fld id="{00000000-1234-1234-1234-123412341234}" type="slidenum">
-              <a:rPr lang="fr-FR" smtClean="0"/>
-              <a:t>6</a:t>
-            </a:fld>
-            <a:endParaRPr lang="fr-FR" dirty="0"/>
-          </a:p>
-        </p:txBody>
-      </p:sp>
-      <p:sp>
-        <p:nvSpPr>
-          <p:cNvPr id="3" name="Google Shape;158;p21">
-            <a:extLst>
-              <a:ext uri="{FF2B5EF4-FFF2-40B4-BE49-F238E27FC236}">
-                <a16:creationId xmlns:a16="http://schemas.microsoft.com/office/drawing/2014/main" id="{02FCAA07-F3D0-4E40-AA5E-D1744916271E}"/>
-              </a:ext>
-            </a:extLst>
-          </p:cNvPr>
-          <p:cNvSpPr txBox="1">
-            <a:spLocks/>
-          </p:cNvSpPr>
-          <p:nvPr/>
-        </p:nvSpPr>
-        <p:spPr>
-          <a:xfrm>
-            <a:off x="265572" y="220401"/>
-            <a:ext cx="4991570" cy="571756"/>
-          </a:xfrm>
-          <a:prstGeom prst="rect">
-            <a:avLst/>
-          </a:prstGeom>
-          <a:noFill/>
-          <a:ln>
-            <a:noFill/>
-          </a:ln>
-        </p:spPr>
-        <p:txBody>
-          <a:bodyPr spcFirstLastPara="1" wrap="square" lIns="91425" tIns="91425" rIns="91425" bIns="91425" anchor="b" anchorCtr="0">
-            <a:noAutofit/>
-          </a:bodyPr>
-          <a:lstStyle>
-            <a:defPPr marR="0" lvl="0" algn="l" rtl="0">
-              <a:lnSpc>
-                <a:spcPct val="100000"/>
-              </a:lnSpc>
-              <a:spcBef>
-                <a:spcPts val="0"/>
-              </a:spcBef>
-              <a:spcAft>
-                <a:spcPts val="0"/>
-              </a:spcAft>
-            </a:defPPr>
-            <a:lvl1pPr marR="0" lvl="0" algn="l" rtl="0">
-              <a:lnSpc>
-                <a:spcPct val="100000"/>
-              </a:lnSpc>
-              <a:spcBef>
-                <a:spcPts val="0"/>
-              </a:spcBef>
-              <a:spcAft>
-                <a:spcPts val="0"/>
-              </a:spcAft>
-              <a:buClr>
-                <a:srgbClr val="294667"/>
-              </a:buClr>
-              <a:buSzPts val="1400"/>
-              <a:buFont typeface="Merriweather"/>
-              <a:buNone/>
-              <a:defRPr sz="1400" b="1" i="0" u="none" strike="noStrike" cap="none">
-                <a:solidFill>
-                  <a:srgbClr val="294667"/>
-                </a:solidFill>
-                <a:latin typeface="Merriweather"/>
-                <a:ea typeface="Merriweather"/>
-                <a:cs typeface="Merriweather"/>
-                <a:sym typeface="Merriweather"/>
-              </a:defRPr>
-            </a:lvl1pPr>
-            <a:lvl2pPr marR="0" lvl="1" algn="l" rtl="0">
-              <a:lnSpc>
-                <a:spcPct val="100000"/>
-              </a:lnSpc>
-              <a:spcBef>
-                <a:spcPts val="0"/>
-              </a:spcBef>
-              <a:spcAft>
-                <a:spcPts val="0"/>
-              </a:spcAft>
-              <a:buClr>
-                <a:srgbClr val="294667"/>
-              </a:buClr>
-              <a:buSzPts val="1400"/>
-              <a:buFont typeface="Merriweather"/>
-              <a:buNone/>
-              <a:defRPr sz="1400" b="1" i="0" u="none" strike="noStrike" cap="none">
-                <a:solidFill>
-                  <a:srgbClr val="294667"/>
-                </a:solidFill>
-                <a:latin typeface="Merriweather"/>
-                <a:ea typeface="Merriweather"/>
-                <a:cs typeface="Merriweather"/>
-                <a:sym typeface="Merriweather"/>
-              </a:defRPr>
-            </a:lvl2pPr>
-            <a:lvl3pPr marR="0" lvl="2" algn="l" rtl="0">
-              <a:lnSpc>
-                <a:spcPct val="100000"/>
-              </a:lnSpc>
-              <a:spcBef>
-                <a:spcPts val="0"/>
-              </a:spcBef>
-              <a:spcAft>
-                <a:spcPts val="0"/>
-              </a:spcAft>
-              <a:buClr>
-                <a:srgbClr val="294667"/>
-              </a:buClr>
-              <a:buSzPts val="1400"/>
-              <a:buFont typeface="Merriweather"/>
-              <a:buNone/>
-              <a:defRPr sz="1400" b="1" i="0" u="none" strike="noStrike" cap="none">
-                <a:solidFill>
-                  <a:srgbClr val="294667"/>
-                </a:solidFill>
-                <a:latin typeface="Merriweather"/>
-                <a:ea typeface="Merriweather"/>
-                <a:cs typeface="Merriweather"/>
-                <a:sym typeface="Merriweather"/>
-              </a:defRPr>
-            </a:lvl3pPr>
-            <a:lvl4pPr marR="0" lvl="3" algn="l" rtl="0">
-              <a:lnSpc>
-                <a:spcPct val="100000"/>
-              </a:lnSpc>
-              <a:spcBef>
-                <a:spcPts val="0"/>
-              </a:spcBef>
-              <a:spcAft>
-                <a:spcPts val="0"/>
-              </a:spcAft>
-              <a:buClr>
-                <a:srgbClr val="294667"/>
-              </a:buClr>
-              <a:buSzPts val="1400"/>
-              <a:buFont typeface="Merriweather"/>
-              <a:buNone/>
-              <a:defRPr sz="1400" b="1" i="0" u="none" strike="noStrike" cap="none">
-                <a:solidFill>
-                  <a:srgbClr val="294667"/>
-                </a:solidFill>
-                <a:latin typeface="Merriweather"/>
-                <a:ea typeface="Merriweather"/>
-                <a:cs typeface="Merriweather"/>
-                <a:sym typeface="Merriweather"/>
-              </a:defRPr>
-            </a:lvl4pPr>
-            <a:lvl5pPr marR="0" lvl="4" algn="l" rtl="0">
-              <a:lnSpc>
-                <a:spcPct val="100000"/>
-              </a:lnSpc>
-              <a:spcBef>
-                <a:spcPts val="0"/>
-              </a:spcBef>
-              <a:spcAft>
-                <a:spcPts val="0"/>
-              </a:spcAft>
-              <a:buClr>
-                <a:srgbClr val="294667"/>
-              </a:buClr>
-              <a:buSzPts val="1400"/>
-              <a:buFont typeface="Merriweather"/>
-              <a:buNone/>
-              <a:defRPr sz="1400" b="1" i="0" u="none" strike="noStrike" cap="none">
-                <a:solidFill>
-                  <a:srgbClr val="294667"/>
-                </a:solidFill>
-                <a:latin typeface="Merriweather"/>
-                <a:ea typeface="Merriweather"/>
-                <a:cs typeface="Merriweather"/>
-                <a:sym typeface="Merriweather"/>
-              </a:defRPr>
-            </a:lvl5pPr>
-            <a:lvl6pPr marR="0" lvl="5" algn="l" rtl="0">
-              <a:lnSpc>
-                <a:spcPct val="100000"/>
-              </a:lnSpc>
-              <a:spcBef>
-                <a:spcPts val="0"/>
-              </a:spcBef>
-              <a:spcAft>
-                <a:spcPts val="0"/>
-              </a:spcAft>
-              <a:buClr>
-                <a:srgbClr val="294667"/>
-              </a:buClr>
-              <a:buSzPts val="1400"/>
-              <a:buFont typeface="Merriweather"/>
-              <a:buNone/>
-              <a:defRPr sz="1400" b="1" i="0" u="none" strike="noStrike" cap="none">
-                <a:solidFill>
-                  <a:srgbClr val="294667"/>
-                </a:solidFill>
-                <a:latin typeface="Merriweather"/>
-                <a:ea typeface="Merriweather"/>
-                <a:cs typeface="Merriweather"/>
-                <a:sym typeface="Merriweather"/>
-              </a:defRPr>
-            </a:lvl6pPr>
-            <a:lvl7pPr marR="0" lvl="6" algn="l" rtl="0">
-              <a:lnSpc>
-                <a:spcPct val="100000"/>
-              </a:lnSpc>
-              <a:spcBef>
-                <a:spcPts val="0"/>
-              </a:spcBef>
-              <a:spcAft>
-                <a:spcPts val="0"/>
-              </a:spcAft>
-              <a:buClr>
-                <a:srgbClr val="294667"/>
-              </a:buClr>
-              <a:buSzPts val="1400"/>
-              <a:buFont typeface="Merriweather"/>
-              <a:buNone/>
-              <a:defRPr sz="1400" b="1" i="0" u="none" strike="noStrike" cap="none">
-                <a:solidFill>
-                  <a:srgbClr val="294667"/>
-                </a:solidFill>
-                <a:latin typeface="Merriweather"/>
-                <a:ea typeface="Merriweather"/>
-                <a:cs typeface="Merriweather"/>
-                <a:sym typeface="Merriweather"/>
-              </a:defRPr>
-            </a:lvl7pPr>
-            <a:lvl8pPr marR="0" lvl="7" algn="l" rtl="0">
-              <a:lnSpc>
-                <a:spcPct val="100000"/>
-              </a:lnSpc>
-              <a:spcBef>
-                <a:spcPts val="0"/>
-              </a:spcBef>
-              <a:spcAft>
-                <a:spcPts val="0"/>
-              </a:spcAft>
-              <a:buClr>
-                <a:srgbClr val="294667"/>
-              </a:buClr>
-              <a:buSzPts val="1400"/>
-              <a:buFont typeface="Merriweather"/>
-              <a:buNone/>
-              <a:defRPr sz="1400" b="1" i="0" u="none" strike="noStrike" cap="none">
-                <a:solidFill>
-                  <a:srgbClr val="294667"/>
-                </a:solidFill>
-                <a:latin typeface="Merriweather"/>
-                <a:ea typeface="Merriweather"/>
-                <a:cs typeface="Merriweather"/>
-                <a:sym typeface="Merriweather"/>
-              </a:defRPr>
-            </a:lvl8pPr>
-            <a:lvl9pPr marR="0" lvl="8" algn="l" rtl="0">
-              <a:lnSpc>
-                <a:spcPct val="100000"/>
-              </a:lnSpc>
-              <a:spcBef>
-                <a:spcPts val="0"/>
-              </a:spcBef>
-              <a:spcAft>
-                <a:spcPts val="0"/>
-              </a:spcAft>
-              <a:buClr>
-                <a:srgbClr val="294667"/>
-              </a:buClr>
-              <a:buSzPts val="1400"/>
-              <a:buFont typeface="Merriweather"/>
-              <a:buNone/>
-              <a:defRPr sz="1400" b="1" i="0" u="none" strike="noStrike" cap="none">
-                <a:solidFill>
-                  <a:srgbClr val="294667"/>
-                </a:solidFill>
-                <a:latin typeface="Merriweather"/>
-                <a:ea typeface="Merriweather"/>
-                <a:cs typeface="Merriweather"/>
-                <a:sym typeface="Merriweather"/>
-              </a:defRPr>
-            </a:lvl9pPr>
-          </a:lstStyle>
-          <a:p>
-            <a:r>
-              <a:rPr lang="fr-FR" sz="2600" dirty="0"/>
-              <a:t>Qu’allons nous apporter?</a:t>
-            </a:r>
-          </a:p>
-        </p:txBody>
-      </p:sp>
-      <p:sp>
-        <p:nvSpPr>
-          <p:cNvPr id="5" name="Rectangle 4">
-            <a:extLst>
-              <a:ext uri="{FF2B5EF4-FFF2-40B4-BE49-F238E27FC236}">
-                <a16:creationId xmlns:a16="http://schemas.microsoft.com/office/drawing/2014/main" id="{88FD43B4-8E16-4934-9857-85E39CB8A0FF}"/>
-              </a:ext>
-            </a:extLst>
-          </p:cNvPr>
-          <p:cNvSpPr/>
-          <p:nvPr/>
-        </p:nvSpPr>
-        <p:spPr>
-          <a:xfrm>
-            <a:off x="863277" y="1842559"/>
-            <a:ext cx="4772242" cy="1384995"/>
-          </a:xfrm>
-          <a:prstGeom prst="rect">
-            <a:avLst/>
-          </a:prstGeom>
-        </p:spPr>
-        <p:txBody>
-          <a:bodyPr wrap="square">
-            <a:spAutoFit/>
-          </a:bodyPr>
-          <a:lstStyle/>
-          <a:p>
-            <a:r>
-              <a:rPr lang="fr-FR" dirty="0">
-                <a:latin typeface="Times New Roman" panose="02020603050405020304" pitchFamily="18" charset="0"/>
-                <a:ea typeface="Calibri" panose="020F0502020204030204" pitchFamily="34" charset="0"/>
-              </a:rPr>
-              <a:t>Minimiser les déplacements des agents.</a:t>
-            </a:r>
-          </a:p>
-          <a:p>
-            <a:endParaRPr lang="fr-FR" dirty="0">
-              <a:latin typeface="Times New Roman" panose="02020603050405020304" pitchFamily="18" charset="0"/>
-              <a:ea typeface="Calibri" panose="020F0502020204030204" pitchFamily="34" charset="0"/>
-            </a:endParaRPr>
-          </a:p>
-          <a:p>
-            <a:r>
-              <a:rPr lang="fr-FR" dirty="0">
-                <a:latin typeface="Times New Roman" panose="02020603050405020304" pitchFamily="18" charset="0"/>
-                <a:ea typeface="Calibri" panose="020F0502020204030204" pitchFamily="34" charset="0"/>
-              </a:rPr>
-              <a:t>Accélérer le processus des équipes d’intervention.</a:t>
-            </a:r>
-          </a:p>
-          <a:p>
-            <a:endParaRPr lang="fr-FR" dirty="0">
-              <a:latin typeface="Times New Roman" panose="02020603050405020304" pitchFamily="18" charset="0"/>
-              <a:ea typeface="Calibri" panose="020F0502020204030204" pitchFamily="34" charset="0"/>
-            </a:endParaRPr>
-          </a:p>
-          <a:p>
-            <a:r>
-              <a:rPr lang="fr-FR" dirty="0">
-                <a:latin typeface="Times New Roman" panose="02020603050405020304" pitchFamily="18" charset="0"/>
-                <a:ea typeface="Calibri" panose="020F0502020204030204" pitchFamily="34" charset="0"/>
-              </a:rPr>
-              <a:t>Les couts sont donc réduit en déplacement et en temps humain.</a:t>
-            </a:r>
-            <a:endParaRPr lang="fr-FR" dirty="0">
-              <a:latin typeface="Times New Roman" panose="02020603050405020304" pitchFamily="18" charset="0"/>
-              <a:cs typeface="Times New Roman" panose="02020603050405020304" pitchFamily="18" charset="0"/>
-            </a:endParaRPr>
-          </a:p>
-          <a:p>
-            <a:endParaRPr lang="fr-FR" dirty="0">
-              <a:latin typeface="Times New Roman" panose="02020603050405020304" pitchFamily="18" charset="0"/>
-              <a:ea typeface="Calibri" panose="020F0502020204030204" pitchFamily="34" charset="0"/>
-              <a:cs typeface="Times New Roman" panose="02020603050405020304" pitchFamily="18" charset="0"/>
-            </a:endParaRPr>
-          </a:p>
-        </p:txBody>
-      </p:sp>
-      <p:sp>
-        <p:nvSpPr>
-          <p:cNvPr id="7" name="Ellipse 6">
-            <a:extLst>
-              <a:ext uri="{FF2B5EF4-FFF2-40B4-BE49-F238E27FC236}">
-                <a16:creationId xmlns:a16="http://schemas.microsoft.com/office/drawing/2014/main" id="{70C2D049-8F41-4802-A54C-FEAA09603ECD}"/>
-              </a:ext>
-            </a:extLst>
-          </p:cNvPr>
-          <p:cNvSpPr/>
-          <p:nvPr/>
-        </p:nvSpPr>
-        <p:spPr>
-          <a:xfrm>
-            <a:off x="649650" y="1808723"/>
-            <a:ext cx="245700" cy="245700"/>
-          </a:xfrm>
-          <a:prstGeom prst="ellipse">
-            <a:avLst/>
-          </a:prstGeom>
-          <a:gradFill>
-            <a:gsLst>
-              <a:gs pos="0">
-                <a:srgbClr val="FFB52F"/>
-              </a:gs>
-              <a:gs pos="33000">
-                <a:srgbClr val="FFCC81"/>
-              </a:gs>
-              <a:gs pos="100000">
-                <a:srgbClr val="FFE7C1"/>
-              </a:gs>
-            </a:gsLst>
-          </a:gradFill>
-        </p:spPr>
-        <p:style>
-          <a:lnRef idx="1">
-            <a:schemeClr val="accent2"/>
-          </a:lnRef>
-          <a:fillRef idx="2">
-            <a:schemeClr val="accent2"/>
-          </a:fillRef>
-          <a:effectRef idx="1">
-            <a:schemeClr val="accent2"/>
-          </a:effectRef>
-          <a:fontRef idx="minor">
-            <a:schemeClr val="dk1"/>
-          </a:fontRef>
-        </p:style>
-        <p:txBody>
-          <a:bodyPr rtlCol="0" anchor="ctr"/>
-          <a:lstStyle/>
-          <a:p>
-            <a:pPr algn="ctr"/>
-            <a:r>
-              <a:rPr lang="fr-FR" b="1" dirty="0">
-                <a:solidFill>
-                  <a:schemeClr val="bg1"/>
-                </a:solidFill>
-                <a:effectLst>
-                  <a:outerShdw blurRad="38100" dist="38100" dir="2700000" algn="tl">
-                    <a:srgbClr val="000000">
-                      <a:alpha val="43137"/>
-                    </a:srgbClr>
-                  </a:outerShdw>
-                </a:effectLst>
-                <a:latin typeface="Times New Roman" panose="02020603050405020304" pitchFamily="18" charset="0"/>
-                <a:ea typeface="Calibri" panose="020F0502020204030204" pitchFamily="34" charset="0"/>
-              </a:rPr>
-              <a:t>1</a:t>
-            </a:r>
-            <a:endParaRPr lang="fr-FR" b="1" dirty="0">
-              <a:solidFill>
-                <a:schemeClr val="bg1"/>
-              </a:solidFill>
-              <a:effectLst>
-                <a:outerShdw blurRad="38100" dist="38100" dir="2700000" algn="tl">
-                  <a:srgbClr val="000000">
-                    <a:alpha val="43137"/>
-                  </a:srgbClr>
-                </a:outerShdw>
-              </a:effectLst>
-            </a:endParaRPr>
-          </a:p>
-        </p:txBody>
-      </p:sp>
-      <p:sp>
-        <p:nvSpPr>
-          <p:cNvPr id="8" name="Ellipse 7">
-            <a:extLst>
-              <a:ext uri="{FF2B5EF4-FFF2-40B4-BE49-F238E27FC236}">
-                <a16:creationId xmlns:a16="http://schemas.microsoft.com/office/drawing/2014/main" id="{4DFCD240-69A0-4547-BF56-3C985FDC1478}"/>
-              </a:ext>
-            </a:extLst>
-          </p:cNvPr>
-          <p:cNvSpPr/>
-          <p:nvPr/>
-        </p:nvSpPr>
-        <p:spPr>
-          <a:xfrm>
-            <a:off x="649650" y="2303511"/>
-            <a:ext cx="245700" cy="245700"/>
-          </a:xfrm>
-          <a:prstGeom prst="ellipse">
-            <a:avLst/>
-          </a:prstGeom>
-          <a:gradFill>
-            <a:gsLst>
-              <a:gs pos="0">
-                <a:srgbClr val="FFB52F"/>
-              </a:gs>
-              <a:gs pos="33000">
-                <a:srgbClr val="FFCC81"/>
-              </a:gs>
-              <a:gs pos="100000">
-                <a:srgbClr val="FFE7C1"/>
-              </a:gs>
-            </a:gsLst>
-          </a:gradFill>
-        </p:spPr>
-        <p:style>
-          <a:lnRef idx="1">
-            <a:schemeClr val="accent2"/>
-          </a:lnRef>
-          <a:fillRef idx="2">
-            <a:schemeClr val="accent2"/>
-          </a:fillRef>
-          <a:effectRef idx="1">
-            <a:schemeClr val="accent2"/>
-          </a:effectRef>
-          <a:fontRef idx="minor">
-            <a:schemeClr val="dk1"/>
-          </a:fontRef>
-        </p:style>
-        <p:txBody>
-          <a:bodyPr rtlCol="0" anchor="ctr"/>
-          <a:lstStyle/>
-          <a:p>
-            <a:pPr algn="ctr"/>
-            <a:r>
-              <a:rPr lang="fr-FR" b="1" dirty="0">
-                <a:solidFill>
-                  <a:schemeClr val="bg1"/>
-                </a:solidFill>
-                <a:effectLst>
-                  <a:outerShdw blurRad="38100" dist="38100" dir="2700000" algn="tl">
-                    <a:srgbClr val="000000">
-                      <a:alpha val="43137"/>
-                    </a:srgbClr>
-                  </a:outerShdw>
-                </a:effectLst>
-                <a:latin typeface="Times New Roman" panose="02020603050405020304" pitchFamily="18" charset="0"/>
-                <a:ea typeface="Calibri" panose="020F0502020204030204" pitchFamily="34" charset="0"/>
-              </a:rPr>
-              <a:t>2</a:t>
-            </a:r>
-          </a:p>
-        </p:txBody>
-      </p:sp>
-      <p:sp>
-        <p:nvSpPr>
-          <p:cNvPr id="9" name="Ellipse 8">
-            <a:extLst>
-              <a:ext uri="{FF2B5EF4-FFF2-40B4-BE49-F238E27FC236}">
-                <a16:creationId xmlns:a16="http://schemas.microsoft.com/office/drawing/2014/main" id="{C42C5CA9-7DC7-41B0-BBA6-177898D9C438}"/>
-              </a:ext>
-            </a:extLst>
-          </p:cNvPr>
-          <p:cNvSpPr/>
-          <p:nvPr/>
-        </p:nvSpPr>
-        <p:spPr>
-          <a:xfrm>
-            <a:off x="649650" y="2759168"/>
-            <a:ext cx="245700" cy="245700"/>
-          </a:xfrm>
-          <a:prstGeom prst="ellipse">
-            <a:avLst/>
-          </a:prstGeom>
-          <a:gradFill>
-            <a:gsLst>
-              <a:gs pos="0">
-                <a:srgbClr val="FFB52F"/>
-              </a:gs>
-              <a:gs pos="33000">
-                <a:srgbClr val="FFCC81"/>
-              </a:gs>
-              <a:gs pos="100000">
-                <a:srgbClr val="FFE7C1"/>
-              </a:gs>
-            </a:gsLst>
-          </a:gradFill>
-        </p:spPr>
-        <p:style>
-          <a:lnRef idx="1">
-            <a:schemeClr val="accent2"/>
-          </a:lnRef>
-          <a:fillRef idx="2">
-            <a:schemeClr val="accent2"/>
-          </a:fillRef>
-          <a:effectRef idx="1">
-            <a:schemeClr val="accent2"/>
-          </a:effectRef>
-          <a:fontRef idx="minor">
-            <a:schemeClr val="dk1"/>
-          </a:fontRef>
-        </p:style>
-        <p:txBody>
-          <a:bodyPr rtlCol="0" anchor="ctr"/>
-          <a:lstStyle/>
-          <a:p>
-            <a:pPr algn="ctr"/>
-            <a:r>
-              <a:rPr lang="fr-FR" b="1" dirty="0">
-                <a:solidFill>
-                  <a:schemeClr val="bg1"/>
-                </a:solidFill>
-                <a:effectLst>
-                  <a:outerShdw blurRad="38100" dist="38100" dir="2700000" algn="tl">
-                    <a:srgbClr val="000000">
-                      <a:alpha val="43137"/>
-                    </a:srgbClr>
-                  </a:outerShdw>
-                </a:effectLst>
-                <a:latin typeface="Times New Roman" panose="02020603050405020304" pitchFamily="18" charset="0"/>
-                <a:ea typeface="Calibri" panose="020F0502020204030204" pitchFamily="34" charset="0"/>
-              </a:rPr>
-              <a:t>#</a:t>
-            </a:r>
-          </a:p>
-        </p:txBody>
-      </p:sp>
-      <p:pic>
-        <p:nvPicPr>
-          <p:cNvPr id="6" name="Image 5">
-            <a:extLst>
-              <a:ext uri="{FF2B5EF4-FFF2-40B4-BE49-F238E27FC236}">
-                <a16:creationId xmlns:a16="http://schemas.microsoft.com/office/drawing/2014/main" id="{1931CD2B-6983-46AA-B5D7-1ECD60A8BC3E}"/>
-              </a:ext>
-            </a:extLst>
-          </p:cNvPr>
-          <p:cNvPicPr>
-            <a:picLocks noChangeAspect="1"/>
-          </p:cNvPicPr>
-          <p:nvPr/>
-        </p:nvPicPr>
-        <p:blipFill>
-          <a:blip r:embed="rId2"/>
-          <a:stretch>
-            <a:fillRect/>
-          </a:stretch>
-        </p:blipFill>
-        <p:spPr>
-          <a:xfrm>
-            <a:off x="5701307" y="-3442"/>
-            <a:ext cx="3451006" cy="5143500"/>
-          </a:xfrm>
-          <a:prstGeom prst="rect">
-            <a:avLst/>
-          </a:prstGeom>
-        </p:spPr>
-      </p:pic>
-    </p:spTree>
-    <p:extLst>
-      <p:ext uri="{BB962C8B-B14F-4D97-AF65-F5344CB8AC3E}">
-        <p14:creationId xmlns:p14="http://schemas.microsoft.com/office/powerpoint/2010/main" val="4080111774"/>
-      </p:ext>
-    </p:extLst>
-  </p:cSld>
-  <p:clrMapOvr>
-    <a:masterClrMapping/>
-  </p:clrMapOvr>
-  <p:timing>
-    <p:tnLst>
-      <p:par>
-        <p:cTn id="1" dur="indefinite" restart="never" nodeType="tmRoot">
-          <p:childTnLst>
-            <p:seq concurrent="1" nextAc="seek">
-              <p:cTn id="2" dur="indefinite" nodeType="mainSeq">
-                <p:childTnLst>
-                  <p:par>
-                    <p:cTn id="3" fill="hold">
-                      <p:stCondLst>
-                        <p:cond delay="indefinite"/>
-                        <p:cond evt="onBegin" delay="0">
-                          <p:tn val="2"/>
-                        </p:cond>
-                      </p:stCondLst>
-                      <p:childTnLst>
-                        <p:par>
-                          <p:cTn id="4" fill="hold">
-                            <p:stCondLst>
-                              <p:cond delay="0"/>
-                            </p:stCondLst>
-                            <p:childTnLst>
-                              <p:par>
-                                <p:cTn id="5" presetID="1" presetClass="entr" presetSubtype="0" fill="hold" grpId="0" nodeType="withEffect">
-                                  <p:stCondLst>
-                                    <p:cond delay="0"/>
-                                  </p:stCondLst>
-                                  <p:childTnLst>
-                                    <p:set>
-                                      <p:cBhvr>
-                                        <p:cTn id="6" dur="1" fill="hold">
-                                          <p:stCondLst>
-                                            <p:cond delay="0"/>
-                                          </p:stCondLst>
-                                        </p:cTn>
-                                        <p:tgtEl>
-                                          <p:spTgt spid="5"/>
-                                        </p:tgtEl>
-                                        <p:attrNameLst>
-                                          <p:attrName>style.visibility</p:attrName>
-                                        </p:attrNameLst>
-                                      </p:cBhvr>
-                                      <p:to>
-                                        <p:strVal val="visible"/>
-                                      </p:to>
-                                    </p:set>
-                                  </p:childTnLst>
-                                </p:cTn>
-                              </p:par>
-                            </p:childTnLst>
-                          </p:cTn>
-                        </p:par>
-                      </p:childTnLst>
-                    </p:cTn>
-                  </p:par>
-                </p:childTnLst>
-              </p:cTn>
-              <p:prevCondLst>
-                <p:cond evt="onPrev" delay="0">
-                  <p:tgtEl>
-                    <p:sldTgt/>
-                  </p:tgtEl>
-                </p:cond>
-              </p:prevCondLst>
-              <p:nextCondLst>
-                <p:cond evt="onNext" delay="0">
-                  <p:tgtEl>
-                    <p:sldTgt/>
-                  </p:tgtEl>
-                </p:cond>
-              </p:nextCondLst>
-            </p:seq>
-          </p:childTnLst>
-        </p:cTn>
-      </p:par>
-    </p:tnLst>
-    <p:bldLst>
-      <p:bldP spid="5" grpId="0"/>
-    </p:bldLst>
-  </p:timing>
-</p:sld>
-</file>
-
-<file path=ppt/slides/slide7.xml><?xml version="1.0" encoding="utf-8"?>
-<p:sld xmlns:a="http://schemas.openxmlformats.org/drawingml/2006/main" xmlns:r="http://schemas.openxmlformats.org/officeDocument/2006/relationships" xmlns:p="http://schemas.openxmlformats.org/presentationml/2006/main">
-  <p:cSld>
-    <p:spTree>
-      <p:nvGrpSpPr>
-        <p:cNvPr id="1" name="Shape 157"/>
-        <p:cNvGrpSpPr/>
-        <p:nvPr/>
-      </p:nvGrpSpPr>
-      <p:grpSpPr>
-        <a:xfrm>
-          <a:off x="0" y="0"/>
-          <a:ext cx="0" cy="0"/>
-          <a:chOff x="0" y="0"/>
-          <a:chExt cx="0" cy="0"/>
-        </a:xfrm>
-      </p:grpSpPr>
-      <p:sp>
-        <p:nvSpPr>
-          <p:cNvPr id="172" name="Google Shape;172;p21"/>
-          <p:cNvSpPr txBox="1">
-            <a:spLocks noGrp="1"/>
-          </p:cNvSpPr>
-          <p:nvPr>
-            <p:ph type="sldNum" idx="12"/>
-          </p:nvPr>
-        </p:nvSpPr>
-        <p:spPr>
-          <a:xfrm>
-            <a:off x="4290198" y="4761909"/>
-            <a:ext cx="536700" cy="536700"/>
-          </a:xfrm>
-          <a:prstGeom prst="rect">
-            <a:avLst/>
-          </a:prstGeom>
-        </p:spPr>
-        <p:txBody>
-          <a:bodyPr spcFirstLastPara="1" wrap="square" lIns="91425" tIns="91425" rIns="91425" bIns="91425" anchor="ctr" anchorCtr="0">
-            <a:noAutofit/>
-          </a:bodyPr>
-          <a:lstStyle/>
-          <a:p>
-            <a:pPr marL="0" lvl="0" indent="0" algn="ctr" rtl="0">
-              <a:spcBef>
-                <a:spcPts val="0"/>
-              </a:spcBef>
-              <a:spcAft>
-                <a:spcPts val="0"/>
-              </a:spcAft>
-              <a:buNone/>
-            </a:pPr>
-            <a:fld id="{00000000-1234-1234-1234-123412341234}" type="slidenum">
-              <a:rPr lang="en"/>
-              <a:t>7</a:t>
-            </a:fld>
-            <a:endParaRPr dirty="0"/>
-          </a:p>
-        </p:txBody>
-      </p:sp>
-      <p:sp>
-        <p:nvSpPr>
-          <p:cNvPr id="3" name="Google Shape;158;p21">
-            <a:extLst>
-              <a:ext uri="{FF2B5EF4-FFF2-40B4-BE49-F238E27FC236}">
-                <a16:creationId xmlns:a16="http://schemas.microsoft.com/office/drawing/2014/main" id="{A4F95413-8F91-4EC2-BAA9-2E745CD08F74}"/>
-              </a:ext>
-            </a:extLst>
-          </p:cNvPr>
-          <p:cNvSpPr txBox="1">
-            <a:spLocks/>
-          </p:cNvSpPr>
-          <p:nvPr/>
-        </p:nvSpPr>
-        <p:spPr>
-          <a:xfrm>
-            <a:off x="265572" y="148961"/>
-            <a:ext cx="6022106" cy="571756"/>
-          </a:xfrm>
-          <a:prstGeom prst="rect">
-            <a:avLst/>
-          </a:prstGeom>
-          <a:noFill/>
-          <a:ln>
-            <a:noFill/>
-          </a:ln>
-        </p:spPr>
-        <p:txBody>
-          <a:bodyPr spcFirstLastPara="1" wrap="square" lIns="91425" tIns="91425" rIns="91425" bIns="91425" anchor="b" anchorCtr="0">
-            <a:noAutofit/>
-          </a:bodyPr>
-          <a:lstStyle>
-            <a:defPPr marR="0" lvl="0" algn="l" rtl="0">
-              <a:lnSpc>
-                <a:spcPct val="100000"/>
-              </a:lnSpc>
-              <a:spcBef>
-                <a:spcPts val="0"/>
-              </a:spcBef>
-              <a:spcAft>
-                <a:spcPts val="0"/>
-              </a:spcAft>
-            </a:defPPr>
-            <a:lvl1pPr marR="0" lvl="0" algn="l" rtl="0">
-              <a:lnSpc>
-                <a:spcPct val="100000"/>
-              </a:lnSpc>
-              <a:spcBef>
-                <a:spcPts val="0"/>
-              </a:spcBef>
-              <a:spcAft>
-                <a:spcPts val="0"/>
-              </a:spcAft>
-              <a:buClr>
-                <a:srgbClr val="294667"/>
-              </a:buClr>
-              <a:buSzPts val="1400"/>
-              <a:buFont typeface="Merriweather"/>
-              <a:buNone/>
-              <a:defRPr sz="1400" b="1" i="0" u="none" strike="noStrike" cap="none">
-                <a:solidFill>
-                  <a:srgbClr val="294667"/>
-                </a:solidFill>
-                <a:latin typeface="Merriweather"/>
-                <a:ea typeface="Merriweather"/>
-                <a:cs typeface="Merriweather"/>
-                <a:sym typeface="Merriweather"/>
-              </a:defRPr>
-            </a:lvl1pPr>
-            <a:lvl2pPr marR="0" lvl="1" algn="l" rtl="0">
-              <a:lnSpc>
-                <a:spcPct val="100000"/>
-              </a:lnSpc>
-              <a:spcBef>
-                <a:spcPts val="0"/>
-              </a:spcBef>
-              <a:spcAft>
-                <a:spcPts val="0"/>
-              </a:spcAft>
-              <a:buClr>
-                <a:srgbClr val="294667"/>
-              </a:buClr>
-              <a:buSzPts val="1400"/>
-              <a:buFont typeface="Merriweather"/>
-              <a:buNone/>
-              <a:defRPr sz="1400" b="1" i="0" u="none" strike="noStrike" cap="none">
-                <a:solidFill>
-                  <a:srgbClr val="294667"/>
-                </a:solidFill>
-                <a:latin typeface="Merriweather"/>
-                <a:ea typeface="Merriweather"/>
-                <a:cs typeface="Merriweather"/>
-                <a:sym typeface="Merriweather"/>
-              </a:defRPr>
-            </a:lvl2pPr>
-            <a:lvl3pPr marR="0" lvl="2" algn="l" rtl="0">
-              <a:lnSpc>
-                <a:spcPct val="100000"/>
-              </a:lnSpc>
-              <a:spcBef>
-                <a:spcPts val="0"/>
-              </a:spcBef>
-              <a:spcAft>
-                <a:spcPts val="0"/>
-              </a:spcAft>
-              <a:buClr>
-                <a:srgbClr val="294667"/>
-              </a:buClr>
-              <a:buSzPts val="1400"/>
-              <a:buFont typeface="Merriweather"/>
-              <a:buNone/>
-              <a:defRPr sz="1400" b="1" i="0" u="none" strike="noStrike" cap="none">
-                <a:solidFill>
-                  <a:srgbClr val="294667"/>
-                </a:solidFill>
-                <a:latin typeface="Merriweather"/>
-                <a:ea typeface="Merriweather"/>
-                <a:cs typeface="Merriweather"/>
-                <a:sym typeface="Merriweather"/>
-              </a:defRPr>
-            </a:lvl3pPr>
-            <a:lvl4pPr marR="0" lvl="3" algn="l" rtl="0">
-              <a:lnSpc>
-                <a:spcPct val="100000"/>
-              </a:lnSpc>
-              <a:spcBef>
-                <a:spcPts val="0"/>
-              </a:spcBef>
-              <a:spcAft>
-                <a:spcPts val="0"/>
-              </a:spcAft>
-              <a:buClr>
-                <a:srgbClr val="294667"/>
-              </a:buClr>
-              <a:buSzPts val="1400"/>
-              <a:buFont typeface="Merriweather"/>
-              <a:buNone/>
-              <a:defRPr sz="1400" b="1" i="0" u="none" strike="noStrike" cap="none">
-                <a:solidFill>
-                  <a:srgbClr val="294667"/>
-                </a:solidFill>
-                <a:latin typeface="Merriweather"/>
-                <a:ea typeface="Merriweather"/>
-                <a:cs typeface="Merriweather"/>
-                <a:sym typeface="Merriweather"/>
-              </a:defRPr>
-            </a:lvl4pPr>
-            <a:lvl5pPr marR="0" lvl="4" algn="l" rtl="0">
-              <a:lnSpc>
-                <a:spcPct val="100000"/>
-              </a:lnSpc>
-              <a:spcBef>
-                <a:spcPts val="0"/>
-              </a:spcBef>
-              <a:spcAft>
-                <a:spcPts val="0"/>
-              </a:spcAft>
-              <a:buClr>
-                <a:srgbClr val="294667"/>
-              </a:buClr>
-              <a:buSzPts val="1400"/>
-              <a:buFont typeface="Merriweather"/>
-              <a:buNone/>
-              <a:defRPr sz="1400" b="1" i="0" u="none" strike="noStrike" cap="none">
-                <a:solidFill>
-                  <a:srgbClr val="294667"/>
-                </a:solidFill>
-                <a:latin typeface="Merriweather"/>
-                <a:ea typeface="Merriweather"/>
-                <a:cs typeface="Merriweather"/>
-                <a:sym typeface="Merriweather"/>
-              </a:defRPr>
-            </a:lvl5pPr>
-            <a:lvl6pPr marR="0" lvl="5" algn="l" rtl="0">
-              <a:lnSpc>
-                <a:spcPct val="100000"/>
-              </a:lnSpc>
-              <a:spcBef>
-                <a:spcPts val="0"/>
-              </a:spcBef>
-              <a:spcAft>
-                <a:spcPts val="0"/>
-              </a:spcAft>
-              <a:buClr>
-                <a:srgbClr val="294667"/>
-              </a:buClr>
-              <a:buSzPts val="1400"/>
-              <a:buFont typeface="Merriweather"/>
-              <a:buNone/>
-              <a:defRPr sz="1400" b="1" i="0" u="none" strike="noStrike" cap="none">
-                <a:solidFill>
-                  <a:srgbClr val="294667"/>
-                </a:solidFill>
-                <a:latin typeface="Merriweather"/>
-                <a:ea typeface="Merriweather"/>
-                <a:cs typeface="Merriweather"/>
-                <a:sym typeface="Merriweather"/>
-              </a:defRPr>
-            </a:lvl6pPr>
-            <a:lvl7pPr marR="0" lvl="6" algn="l" rtl="0">
-              <a:lnSpc>
-                <a:spcPct val="100000"/>
-              </a:lnSpc>
-              <a:spcBef>
-                <a:spcPts val="0"/>
-              </a:spcBef>
-              <a:spcAft>
-                <a:spcPts val="0"/>
-              </a:spcAft>
-              <a:buClr>
-                <a:srgbClr val="294667"/>
-              </a:buClr>
-              <a:buSzPts val="1400"/>
-              <a:buFont typeface="Merriweather"/>
-              <a:buNone/>
-              <a:defRPr sz="1400" b="1" i="0" u="none" strike="noStrike" cap="none">
-                <a:solidFill>
-                  <a:srgbClr val="294667"/>
-                </a:solidFill>
-                <a:latin typeface="Merriweather"/>
-                <a:ea typeface="Merriweather"/>
-                <a:cs typeface="Merriweather"/>
-                <a:sym typeface="Merriweather"/>
-              </a:defRPr>
-            </a:lvl7pPr>
-            <a:lvl8pPr marR="0" lvl="7" algn="l" rtl="0">
-              <a:lnSpc>
-                <a:spcPct val="100000"/>
-              </a:lnSpc>
-              <a:spcBef>
-                <a:spcPts val="0"/>
-              </a:spcBef>
-              <a:spcAft>
-                <a:spcPts val="0"/>
-              </a:spcAft>
-              <a:buClr>
-                <a:srgbClr val="294667"/>
-              </a:buClr>
-              <a:buSzPts val="1400"/>
-              <a:buFont typeface="Merriweather"/>
-              <a:buNone/>
-              <a:defRPr sz="1400" b="1" i="0" u="none" strike="noStrike" cap="none">
-                <a:solidFill>
-                  <a:srgbClr val="294667"/>
-                </a:solidFill>
-                <a:latin typeface="Merriweather"/>
-                <a:ea typeface="Merriweather"/>
-                <a:cs typeface="Merriweather"/>
-                <a:sym typeface="Merriweather"/>
-              </a:defRPr>
-            </a:lvl8pPr>
-            <a:lvl9pPr marR="0" lvl="8" algn="l" rtl="0">
-              <a:lnSpc>
-                <a:spcPct val="100000"/>
-              </a:lnSpc>
-              <a:spcBef>
-                <a:spcPts val="0"/>
-              </a:spcBef>
-              <a:spcAft>
-                <a:spcPts val="0"/>
-              </a:spcAft>
-              <a:buClr>
-                <a:srgbClr val="294667"/>
-              </a:buClr>
-              <a:buSzPts val="1400"/>
-              <a:buFont typeface="Merriweather"/>
-              <a:buNone/>
-              <a:defRPr sz="1400" b="1" i="0" u="none" strike="noStrike" cap="none">
-                <a:solidFill>
-                  <a:srgbClr val="294667"/>
-                </a:solidFill>
-                <a:latin typeface="Merriweather"/>
-                <a:ea typeface="Merriweather"/>
-                <a:cs typeface="Merriweather"/>
-                <a:sym typeface="Merriweather"/>
-              </a:defRPr>
-            </a:lvl9pPr>
-          </a:lstStyle>
-          <a:p>
-            <a:r>
-              <a:rPr lang="fr-FR" sz="2600" dirty="0"/>
-              <a:t>Déroulement des tâches et budget:</a:t>
-            </a:r>
-          </a:p>
-        </p:txBody>
-      </p:sp>
-      <p:pic>
-        <p:nvPicPr>
-          <p:cNvPr id="4" name="Image 3">
-            <a:extLst>
-              <a:ext uri="{FF2B5EF4-FFF2-40B4-BE49-F238E27FC236}">
-                <a16:creationId xmlns:a16="http://schemas.microsoft.com/office/drawing/2014/main" id="{1D026A76-7811-43D0-95C1-19B70345D050}"/>
-              </a:ext>
-            </a:extLst>
-          </p:cNvPr>
-          <p:cNvPicPr>
-            <a:picLocks noChangeAspect="1"/>
-          </p:cNvPicPr>
-          <p:nvPr/>
-        </p:nvPicPr>
-        <p:blipFill>
-          <a:blip r:embed="rId3"/>
-          <a:stretch>
-            <a:fillRect/>
-          </a:stretch>
-        </p:blipFill>
-        <p:spPr>
-          <a:xfrm>
-            <a:off x="336756" y="642702"/>
-            <a:ext cx="4038003" cy="4320502"/>
-          </a:xfrm>
-          <a:prstGeom prst="rect">
-            <a:avLst/>
-          </a:prstGeom>
-        </p:spPr>
-      </p:pic>
-      <p:pic>
-        <p:nvPicPr>
-          <p:cNvPr id="6" name="Image 5">
-            <a:extLst>
-              <a:ext uri="{FF2B5EF4-FFF2-40B4-BE49-F238E27FC236}">
-                <a16:creationId xmlns:a16="http://schemas.microsoft.com/office/drawing/2014/main" id="{84A286FC-F7FD-449E-B639-DF1D11C74586}"/>
-              </a:ext>
-            </a:extLst>
-          </p:cNvPr>
-          <p:cNvPicPr>
-            <a:picLocks noChangeAspect="1"/>
-          </p:cNvPicPr>
-          <p:nvPr/>
-        </p:nvPicPr>
-        <p:blipFill>
-          <a:blip r:embed="rId4"/>
-          <a:stretch>
-            <a:fillRect/>
-          </a:stretch>
-        </p:blipFill>
-        <p:spPr>
-          <a:xfrm>
-            <a:off x="4339120" y="642702"/>
-            <a:ext cx="558829" cy="4320502"/>
-          </a:xfrm>
-          <a:prstGeom prst="rect">
-            <a:avLst/>
-          </a:prstGeom>
-        </p:spPr>
-      </p:pic>
-      <p:sp>
-        <p:nvSpPr>
-          <p:cNvPr id="8" name="ZoneTexte 7">
-            <a:extLst>
-              <a:ext uri="{FF2B5EF4-FFF2-40B4-BE49-F238E27FC236}">
-                <a16:creationId xmlns:a16="http://schemas.microsoft.com/office/drawing/2014/main" id="{CD92AC50-61C8-4C6A-B8BD-BF6697295373}"/>
-              </a:ext>
-            </a:extLst>
-          </p:cNvPr>
-          <p:cNvSpPr txBox="1"/>
-          <p:nvPr/>
-        </p:nvSpPr>
-        <p:spPr>
-          <a:xfrm>
-            <a:off x="6287678" y="2279362"/>
-            <a:ext cx="1578768" cy="584775"/>
-          </a:xfrm>
-          <a:prstGeom prst="rect">
-            <a:avLst/>
-          </a:prstGeom>
-          <a:noFill/>
-        </p:spPr>
-        <p:txBody>
-          <a:bodyPr wrap="square" rtlCol="0">
-            <a:spAutoFit/>
-          </a:bodyPr>
-          <a:lstStyle/>
-          <a:p>
-            <a:pPr algn="ctr"/>
-            <a:r>
-              <a:rPr lang="fr-FR" sz="3200" b="1" dirty="0">
-                <a:solidFill>
-                  <a:srgbClr val="002060"/>
-                </a:solidFill>
-              </a:rPr>
-              <a:t>7456€</a:t>
-            </a:r>
-          </a:p>
-        </p:txBody>
-      </p:sp>
-      <p:pic>
-        <p:nvPicPr>
-          <p:cNvPr id="2" name="Image 1">
-            <a:extLst>
-              <a:ext uri="{FF2B5EF4-FFF2-40B4-BE49-F238E27FC236}">
-                <a16:creationId xmlns:a16="http://schemas.microsoft.com/office/drawing/2014/main" id="{55B40986-F5B5-4CE5-BFE6-AD97AB2BE55A}"/>
-              </a:ext>
-            </a:extLst>
-          </p:cNvPr>
-          <p:cNvPicPr>
-            <a:picLocks noChangeAspect="1"/>
-          </p:cNvPicPr>
-          <p:nvPr/>
-        </p:nvPicPr>
-        <p:blipFill>
-          <a:blip r:embed="rId5"/>
-          <a:stretch>
-            <a:fillRect/>
-          </a:stretch>
-        </p:blipFill>
-        <p:spPr>
-          <a:xfrm>
-            <a:off x="5007387" y="1274477"/>
-            <a:ext cx="3799857" cy="2042301"/>
-          </a:xfrm>
-          <a:prstGeom prst="rect">
-            <a:avLst/>
-          </a:prstGeom>
-        </p:spPr>
-      </p:pic>
-    </p:spTree>
-    <p:extLst>
-      <p:ext uri="{BB962C8B-B14F-4D97-AF65-F5344CB8AC3E}">
-        <p14:creationId xmlns:p14="http://schemas.microsoft.com/office/powerpoint/2010/main" val="4286604257"/>
-      </p:ext>
-    </p:extLst>
-  </p:cSld>
-  <p:clrMapOvr>
-    <a:masterClrMapping/>
-  </p:clrMapOvr>
-  <p:timing>
-    <p:tnLst>
-      <p:par>
-        <p:cTn id="1" dur="indefinite" restart="never" nodeType="tmRoot">
-          <p:childTnLst>
-            <p:seq concurrent="1" nextAc="seek">
-              <p:cTn id="2" dur="indefinite" nodeType="mainSeq">
-                <p:childTnLst>
-                  <p:par>
-                    <p:cTn id="3" fill="hold">
-                      <p:stCondLst>
-                        <p:cond delay="indefinite"/>
-                      </p:stCondLst>
-                      <p:childTnLst>
-                        <p:par>
-                          <p:cTn id="4" fill="hold">
-                            <p:stCondLst>
-                              <p:cond delay="0"/>
-                            </p:stCondLst>
-                            <p:childTnLst>
-                              <p:par>
-                                <p:cTn id="5" presetID="21" presetClass="entr" presetSubtype="1" fill="hold" nodeType="clickEffect">
-                                  <p:stCondLst>
-                                    <p:cond delay="0"/>
-                                  </p:stCondLst>
-                                  <p:childTnLst>
-                                    <p:set>
-                                      <p:cBhvr>
-                                        <p:cTn id="6" dur="1" fill="hold">
-                                          <p:stCondLst>
-                                            <p:cond delay="0"/>
-                                          </p:stCondLst>
-                                        </p:cTn>
-                                        <p:tgtEl>
-                                          <p:spTgt spid="4"/>
-                                        </p:tgtEl>
-                                        <p:attrNameLst>
-                                          <p:attrName>style.visibility</p:attrName>
-                                        </p:attrNameLst>
-                                      </p:cBhvr>
-                                      <p:to>
-                                        <p:strVal val="visible"/>
-                                      </p:to>
-                                    </p:set>
-                                    <p:animEffect transition="in" filter="wheel(1)">
-                                      <p:cBhvr>
-                                        <p:cTn id="7" dur="500"/>
-                                        <p:tgtEl>
-                                          <p:spTgt spid="4"/>
-                                        </p:tgtEl>
-                                      </p:cBhvr>
-                                    </p:animEffect>
-                                  </p:childTnLst>
-                                </p:cTn>
-                              </p:par>
-                            </p:childTnLst>
-                          </p:cTn>
-                        </p:par>
-                      </p:childTnLst>
-                    </p:cTn>
-                  </p:par>
-                  <p:par>
-                    <p:cTn id="8" fill="hold">
-                      <p:stCondLst>
-                        <p:cond delay="indefinite"/>
-                      </p:stCondLst>
-                      <p:childTnLst>
-                        <p:par>
-                          <p:cTn id="9" fill="hold">
-                            <p:stCondLst>
-                              <p:cond delay="0"/>
-                            </p:stCondLst>
-                            <p:childTnLst>
-                              <p:par>
-                                <p:cTn id="10" presetID="10" presetClass="entr" presetSubtype="0" fill="hold" nodeType="clickEffect">
-                                  <p:stCondLst>
-                                    <p:cond delay="0"/>
-                                  </p:stCondLst>
-                                  <p:childTnLst>
-                                    <p:set>
-                                      <p:cBhvr>
-                                        <p:cTn id="11" dur="1" fill="hold">
-                                          <p:stCondLst>
-                                            <p:cond delay="0"/>
-                                          </p:stCondLst>
-                                        </p:cTn>
-                                        <p:tgtEl>
-                                          <p:spTgt spid="6"/>
-                                        </p:tgtEl>
-                                        <p:attrNameLst>
-                                          <p:attrName>style.visibility</p:attrName>
-                                        </p:attrNameLst>
-                                      </p:cBhvr>
-                                      <p:to>
-                                        <p:strVal val="visible"/>
-                                      </p:to>
-                                    </p:set>
-                                    <p:animEffect transition="in" filter="fade">
-                                      <p:cBhvr>
-                                        <p:cTn id="12" dur="500"/>
-                                        <p:tgtEl>
-                                          <p:spTgt spid="6"/>
-                                        </p:tgtEl>
-                                      </p:cBhvr>
-                                    </p:animEffect>
-                                  </p:childTnLst>
-                                </p:cTn>
-                              </p:par>
-                              <p:par>
-                                <p:cTn id="13" presetID="1" presetClass="entr" presetSubtype="0" fill="hold" grpId="0" nodeType="withEffect">
-                                  <p:stCondLst>
-                                    <p:cond delay="0"/>
-                                  </p:stCondLst>
-                                  <p:childTnLst>
-                                    <p:set>
-                                      <p:cBhvr>
-                                        <p:cTn id="14" dur="1" fill="hold">
-                                          <p:stCondLst>
-                                            <p:cond delay="0"/>
-                                          </p:stCondLst>
-                                        </p:cTn>
-                                        <p:tgtEl>
-                                          <p:spTgt spid="8"/>
-                                        </p:tgtEl>
-                                        <p:attrNameLst>
-                                          <p:attrName>style.visibility</p:attrName>
-                                        </p:attrNameLst>
-                                      </p:cBhvr>
-                                      <p:to>
-                                        <p:strVal val="visible"/>
-                                      </p:to>
-                                    </p:set>
-                                  </p:childTnLst>
-                                </p:cTn>
-                              </p:par>
-                            </p:childTnLst>
-                          </p:cTn>
-                        </p:par>
-                      </p:childTnLst>
-                    </p:cTn>
-                  </p:par>
-                </p:childTnLst>
-              </p:cTn>
-              <p:prevCondLst>
-                <p:cond evt="onPrev" delay="0">
-                  <p:tgtEl>
-                    <p:sldTgt/>
-                  </p:tgtEl>
-                </p:cond>
-              </p:prevCondLst>
-              <p:nextCondLst>
-                <p:cond evt="onNext" delay="0">
-                  <p:tgtEl>
-                    <p:sldTgt/>
-                  </p:tgtEl>
-                </p:cond>
-              </p:nextCondLst>
-            </p:seq>
-          </p:childTnLst>
-        </p:cTn>
-      </p:par>
-    </p:tnLst>
-    <p:bldLst>
-      <p:bldP spid="8" grpId="0"/>
-    </p:bldLst>
-  </p:timing>
-</p:sld>
-</file>
-
-<file path=ppt/slides/slide8.xml><?xml version="1.0" encoding="utf-8"?>
-<p:sld xmlns:a="http://schemas.openxmlformats.org/drawingml/2006/main" xmlns:r="http://schemas.openxmlformats.org/officeDocument/2006/relationships" xmlns:p="http://schemas.openxmlformats.org/presentationml/2006/main">
-  <p:cSld>
-    <p:spTree>
-      <p:nvGrpSpPr>
-        <p:cNvPr id="1" name="Shape 157"/>
-        <p:cNvGrpSpPr/>
-        <p:nvPr/>
-      </p:nvGrpSpPr>
-      <p:grpSpPr>
-        <a:xfrm>
-          <a:off x="0" y="0"/>
-          <a:ext cx="0" cy="0"/>
-          <a:chOff x="0" y="0"/>
-          <a:chExt cx="0" cy="0"/>
-        </a:xfrm>
-      </p:grpSpPr>
-      <p:sp>
-        <p:nvSpPr>
-          <p:cNvPr id="172" name="Google Shape;172;p21"/>
-          <p:cNvSpPr txBox="1">
-            <a:spLocks noGrp="1"/>
-          </p:cNvSpPr>
-          <p:nvPr>
-            <p:ph type="sldNum" idx="12"/>
-          </p:nvPr>
-        </p:nvSpPr>
-        <p:spPr>
-          <a:xfrm>
-            <a:off x="4303650" y="4606800"/>
-            <a:ext cx="536700" cy="536700"/>
-          </a:xfrm>
-          <a:prstGeom prst="rect">
-            <a:avLst/>
-          </a:prstGeom>
-        </p:spPr>
-        <p:txBody>
-          <a:bodyPr spcFirstLastPara="1" wrap="square" lIns="91425" tIns="91425" rIns="91425" bIns="91425" anchor="ctr" anchorCtr="0">
-            <a:noAutofit/>
-          </a:bodyPr>
-          <a:lstStyle/>
-          <a:p>
-            <a:pPr marL="0" lvl="0" indent="0" algn="ctr" rtl="0">
-              <a:spcBef>
-                <a:spcPts val="0"/>
-              </a:spcBef>
-              <a:spcAft>
-                <a:spcPts val="0"/>
-              </a:spcAft>
-              <a:buNone/>
-            </a:pPr>
-            <a:fld id="{00000000-1234-1234-1234-123412341234}" type="slidenum">
-              <a:rPr lang="en"/>
-              <a:t>8</a:t>
-            </a:fld>
-            <a:endParaRPr dirty="0"/>
-          </a:p>
-        </p:txBody>
-      </p:sp>
-      <p:sp>
-        <p:nvSpPr>
-          <p:cNvPr id="3" name="Google Shape;158;p21">
-            <a:extLst>
-              <a:ext uri="{FF2B5EF4-FFF2-40B4-BE49-F238E27FC236}">
-                <a16:creationId xmlns:a16="http://schemas.microsoft.com/office/drawing/2014/main" id="{A4F95413-8F91-4EC2-BAA9-2E745CD08F74}"/>
-              </a:ext>
-            </a:extLst>
-          </p:cNvPr>
-          <p:cNvSpPr txBox="1">
-            <a:spLocks/>
-          </p:cNvSpPr>
-          <p:nvPr/>
-        </p:nvSpPr>
-        <p:spPr>
-          <a:xfrm>
-            <a:off x="265572" y="148961"/>
-            <a:ext cx="6022106" cy="571756"/>
-          </a:xfrm>
-          <a:prstGeom prst="rect">
-            <a:avLst/>
-          </a:prstGeom>
-          <a:noFill/>
-          <a:ln>
-            <a:noFill/>
-          </a:ln>
-        </p:spPr>
-        <p:txBody>
-          <a:bodyPr spcFirstLastPara="1" wrap="square" lIns="91425" tIns="91425" rIns="91425" bIns="91425" anchor="b" anchorCtr="0">
-            <a:noAutofit/>
-          </a:bodyPr>
-          <a:lstStyle>
-            <a:defPPr marR="0" lvl="0" algn="l" rtl="0">
-              <a:lnSpc>
-                <a:spcPct val="100000"/>
-              </a:lnSpc>
-              <a:spcBef>
-                <a:spcPts val="0"/>
-              </a:spcBef>
-              <a:spcAft>
-                <a:spcPts val="0"/>
-              </a:spcAft>
-            </a:defPPr>
-            <a:lvl1pPr marR="0" lvl="0" algn="l" rtl="0">
-              <a:lnSpc>
-                <a:spcPct val="100000"/>
-              </a:lnSpc>
-              <a:spcBef>
-                <a:spcPts val="0"/>
-              </a:spcBef>
-              <a:spcAft>
-                <a:spcPts val="0"/>
-              </a:spcAft>
-              <a:buClr>
-                <a:srgbClr val="294667"/>
-              </a:buClr>
-              <a:buSzPts val="1400"/>
-              <a:buFont typeface="Merriweather"/>
-              <a:buNone/>
-              <a:defRPr sz="1400" b="1" i="0" u="none" strike="noStrike" cap="none">
-                <a:solidFill>
-                  <a:srgbClr val="294667"/>
-                </a:solidFill>
-                <a:latin typeface="Merriweather"/>
-                <a:ea typeface="Merriweather"/>
-                <a:cs typeface="Merriweather"/>
-                <a:sym typeface="Merriweather"/>
-              </a:defRPr>
-            </a:lvl1pPr>
-            <a:lvl2pPr marR="0" lvl="1" algn="l" rtl="0">
-              <a:lnSpc>
-                <a:spcPct val="100000"/>
-              </a:lnSpc>
-              <a:spcBef>
-                <a:spcPts val="0"/>
-              </a:spcBef>
-              <a:spcAft>
-                <a:spcPts val="0"/>
-              </a:spcAft>
-              <a:buClr>
-                <a:srgbClr val="294667"/>
-              </a:buClr>
-              <a:buSzPts val="1400"/>
-              <a:buFont typeface="Merriweather"/>
-              <a:buNone/>
-              <a:defRPr sz="1400" b="1" i="0" u="none" strike="noStrike" cap="none">
-                <a:solidFill>
-                  <a:srgbClr val="294667"/>
-                </a:solidFill>
-                <a:latin typeface="Merriweather"/>
-                <a:ea typeface="Merriweather"/>
-                <a:cs typeface="Merriweather"/>
-                <a:sym typeface="Merriweather"/>
-              </a:defRPr>
-            </a:lvl2pPr>
-            <a:lvl3pPr marR="0" lvl="2" algn="l" rtl="0">
-              <a:lnSpc>
-                <a:spcPct val="100000"/>
-              </a:lnSpc>
-              <a:spcBef>
-                <a:spcPts val="0"/>
-              </a:spcBef>
-              <a:spcAft>
-                <a:spcPts val="0"/>
-              </a:spcAft>
-              <a:buClr>
-                <a:srgbClr val="294667"/>
-              </a:buClr>
-              <a:buSzPts val="1400"/>
-              <a:buFont typeface="Merriweather"/>
-              <a:buNone/>
-              <a:defRPr sz="1400" b="1" i="0" u="none" strike="noStrike" cap="none">
-                <a:solidFill>
-                  <a:srgbClr val="294667"/>
-                </a:solidFill>
-                <a:latin typeface="Merriweather"/>
-                <a:ea typeface="Merriweather"/>
-                <a:cs typeface="Merriweather"/>
-                <a:sym typeface="Merriweather"/>
-              </a:defRPr>
-            </a:lvl3pPr>
-            <a:lvl4pPr marR="0" lvl="3" algn="l" rtl="0">
-              <a:lnSpc>
-                <a:spcPct val="100000"/>
-              </a:lnSpc>
-              <a:spcBef>
-                <a:spcPts val="0"/>
-              </a:spcBef>
-              <a:spcAft>
-                <a:spcPts val="0"/>
-              </a:spcAft>
-              <a:buClr>
-                <a:srgbClr val="294667"/>
-              </a:buClr>
-              <a:buSzPts val="1400"/>
-              <a:buFont typeface="Merriweather"/>
-              <a:buNone/>
-              <a:defRPr sz="1400" b="1" i="0" u="none" strike="noStrike" cap="none">
-                <a:solidFill>
-                  <a:srgbClr val="294667"/>
-                </a:solidFill>
-                <a:latin typeface="Merriweather"/>
-                <a:ea typeface="Merriweather"/>
-                <a:cs typeface="Merriweather"/>
-                <a:sym typeface="Merriweather"/>
-              </a:defRPr>
-            </a:lvl4pPr>
-            <a:lvl5pPr marR="0" lvl="4" algn="l" rtl="0">
-              <a:lnSpc>
-                <a:spcPct val="100000"/>
-              </a:lnSpc>
-              <a:spcBef>
-                <a:spcPts val="0"/>
-              </a:spcBef>
-              <a:spcAft>
-                <a:spcPts val="0"/>
-              </a:spcAft>
-              <a:buClr>
-                <a:srgbClr val="294667"/>
-              </a:buClr>
-              <a:buSzPts val="1400"/>
-              <a:buFont typeface="Merriweather"/>
-              <a:buNone/>
-              <a:defRPr sz="1400" b="1" i="0" u="none" strike="noStrike" cap="none">
-                <a:solidFill>
-                  <a:srgbClr val="294667"/>
-                </a:solidFill>
-                <a:latin typeface="Merriweather"/>
-                <a:ea typeface="Merriweather"/>
-                <a:cs typeface="Merriweather"/>
-                <a:sym typeface="Merriweather"/>
-              </a:defRPr>
-            </a:lvl5pPr>
-            <a:lvl6pPr marR="0" lvl="5" algn="l" rtl="0">
-              <a:lnSpc>
-                <a:spcPct val="100000"/>
-              </a:lnSpc>
-              <a:spcBef>
-                <a:spcPts val="0"/>
-              </a:spcBef>
-              <a:spcAft>
-                <a:spcPts val="0"/>
-              </a:spcAft>
-              <a:buClr>
-                <a:srgbClr val="294667"/>
-              </a:buClr>
-              <a:buSzPts val="1400"/>
-              <a:buFont typeface="Merriweather"/>
-              <a:buNone/>
-              <a:defRPr sz="1400" b="1" i="0" u="none" strike="noStrike" cap="none">
-                <a:solidFill>
-                  <a:srgbClr val="294667"/>
-                </a:solidFill>
-                <a:latin typeface="Merriweather"/>
-                <a:ea typeface="Merriweather"/>
-                <a:cs typeface="Merriweather"/>
-                <a:sym typeface="Merriweather"/>
-              </a:defRPr>
-            </a:lvl6pPr>
-            <a:lvl7pPr marR="0" lvl="6" algn="l" rtl="0">
-              <a:lnSpc>
-                <a:spcPct val="100000"/>
-              </a:lnSpc>
-              <a:spcBef>
-                <a:spcPts val="0"/>
-              </a:spcBef>
-              <a:spcAft>
-                <a:spcPts val="0"/>
-              </a:spcAft>
-              <a:buClr>
-                <a:srgbClr val="294667"/>
-              </a:buClr>
-              <a:buSzPts val="1400"/>
-              <a:buFont typeface="Merriweather"/>
-              <a:buNone/>
-              <a:defRPr sz="1400" b="1" i="0" u="none" strike="noStrike" cap="none">
-                <a:solidFill>
-                  <a:srgbClr val="294667"/>
-                </a:solidFill>
-                <a:latin typeface="Merriweather"/>
-                <a:ea typeface="Merriweather"/>
-                <a:cs typeface="Merriweather"/>
-                <a:sym typeface="Merriweather"/>
-              </a:defRPr>
-            </a:lvl7pPr>
-            <a:lvl8pPr marR="0" lvl="7" algn="l" rtl="0">
-              <a:lnSpc>
-                <a:spcPct val="100000"/>
-              </a:lnSpc>
-              <a:spcBef>
-                <a:spcPts val="0"/>
-              </a:spcBef>
-              <a:spcAft>
-                <a:spcPts val="0"/>
-              </a:spcAft>
-              <a:buClr>
-                <a:srgbClr val="294667"/>
-              </a:buClr>
-              <a:buSzPts val="1400"/>
-              <a:buFont typeface="Merriweather"/>
-              <a:buNone/>
-              <a:defRPr sz="1400" b="1" i="0" u="none" strike="noStrike" cap="none">
-                <a:solidFill>
-                  <a:srgbClr val="294667"/>
-                </a:solidFill>
-                <a:latin typeface="Merriweather"/>
-                <a:ea typeface="Merriweather"/>
-                <a:cs typeface="Merriweather"/>
-                <a:sym typeface="Merriweather"/>
-              </a:defRPr>
-            </a:lvl8pPr>
-            <a:lvl9pPr marR="0" lvl="8" algn="l" rtl="0">
-              <a:lnSpc>
-                <a:spcPct val="100000"/>
-              </a:lnSpc>
-              <a:spcBef>
-                <a:spcPts val="0"/>
-              </a:spcBef>
-              <a:spcAft>
-                <a:spcPts val="0"/>
-              </a:spcAft>
-              <a:buClr>
-                <a:srgbClr val="294667"/>
-              </a:buClr>
-              <a:buSzPts val="1400"/>
-              <a:buFont typeface="Merriweather"/>
-              <a:buNone/>
-              <a:defRPr sz="1400" b="1" i="0" u="none" strike="noStrike" cap="none">
-                <a:solidFill>
-                  <a:srgbClr val="294667"/>
-                </a:solidFill>
-                <a:latin typeface="Merriweather"/>
-                <a:ea typeface="Merriweather"/>
-                <a:cs typeface="Merriweather"/>
-                <a:sym typeface="Merriweather"/>
-              </a:defRPr>
-            </a:lvl9pPr>
-          </a:lstStyle>
-          <a:p>
-            <a:r>
-              <a:rPr lang="fr-FR" sz="2600" dirty="0"/>
-              <a:t>Avancement des tâches :</a:t>
-            </a:r>
-          </a:p>
-        </p:txBody>
-      </p:sp>
-      <p:pic>
-        <p:nvPicPr>
-          <p:cNvPr id="5" name="Image 4">
-            <a:extLst>
-              <a:ext uri="{FF2B5EF4-FFF2-40B4-BE49-F238E27FC236}">
-                <a16:creationId xmlns:a16="http://schemas.microsoft.com/office/drawing/2014/main" id="{E0CA0A49-03C8-4E8C-967F-889972A1B5BA}"/>
-              </a:ext>
-            </a:extLst>
-          </p:cNvPr>
-          <p:cNvPicPr>
-            <a:picLocks noChangeAspect="1"/>
-          </p:cNvPicPr>
-          <p:nvPr/>
-        </p:nvPicPr>
-        <p:blipFill>
-          <a:blip r:embed="rId3"/>
-          <a:stretch>
-            <a:fillRect/>
-          </a:stretch>
-        </p:blipFill>
-        <p:spPr>
-          <a:xfrm>
-            <a:off x="945963" y="609413"/>
-            <a:ext cx="7252073" cy="4103903"/>
-          </a:xfrm>
-          <a:prstGeom prst="rect">
-            <a:avLst/>
-          </a:prstGeom>
-        </p:spPr>
-      </p:pic>
-    </p:spTree>
-    <p:extLst>
-      <p:ext uri="{BB962C8B-B14F-4D97-AF65-F5344CB8AC3E}">
-        <p14:creationId xmlns:p14="http://schemas.microsoft.com/office/powerpoint/2010/main" val="290048755"/>
-      </p:ext>
-    </p:extLst>
-  </p:cSld>
-  <p:clrMapOvr>
-    <a:masterClrMapping/>
-  </p:clrMapOvr>
-</p:sld>
-</file>
-
 <file path=ppt/slides/slide9.xml><?xml version="1.0" encoding="utf-8"?>
 <p:sld xmlns:a="http://schemas.openxmlformats.org/drawingml/2006/main" xmlns:r="http://schemas.openxmlformats.org/officeDocument/2006/relationships" xmlns:p="http://schemas.openxmlformats.org/presentationml/2006/main">
   <p:cSld>
@@ -17500,6 +17902,15 @@
             </a:pPr>
             <a:fld id="{00000000-1234-1234-1234-123412341234}" type="slidenum">
               <a:rPr lang="en"/>
+              <a:pPr marL="0" lvl="0" indent="0" algn="ctr" rtl="0">
+                <a:spcBef>
+                  <a:spcPts val="0"/>
+                </a:spcBef>
+                <a:spcAft>
+                  <a:spcPts val="0"/>
+                </a:spcAft>
+                <a:buNone/>
+              </a:pPr>
               <a:t>9</a:t>
             </a:fld>
             <a:endParaRPr dirty="0"/>
@@ -17511,7 +17922,7 @@
           <p:cNvPr id="12" name="Rectangle 11">
             <a:extLst>
               <a:ext uri="{FF2B5EF4-FFF2-40B4-BE49-F238E27FC236}">
-                <a16:creationId xmlns:a16="http://schemas.microsoft.com/office/drawing/2014/main" id="{033CEB3C-062C-4AE9-BFD9-718F81FBA2D3}"/>
+                <a16:creationId xmlns:a16="http://schemas.microsoft.com/office/drawing/2014/main" xmlns="" id="{033CEB3C-062C-4AE9-BFD9-718F81FBA2D3}"/>
               </a:ext>
             </a:extLst>
           </p:cNvPr>
@@ -17545,7 +17956,7 @@
           <p:cNvPr id="13" name="Image 12" descr="Une image contenant capture d’écran&#10;&#10;Description générée automatiquement">
             <a:extLst>
               <a:ext uri="{FF2B5EF4-FFF2-40B4-BE49-F238E27FC236}">
-                <a16:creationId xmlns:a16="http://schemas.microsoft.com/office/drawing/2014/main" id="{DB0955D7-21A4-438B-9205-C3509719C6EA}"/>
+                <a16:creationId xmlns:a16="http://schemas.microsoft.com/office/drawing/2014/main" xmlns="" id="{DB0955D7-21A4-438B-9205-C3509719C6EA}"/>
               </a:ext>
             </a:extLst>
           </p:cNvPr>
@@ -17558,7 +17969,7 @@
           <a:blip r:embed="rId3" cstate="print">
             <a:extLst>
               <a:ext uri="{28A0092B-C50C-407E-A947-70E740481C1C}">
-                <a14:useLocalDpi xmlns:a14="http://schemas.microsoft.com/office/drawing/2010/main" val="0"/>
+                <a14:useLocalDpi xmlns:a14="http://schemas.microsoft.com/office/drawing/2010/main" xmlns="" val="0"/>
               </a:ext>
             </a:extLst>
           </a:blip>
@@ -17581,7 +17992,7 @@
           <p:cNvPr id="14" name="Rectangle 13">
             <a:extLst>
               <a:ext uri="{FF2B5EF4-FFF2-40B4-BE49-F238E27FC236}">
-                <a16:creationId xmlns:a16="http://schemas.microsoft.com/office/drawing/2014/main" id="{524E07A6-145E-42AE-BF20-AA8BC076A8AF}"/>
+                <a16:creationId xmlns:a16="http://schemas.microsoft.com/office/drawing/2014/main" xmlns="" id="{524E07A6-145E-42AE-BF20-AA8BC076A8AF}"/>
               </a:ext>
             </a:extLst>
           </p:cNvPr>
@@ -17658,7 +18069,7 @@
           <p:cNvPr id="15" name="Image 14" descr="Une image contenant chien, intérieur, assis, regardant&#10;&#10;Description générée automatiquement">
             <a:extLst>
               <a:ext uri="{FF2B5EF4-FFF2-40B4-BE49-F238E27FC236}">
-                <a16:creationId xmlns:a16="http://schemas.microsoft.com/office/drawing/2014/main" id="{C19C3487-6E7A-463C-AC52-C9491404A70A}"/>
+                <a16:creationId xmlns:a16="http://schemas.microsoft.com/office/drawing/2014/main" xmlns="" id="{C19C3487-6E7A-463C-AC52-C9491404A70A}"/>
               </a:ext>
             </a:extLst>
           </p:cNvPr>
@@ -17671,7 +18082,7 @@
           <a:blip r:embed="rId4">
             <a:extLst>
               <a:ext uri="{28A0092B-C50C-407E-A947-70E740481C1C}">
-                <a14:useLocalDpi xmlns:a14="http://schemas.microsoft.com/office/drawing/2010/main" val="0"/>
+                <a14:useLocalDpi xmlns:a14="http://schemas.microsoft.com/office/drawing/2010/main" xmlns="" val="0"/>
               </a:ext>
             </a:extLst>
           </a:blip>
@@ -17694,7 +18105,7 @@
           <p:cNvPr id="16" name="Image 15" descr="Une image contenant capture d’écran&#10;&#10;Description générée automatiquement">
             <a:extLst>
               <a:ext uri="{FF2B5EF4-FFF2-40B4-BE49-F238E27FC236}">
-                <a16:creationId xmlns:a16="http://schemas.microsoft.com/office/drawing/2014/main" id="{DA68E50C-7874-4056-A21E-04970CB4E876}"/>
+                <a16:creationId xmlns:a16="http://schemas.microsoft.com/office/drawing/2014/main" xmlns="" id="{DA68E50C-7874-4056-A21E-04970CB4E876}"/>
               </a:ext>
             </a:extLst>
           </p:cNvPr>
@@ -17707,7 +18118,7 @@
           <a:blip r:embed="rId5">
             <a:extLst>
               <a:ext uri="{28A0092B-C50C-407E-A947-70E740481C1C}">
-                <a14:useLocalDpi xmlns:a14="http://schemas.microsoft.com/office/drawing/2010/main" val="0"/>
+                <a14:useLocalDpi xmlns:a14="http://schemas.microsoft.com/office/drawing/2010/main" xmlns="" val="0"/>
               </a:ext>
             </a:extLst>
           </a:blip>
@@ -17730,7 +18141,7 @@
           <p:cNvPr id="17" name="Rectangle 16">
             <a:extLst>
               <a:ext uri="{FF2B5EF4-FFF2-40B4-BE49-F238E27FC236}">
-                <a16:creationId xmlns:a16="http://schemas.microsoft.com/office/drawing/2014/main" id="{2970F062-CE10-42FA-9C64-1AE45687880E}"/>
+                <a16:creationId xmlns:a16="http://schemas.microsoft.com/office/drawing/2014/main" xmlns="" id="{2970F062-CE10-42FA-9C64-1AE45687880E}"/>
               </a:ext>
             </a:extLst>
           </p:cNvPr>
@@ -17779,7 +18190,7 @@
           <p:cNvPr id="18" name="Connecteur : en arc 17">
             <a:extLst>
               <a:ext uri="{FF2B5EF4-FFF2-40B4-BE49-F238E27FC236}">
-                <a16:creationId xmlns:a16="http://schemas.microsoft.com/office/drawing/2014/main" id="{F721DF07-0FF6-4D03-ABA3-ECAE4C996678}"/>
+                <a16:creationId xmlns:a16="http://schemas.microsoft.com/office/drawing/2014/main" xmlns="" id="{F721DF07-0FF6-4D03-ABA3-ECAE4C996678}"/>
               </a:ext>
             </a:extLst>
           </p:cNvPr>
@@ -17822,7 +18233,7 @@
           <p:cNvPr id="19" name="Connecteur : en arc 18">
             <a:extLst>
               <a:ext uri="{FF2B5EF4-FFF2-40B4-BE49-F238E27FC236}">
-                <a16:creationId xmlns:a16="http://schemas.microsoft.com/office/drawing/2014/main" id="{950755EB-3C57-40BC-BB9C-24F88EC0A2CA}"/>
+                <a16:creationId xmlns:a16="http://schemas.microsoft.com/office/drawing/2014/main" xmlns="" id="{950755EB-3C57-40BC-BB9C-24F88EC0A2CA}"/>
               </a:ext>
             </a:extLst>
           </p:cNvPr>
@@ -17865,7 +18276,7 @@
     </p:spTree>
     <p:extLst>
       <p:ext uri="{BB962C8B-B14F-4D97-AF65-F5344CB8AC3E}">
-        <p14:creationId xmlns:p14="http://schemas.microsoft.com/office/powerpoint/2010/main" val="1468438030"/>
+        <p14:creationId xmlns:p14="http://schemas.microsoft.com/office/powerpoint/2010/main" xmlns="" val="1468438030"/>
       </p:ext>
     </p:extLst>
   </p:cSld>
